--- a/itmo/presentation/main.pptx
+++ b/itmo/presentation/main.pptx
@@ -289,7 +289,7 @@
           <a:p>
             <a:fld id="{BC0DFE1D-6179-40EA-B672-ADEE062EB995}" type="datetimeFigureOut">
               <a:rPr lang="ru-RU" smtClean="0"/>
-              <a:t>24.04.2012</a:t>
+              <a:t>29.04.2012</a:t>
             </a:fld>
             <a:endParaRPr lang="ru-RU"/>
           </a:p>
@@ -454,7 +454,7 @@
           <a:p>
             <a:fld id="{BC0DFE1D-6179-40EA-B672-ADEE062EB995}" type="datetimeFigureOut">
               <a:rPr lang="ru-RU" smtClean="0"/>
-              <a:t>24.04.2012</a:t>
+              <a:t>29.04.2012</a:t>
             </a:fld>
             <a:endParaRPr lang="ru-RU"/>
           </a:p>
@@ -629,7 +629,7 @@
           <a:p>
             <a:fld id="{BC0DFE1D-6179-40EA-B672-ADEE062EB995}" type="datetimeFigureOut">
               <a:rPr lang="ru-RU" smtClean="0"/>
-              <a:t>24.04.2012</a:t>
+              <a:t>29.04.2012</a:t>
             </a:fld>
             <a:endParaRPr lang="ru-RU"/>
           </a:p>
@@ -794,7 +794,7 @@
           <a:p>
             <a:fld id="{BC0DFE1D-6179-40EA-B672-ADEE062EB995}" type="datetimeFigureOut">
               <a:rPr lang="ru-RU" smtClean="0"/>
-              <a:t>24.04.2012</a:t>
+              <a:t>29.04.2012</a:t>
             </a:fld>
             <a:endParaRPr lang="ru-RU"/>
           </a:p>
@@ -1035,7 +1035,7 @@
           <a:p>
             <a:fld id="{BC0DFE1D-6179-40EA-B672-ADEE062EB995}" type="datetimeFigureOut">
               <a:rPr lang="ru-RU" smtClean="0"/>
-              <a:t>24.04.2012</a:t>
+              <a:t>29.04.2012</a:t>
             </a:fld>
             <a:endParaRPr lang="ru-RU"/>
           </a:p>
@@ -1318,7 +1318,7 @@
           <a:p>
             <a:fld id="{BC0DFE1D-6179-40EA-B672-ADEE062EB995}" type="datetimeFigureOut">
               <a:rPr lang="ru-RU" smtClean="0"/>
-              <a:t>24.04.2012</a:t>
+              <a:t>29.04.2012</a:t>
             </a:fld>
             <a:endParaRPr lang="ru-RU"/>
           </a:p>
@@ -1735,7 +1735,7 @@
           <a:p>
             <a:fld id="{BC0DFE1D-6179-40EA-B672-ADEE062EB995}" type="datetimeFigureOut">
               <a:rPr lang="ru-RU" smtClean="0"/>
-              <a:t>24.04.2012</a:t>
+              <a:t>29.04.2012</a:t>
             </a:fld>
             <a:endParaRPr lang="ru-RU"/>
           </a:p>
@@ -1848,7 +1848,7 @@
           <a:p>
             <a:fld id="{BC0DFE1D-6179-40EA-B672-ADEE062EB995}" type="datetimeFigureOut">
               <a:rPr lang="ru-RU" smtClean="0"/>
-              <a:t>24.04.2012</a:t>
+              <a:t>29.04.2012</a:t>
             </a:fld>
             <a:endParaRPr lang="ru-RU"/>
           </a:p>
@@ -1938,7 +1938,7 @@
           <a:p>
             <a:fld id="{BC0DFE1D-6179-40EA-B672-ADEE062EB995}" type="datetimeFigureOut">
               <a:rPr lang="ru-RU" smtClean="0"/>
-              <a:t>24.04.2012</a:t>
+              <a:t>29.04.2012</a:t>
             </a:fld>
             <a:endParaRPr lang="ru-RU"/>
           </a:p>
@@ -2210,7 +2210,7 @@
           <a:p>
             <a:fld id="{BC0DFE1D-6179-40EA-B672-ADEE062EB995}" type="datetimeFigureOut">
               <a:rPr lang="ru-RU" smtClean="0"/>
-              <a:t>24.04.2012</a:t>
+              <a:t>29.04.2012</a:t>
             </a:fld>
             <a:endParaRPr lang="ru-RU"/>
           </a:p>
@@ -2458,7 +2458,7 @@
           <a:p>
             <a:fld id="{BC0DFE1D-6179-40EA-B672-ADEE062EB995}" type="datetimeFigureOut">
               <a:rPr lang="ru-RU" smtClean="0"/>
-              <a:t>24.04.2012</a:t>
+              <a:t>29.04.2012</a:t>
             </a:fld>
             <a:endParaRPr lang="ru-RU"/>
           </a:p>
@@ -2666,7 +2666,7 @@
           <a:p>
             <a:fld id="{BC0DFE1D-6179-40EA-B672-ADEE062EB995}" type="datetimeFigureOut">
               <a:rPr lang="ru-RU" smtClean="0"/>
-              <a:t>24.04.2012</a:t>
+              <a:t>29.04.2012</a:t>
             </a:fld>
             <a:endParaRPr lang="ru-RU"/>
           </a:p>
@@ -3426,6 +3426,28 @@
           <a:bodyPr/>
           <a:lstStyle/>
           <a:p>
+            <a:r>
+              <a:rPr lang="ru-RU" smtClean="0"/>
+              <a:t>Пизда</a:t>
+            </a:r>
+          </a:p>
+          <a:p>
+            <a:r>
+              <a:rPr lang="ru-RU" dirty="0" smtClean="0"/>
+              <a:t>Золотая </a:t>
+            </a:r>
+            <a:r>
+              <a:rPr lang="ru-RU" dirty="0" err="1"/>
+              <a:t>Д</a:t>
+            </a:r>
+            <a:r>
+              <a:rPr lang="ru-RU" dirty="0" err="1" smtClean="0"/>
+              <a:t>жигурда</a:t>
+            </a:r>
+            <a:r>
+              <a:rPr lang="ru-RU" dirty="0" smtClean="0"/>
+              <a:t>!!!</a:t>
+            </a:r>
             <a:endParaRPr lang="ru-RU" dirty="0"/>
           </a:p>
         </p:txBody>

--- a/itmo/presentation/main.pptx
+++ b/itmo/presentation/main.pptx
@@ -2,11 +2,20 @@
 <file path=ppt/presentation.xml><?xml version="1.0" encoding="utf-8"?>
 <p:presentation xmlns:a="http://schemas.openxmlformats.org/drawingml/2006/main" xmlns:r="http://schemas.openxmlformats.org/officeDocument/2006/relationships" xmlns:p="http://schemas.openxmlformats.org/presentationml/2006/main" saveSubsetFonts="1">
   <p:sldMasterIdLst>
-    <p:sldMasterId id="2147483900" r:id="rId1"/>
+    <p:sldMasterId id="2147483912" r:id="rId1"/>
   </p:sldMasterIdLst>
   <p:sldIdLst>
     <p:sldId id="256" r:id="rId2"/>
     <p:sldId id="257" r:id="rId3"/>
+    <p:sldId id="258" r:id="rId4"/>
+    <p:sldId id="259" r:id="rId5"/>
+    <p:sldId id="260" r:id="rId6"/>
+    <p:sldId id="261" r:id="rId7"/>
+    <p:sldId id="262" r:id="rId8"/>
+    <p:sldId id="263" r:id="rId9"/>
+    <p:sldId id="264" r:id="rId10"/>
+    <p:sldId id="265" r:id="rId11"/>
+    <p:sldId id="266" r:id="rId12"/>
   </p:sldIdLst>
   <p:sldSz cx="9144000" cy="6858000" type="screen4x3"/>
   <p:notesSz cx="6858000" cy="9144000"/>
@@ -127,7 +136,7 @@
       </p:grpSpPr>
       <p:sp>
         <p:nvSpPr>
-          <p:cNvPr id="2" name="Title 1"/>
+          <p:cNvPr id="14" name="Title 13"/>
           <p:cNvSpPr>
             <a:spLocks noGrp="1"/>
           </p:cNvSpPr>
@@ -137,25 +146,30 @@
         </p:nvSpPr>
         <p:spPr>
           <a:xfrm>
-            <a:off x="685800" y="2130425"/>
-            <a:ext cx="7772400" cy="1470025"/>
+            <a:off x="1432560" y="359898"/>
+            <a:ext cx="7406640" cy="1472184"/>
           </a:xfrm>
         </p:spPr>
         <p:txBody>
-          <a:bodyPr/>
-          <a:lstStyle/>
-          <a:p>
-            <a:r>
-              <a:rPr lang="en-US" smtClean="0"/>
+          <a:bodyPr anchor="b"/>
+          <a:lstStyle>
+            <a:lvl1pPr algn="l">
+              <a:defRPr/>
+            </a:lvl1pPr>
+            <a:extLst/>
+          </a:lstStyle>
+          <a:p>
+            <a:r>
+              <a:rPr kumimoji="0" lang="en-US" smtClean="0"/>
               <a:t>Click to edit Master title style</a:t>
             </a:r>
-            <a:endParaRPr lang="ru-RU"/>
-          </a:p>
-        </p:txBody>
-      </p:sp>
-      <p:sp>
-        <p:nvSpPr>
-          <p:cNvPr id="3" name="Subtitle 2"/>
+            <a:endParaRPr kumimoji="0" lang="en-US"/>
+          </a:p>
+        </p:txBody>
+      </p:sp>
+      <p:sp>
+        <p:nvSpPr>
+          <p:cNvPr id="22" name="Subtitle 21"/>
           <p:cNvSpPr>
             <a:spLocks noGrp="1"/>
           </p:cNvSpPr>
@@ -165,116 +179,62 @@
         </p:nvSpPr>
         <p:spPr>
           <a:xfrm>
-            <a:off x="1371600" y="3886200"/>
-            <a:ext cx="6400800" cy="1752600"/>
+            <a:off x="1432560" y="1850064"/>
+            <a:ext cx="7406640" cy="1752600"/>
           </a:xfrm>
         </p:spPr>
         <p:txBody>
-          <a:bodyPr/>
-          <a:lstStyle>
-            <a:lvl1pPr marL="0" indent="0" algn="ctr">
+          <a:bodyPr tIns="0"/>
+          <a:lstStyle>
+            <a:lvl1pPr marL="27432" indent="0" algn="l">
               <a:buNone/>
-              <a:defRPr>
+              <a:defRPr sz="2600">
                 <a:solidFill>
-                  <a:schemeClr val="tx1">
-                    <a:tint val="75000"/>
+                  <a:schemeClr val="tx2">
+                    <a:shade val="30000"/>
+                    <a:satMod val="150000"/>
                   </a:schemeClr>
                 </a:solidFill>
               </a:defRPr>
             </a:lvl1pPr>
             <a:lvl2pPr marL="457200" indent="0" algn="ctr">
               <a:buNone/>
-              <a:defRPr>
-                <a:solidFill>
-                  <a:schemeClr val="tx1">
-                    <a:tint val="75000"/>
-                  </a:schemeClr>
-                </a:solidFill>
-              </a:defRPr>
             </a:lvl2pPr>
             <a:lvl3pPr marL="914400" indent="0" algn="ctr">
               <a:buNone/>
-              <a:defRPr>
-                <a:solidFill>
-                  <a:schemeClr val="tx1">
-                    <a:tint val="75000"/>
-                  </a:schemeClr>
-                </a:solidFill>
-              </a:defRPr>
             </a:lvl3pPr>
             <a:lvl4pPr marL="1371600" indent="0" algn="ctr">
               <a:buNone/>
-              <a:defRPr>
-                <a:solidFill>
-                  <a:schemeClr val="tx1">
-                    <a:tint val="75000"/>
-                  </a:schemeClr>
-                </a:solidFill>
-              </a:defRPr>
             </a:lvl4pPr>
             <a:lvl5pPr marL="1828800" indent="0" algn="ctr">
               <a:buNone/>
-              <a:defRPr>
-                <a:solidFill>
-                  <a:schemeClr val="tx1">
-                    <a:tint val="75000"/>
-                  </a:schemeClr>
-                </a:solidFill>
-              </a:defRPr>
             </a:lvl5pPr>
             <a:lvl6pPr marL="2286000" indent="0" algn="ctr">
               <a:buNone/>
-              <a:defRPr>
-                <a:solidFill>
-                  <a:schemeClr val="tx1">
-                    <a:tint val="75000"/>
-                  </a:schemeClr>
-                </a:solidFill>
-              </a:defRPr>
             </a:lvl6pPr>
             <a:lvl7pPr marL="2743200" indent="0" algn="ctr">
               <a:buNone/>
-              <a:defRPr>
-                <a:solidFill>
-                  <a:schemeClr val="tx1">
-                    <a:tint val="75000"/>
-                  </a:schemeClr>
-                </a:solidFill>
-              </a:defRPr>
             </a:lvl7pPr>
             <a:lvl8pPr marL="3200400" indent="0" algn="ctr">
               <a:buNone/>
-              <a:defRPr>
-                <a:solidFill>
-                  <a:schemeClr val="tx1">
-                    <a:tint val="75000"/>
-                  </a:schemeClr>
-                </a:solidFill>
-              </a:defRPr>
             </a:lvl8pPr>
             <a:lvl9pPr marL="3657600" indent="0" algn="ctr">
               <a:buNone/>
-              <a:defRPr>
-                <a:solidFill>
-                  <a:schemeClr val="tx1">
-                    <a:tint val="75000"/>
-                  </a:schemeClr>
-                </a:solidFill>
-              </a:defRPr>
             </a:lvl9pPr>
-          </a:lstStyle>
-          <a:p>
-            <a:r>
-              <a:rPr lang="en-US" smtClean="0"/>
+            <a:extLst/>
+          </a:lstStyle>
+          <a:p>
+            <a:r>
+              <a:rPr kumimoji="0" lang="en-US" smtClean="0"/>
               <a:t>Click to edit Master subtitle style</a:t>
             </a:r>
-            <a:endParaRPr lang="ru-RU"/>
-          </a:p>
-        </p:txBody>
-      </p:sp>
-      <p:sp>
-        <p:nvSpPr>
-          <p:cNvPr id="4" name="Date Placeholder 3"/>
+            <a:endParaRPr kumimoji="0" lang="en-US"/>
+          </a:p>
+        </p:txBody>
+      </p:sp>
+      <p:sp>
+        <p:nvSpPr>
+          <p:cNvPr id="7" name="Date Placeholder 6"/>
           <p:cNvSpPr>
             <a:spLocks noGrp="1"/>
           </p:cNvSpPr>
@@ -285,11 +245,14 @@
         <p:spPr/>
         <p:txBody>
           <a:bodyPr/>
-          <a:lstStyle/>
+          <a:lstStyle>
+            <a:extLst/>
+          </a:lstStyle>
           <a:p>
             <a:fld id="{BC0DFE1D-6179-40EA-B672-ADEE062EB995}" type="datetimeFigureOut">
               <a:rPr lang="ru-RU" smtClean="0"/>
-              <a:t>29.04.2012</a:t>
+              <a:pPr/>
+              <a:t>02.05.2012</a:t>
             </a:fld>
             <a:endParaRPr lang="ru-RU"/>
           </a:p>
@@ -297,7 +260,7 @@
       </p:sp>
       <p:sp>
         <p:nvSpPr>
-          <p:cNvPr id="5" name="Footer Placeholder 4"/>
+          <p:cNvPr id="20" name="Footer Placeholder 19"/>
           <p:cNvSpPr>
             <a:spLocks noGrp="1"/>
           </p:cNvSpPr>
@@ -308,7 +271,9 @@
         <p:spPr/>
         <p:txBody>
           <a:bodyPr/>
-          <a:lstStyle/>
+          <a:lstStyle>
+            <a:extLst/>
+          </a:lstStyle>
           <a:p>
             <a:endParaRPr lang="ru-RU"/>
           </a:p>
@@ -316,7 +281,7 @@
       </p:sp>
       <p:sp>
         <p:nvSpPr>
-          <p:cNvPr id="6" name="Slide Number Placeholder 5"/>
+          <p:cNvPr id="10" name="Slide Number Placeholder 9"/>
           <p:cNvSpPr>
             <a:spLocks noGrp="1"/>
           </p:cNvSpPr>
@@ -327,13 +292,154 @@
         <p:spPr/>
         <p:txBody>
           <a:bodyPr/>
-          <a:lstStyle/>
+          <a:lstStyle>
+            <a:extLst/>
+          </a:lstStyle>
           <a:p>
             <a:fld id="{10BF275A-197B-46B8-8C34-B7A97177EA16}" type="slidenum">
               <a:rPr lang="ru-RU" smtClean="0"/>
+              <a:pPr/>
               <a:t>‹#›</a:t>
             </a:fld>
             <a:endParaRPr lang="ru-RU"/>
+          </a:p>
+        </p:txBody>
+      </p:sp>
+      <p:sp>
+        <p:nvSpPr>
+          <p:cNvPr id="8" name="Oval 7"/>
+          <p:cNvSpPr/>
+          <p:nvPr/>
+        </p:nvSpPr>
+        <p:spPr>
+          <a:xfrm>
+            <a:off x="921433" y="1413802"/>
+            <a:ext cx="210312" cy="210312"/>
+          </a:xfrm>
+          <a:prstGeom prst="ellipse">
+            <a:avLst/>
+          </a:prstGeom>
+          <a:gradFill rotWithShape="1">
+            <a:gsLst>
+              <a:gs pos="0">
+                <a:schemeClr val="accent1">
+                  <a:tint val="20000"/>
+                  <a:satMod val="450000"/>
+                  <a:alpha val="95000"/>
+                </a:schemeClr>
+              </a:gs>
+              <a:gs pos="50000">
+                <a:schemeClr val="accent1">
+                  <a:tint val="38000"/>
+                  <a:satMod val="250000"/>
+                  <a:alpha val="90000"/>
+                </a:schemeClr>
+              </a:gs>
+              <a:gs pos="95000">
+                <a:schemeClr val="accent1">
+                  <a:tint val="75000"/>
+                  <a:satMod val="255000"/>
+                  <a:alpha val="88000"/>
+                </a:schemeClr>
+              </a:gs>
+              <a:gs pos="100000">
+                <a:schemeClr val="accent1">
+                  <a:tint val="100000"/>
+                  <a:shade val="90000"/>
+                  <a:satMod val="255000"/>
+                  <a:alpha val="85000"/>
+                </a:schemeClr>
+              </a:gs>
+            </a:gsLst>
+            <a:path path="circle">
+              <a:fillToRect l="25000" t="12500" r="75000" b="87500"/>
+            </a:path>
+          </a:gradFill>
+          <a:ln w="2000" cap="rnd" cmpd="sng" algn="ctr">
+            <a:solidFill>
+              <a:schemeClr val="accent1">
+                <a:shade val="90000"/>
+                <a:satMod val="110000"/>
+                <a:alpha val="60000"/>
+              </a:schemeClr>
+            </a:solidFill>
+            <a:prstDash val="solid"/>
+          </a:ln>
+          <a:effectLst/>
+        </p:spPr>
+        <p:style>
+          <a:lnRef idx="1">
+            <a:schemeClr val="accent1"/>
+          </a:lnRef>
+          <a:fillRef idx="2">
+            <a:schemeClr val="accent1"/>
+          </a:fillRef>
+          <a:effectRef idx="1">
+            <a:schemeClr val="accent1"/>
+          </a:effectRef>
+          <a:fontRef idx="minor">
+            <a:schemeClr val="dk1"/>
+          </a:fontRef>
+        </p:style>
+        <p:txBody>
+          <a:bodyPr anchor="ctr"/>
+          <a:lstStyle>
+            <a:extLst/>
+          </a:lstStyle>
+          <a:p>
+            <a:pPr algn="ctr" eaLnBrk="1" latinLnBrk="0" hangingPunct="1"/>
+            <a:endParaRPr kumimoji="0" lang="en-US"/>
+          </a:p>
+        </p:txBody>
+      </p:sp>
+      <p:sp>
+        <p:nvSpPr>
+          <p:cNvPr id="9" name="Oval 8"/>
+          <p:cNvSpPr/>
+          <p:nvPr/>
+        </p:nvSpPr>
+        <p:spPr>
+          <a:xfrm>
+            <a:off x="1157176" y="1345016"/>
+            <a:ext cx="64008" cy="64008"/>
+          </a:xfrm>
+          <a:prstGeom prst="ellipse">
+            <a:avLst/>
+          </a:prstGeom>
+          <a:noFill/>
+          <a:ln w="12700" cap="rnd" cmpd="sng" algn="ctr">
+            <a:solidFill>
+              <a:schemeClr val="accent1">
+                <a:shade val="75000"/>
+                <a:alpha val="60000"/>
+              </a:schemeClr>
+            </a:solidFill>
+            <a:prstDash val="solid"/>
+          </a:ln>
+          <a:effectLst/>
+        </p:spPr>
+        <p:style>
+          <a:lnRef idx="1">
+            <a:schemeClr val="accent1"/>
+          </a:lnRef>
+          <a:fillRef idx="2">
+            <a:schemeClr val="accent1"/>
+          </a:fillRef>
+          <a:effectRef idx="1">
+            <a:schemeClr val="accent1"/>
+          </a:effectRef>
+          <a:fontRef idx="minor">
+            <a:schemeClr val="dk1"/>
+          </a:fontRef>
+        </p:style>
+        <p:txBody>
+          <a:bodyPr anchor="ctr"/>
+          <a:lstStyle>
+            <a:extLst/>
+          </a:lstStyle>
+          <a:p>
+            <a:pPr algn="ctr" eaLnBrk="1" latinLnBrk="0" hangingPunct="1"/>
+            <a:endParaRPr kumimoji="0" lang="en-US"/>
           </a:p>
         </p:txBody>
       </p:sp>
@@ -375,13 +481,15 @@
         <p:spPr/>
         <p:txBody>
           <a:bodyPr/>
-          <a:lstStyle/>
-          <a:p>
-            <a:r>
-              <a:rPr lang="en-US" smtClean="0"/>
+          <a:lstStyle>
+            <a:extLst/>
+          </a:lstStyle>
+          <a:p>
+            <a:r>
+              <a:rPr kumimoji="0" lang="en-US" smtClean="0"/>
               <a:t>Click to edit Master title style</a:t>
             </a:r>
-            <a:endParaRPr lang="ru-RU"/>
+            <a:endParaRPr kumimoji="0" lang="en-US"/>
           </a:p>
         </p:txBody>
       </p:sp>
@@ -398,42 +506,44 @@
         <p:spPr/>
         <p:txBody>
           <a:bodyPr vert="eaVert"/>
-          <a:lstStyle/>
-          <a:p>
-            <a:pPr lvl="0"/>
+          <a:lstStyle>
+            <a:extLst/>
+          </a:lstStyle>
+          <a:p>
+            <a:pPr lvl="0" eaLnBrk="1" latinLnBrk="0" hangingPunct="1"/>
             <a:r>
               <a:rPr lang="en-US" smtClean="0"/>
               <a:t>Click to edit Master text styles</a:t>
             </a:r>
           </a:p>
           <a:p>
-            <a:pPr lvl="1"/>
+            <a:pPr lvl="1" eaLnBrk="1" latinLnBrk="0" hangingPunct="1"/>
             <a:r>
               <a:rPr lang="en-US" smtClean="0"/>
               <a:t>Second level</a:t>
             </a:r>
           </a:p>
           <a:p>
-            <a:pPr lvl="2"/>
+            <a:pPr lvl="2" eaLnBrk="1" latinLnBrk="0" hangingPunct="1"/>
             <a:r>
               <a:rPr lang="en-US" smtClean="0"/>
               <a:t>Third level</a:t>
             </a:r>
           </a:p>
           <a:p>
-            <a:pPr lvl="3"/>
+            <a:pPr lvl="3" eaLnBrk="1" latinLnBrk="0" hangingPunct="1"/>
             <a:r>
               <a:rPr lang="en-US" smtClean="0"/>
               <a:t>Fourth level</a:t>
             </a:r>
           </a:p>
           <a:p>
-            <a:pPr lvl="4"/>
+            <a:pPr lvl="4" eaLnBrk="1" latinLnBrk="0" hangingPunct="1"/>
             <a:r>
               <a:rPr lang="en-US" smtClean="0"/>
               <a:t>Fifth level</a:t>
             </a:r>
-            <a:endParaRPr lang="ru-RU"/>
+            <a:endParaRPr kumimoji="0" lang="en-US"/>
           </a:p>
         </p:txBody>
       </p:sp>
@@ -450,11 +560,14 @@
         <p:spPr/>
         <p:txBody>
           <a:bodyPr/>
-          <a:lstStyle/>
+          <a:lstStyle>
+            <a:extLst/>
+          </a:lstStyle>
           <a:p>
             <a:fld id="{BC0DFE1D-6179-40EA-B672-ADEE062EB995}" type="datetimeFigureOut">
               <a:rPr lang="ru-RU" smtClean="0"/>
-              <a:t>29.04.2012</a:t>
+              <a:pPr/>
+              <a:t>02.05.2012</a:t>
             </a:fld>
             <a:endParaRPr lang="ru-RU"/>
           </a:p>
@@ -473,7 +586,9 @@
         <p:spPr/>
         <p:txBody>
           <a:bodyPr/>
-          <a:lstStyle/>
+          <a:lstStyle>
+            <a:extLst/>
+          </a:lstStyle>
           <a:p>
             <a:endParaRPr lang="ru-RU"/>
           </a:p>
@@ -492,10 +607,13 @@
         <p:spPr/>
         <p:txBody>
           <a:bodyPr/>
-          <a:lstStyle/>
+          <a:lstStyle>
+            <a:extLst/>
+          </a:lstStyle>
           <a:p>
             <a:fld id="{10BF275A-197B-46B8-8C34-B7A97177EA16}" type="slidenum">
               <a:rPr lang="ru-RU" smtClean="0"/>
+              <a:pPr/>
               <a:t>‹#›</a:t>
             </a:fld>
             <a:endParaRPr lang="ru-RU"/>
@@ -539,19 +657,21 @@
         </p:nvSpPr>
         <p:spPr>
           <a:xfrm>
-            <a:off x="6629400" y="274638"/>
-            <a:ext cx="2057400" cy="5851525"/>
+            <a:off x="6858000" y="274639"/>
+            <a:ext cx="1828800" cy="5851525"/>
           </a:xfrm>
         </p:spPr>
         <p:txBody>
           <a:bodyPr vert="eaVert"/>
-          <a:lstStyle/>
-          <a:p>
-            <a:r>
-              <a:rPr lang="en-US" smtClean="0"/>
+          <a:lstStyle>
+            <a:extLst/>
+          </a:lstStyle>
+          <a:p>
+            <a:r>
+              <a:rPr kumimoji="0" lang="en-US" smtClean="0"/>
               <a:t>Click to edit Master title style</a:t>
             </a:r>
-            <a:endParaRPr lang="ru-RU"/>
+            <a:endParaRPr kumimoji="0" lang="en-US"/>
           </a:p>
         </p:txBody>
       </p:sp>
@@ -567,48 +687,50 @@
         </p:nvSpPr>
         <p:spPr>
           <a:xfrm>
-            <a:off x="457200" y="274638"/>
-            <a:ext cx="6019800" cy="5851525"/>
+            <a:off x="1143000" y="274640"/>
+            <a:ext cx="5562600" cy="5851525"/>
           </a:xfrm>
         </p:spPr>
         <p:txBody>
           <a:bodyPr vert="eaVert"/>
-          <a:lstStyle/>
-          <a:p>
-            <a:pPr lvl="0"/>
+          <a:lstStyle>
+            <a:extLst/>
+          </a:lstStyle>
+          <a:p>
+            <a:pPr lvl="0" eaLnBrk="1" latinLnBrk="0" hangingPunct="1"/>
             <a:r>
               <a:rPr lang="en-US" smtClean="0"/>
               <a:t>Click to edit Master text styles</a:t>
             </a:r>
           </a:p>
           <a:p>
-            <a:pPr lvl="1"/>
+            <a:pPr lvl="1" eaLnBrk="1" latinLnBrk="0" hangingPunct="1"/>
             <a:r>
               <a:rPr lang="en-US" smtClean="0"/>
               <a:t>Second level</a:t>
             </a:r>
           </a:p>
           <a:p>
-            <a:pPr lvl="2"/>
+            <a:pPr lvl="2" eaLnBrk="1" latinLnBrk="0" hangingPunct="1"/>
             <a:r>
               <a:rPr lang="en-US" smtClean="0"/>
               <a:t>Third level</a:t>
             </a:r>
           </a:p>
           <a:p>
-            <a:pPr lvl="3"/>
+            <a:pPr lvl="3" eaLnBrk="1" latinLnBrk="0" hangingPunct="1"/>
             <a:r>
               <a:rPr lang="en-US" smtClean="0"/>
               <a:t>Fourth level</a:t>
             </a:r>
           </a:p>
           <a:p>
-            <a:pPr lvl="4"/>
+            <a:pPr lvl="4" eaLnBrk="1" latinLnBrk="0" hangingPunct="1"/>
             <a:r>
               <a:rPr lang="en-US" smtClean="0"/>
               <a:t>Fifth level</a:t>
             </a:r>
-            <a:endParaRPr lang="ru-RU"/>
+            <a:endParaRPr kumimoji="0" lang="en-US"/>
           </a:p>
         </p:txBody>
       </p:sp>
@@ -625,11 +747,14 @@
         <p:spPr/>
         <p:txBody>
           <a:bodyPr/>
-          <a:lstStyle/>
+          <a:lstStyle>
+            <a:extLst/>
+          </a:lstStyle>
           <a:p>
             <a:fld id="{BC0DFE1D-6179-40EA-B672-ADEE062EB995}" type="datetimeFigureOut">
               <a:rPr lang="ru-RU" smtClean="0"/>
-              <a:t>29.04.2012</a:t>
+              <a:pPr/>
+              <a:t>02.05.2012</a:t>
             </a:fld>
             <a:endParaRPr lang="ru-RU"/>
           </a:p>
@@ -648,7 +773,9 @@
         <p:spPr/>
         <p:txBody>
           <a:bodyPr/>
-          <a:lstStyle/>
+          <a:lstStyle>
+            <a:extLst/>
+          </a:lstStyle>
           <a:p>
             <a:endParaRPr lang="ru-RU"/>
           </a:p>
@@ -667,10 +794,13 @@
         <p:spPr/>
         <p:txBody>
           <a:bodyPr/>
-          <a:lstStyle/>
+          <a:lstStyle>
+            <a:extLst/>
+          </a:lstStyle>
           <a:p>
             <a:fld id="{10BF275A-197B-46B8-8C34-B7A97177EA16}" type="slidenum">
               <a:rPr lang="ru-RU" smtClean="0"/>
+              <a:pPr/>
               <a:t>‹#›</a:t>
             </a:fld>
             <a:endParaRPr lang="ru-RU"/>
@@ -715,13 +845,15 @@
         <p:spPr/>
         <p:txBody>
           <a:bodyPr/>
-          <a:lstStyle/>
-          <a:p>
-            <a:r>
-              <a:rPr lang="en-US" smtClean="0"/>
+          <a:lstStyle>
+            <a:extLst/>
+          </a:lstStyle>
+          <a:p>
+            <a:r>
+              <a:rPr kumimoji="0" lang="en-US" smtClean="0"/>
               <a:t>Click to edit Master title style</a:t>
             </a:r>
-            <a:endParaRPr lang="ru-RU"/>
+            <a:endParaRPr kumimoji="0" lang="en-US"/>
           </a:p>
         </p:txBody>
       </p:sp>
@@ -738,42 +870,44 @@
         <p:spPr/>
         <p:txBody>
           <a:bodyPr/>
-          <a:lstStyle/>
-          <a:p>
-            <a:pPr lvl="0"/>
+          <a:lstStyle>
+            <a:extLst/>
+          </a:lstStyle>
+          <a:p>
+            <a:pPr lvl="0" eaLnBrk="1" latinLnBrk="0" hangingPunct="1"/>
             <a:r>
               <a:rPr lang="en-US" smtClean="0"/>
               <a:t>Click to edit Master text styles</a:t>
             </a:r>
           </a:p>
           <a:p>
-            <a:pPr lvl="1"/>
+            <a:pPr lvl="1" eaLnBrk="1" latinLnBrk="0" hangingPunct="1"/>
             <a:r>
               <a:rPr lang="en-US" smtClean="0"/>
               <a:t>Second level</a:t>
             </a:r>
           </a:p>
           <a:p>
-            <a:pPr lvl="2"/>
+            <a:pPr lvl="2" eaLnBrk="1" latinLnBrk="0" hangingPunct="1"/>
             <a:r>
               <a:rPr lang="en-US" smtClean="0"/>
               <a:t>Third level</a:t>
             </a:r>
           </a:p>
           <a:p>
-            <a:pPr lvl="3"/>
+            <a:pPr lvl="3" eaLnBrk="1" latinLnBrk="0" hangingPunct="1"/>
             <a:r>
               <a:rPr lang="en-US" smtClean="0"/>
               <a:t>Fourth level</a:t>
             </a:r>
           </a:p>
           <a:p>
-            <a:pPr lvl="4"/>
+            <a:pPr lvl="4" eaLnBrk="1" latinLnBrk="0" hangingPunct="1"/>
             <a:r>
               <a:rPr lang="en-US" smtClean="0"/>
               <a:t>Fifth level</a:t>
             </a:r>
-            <a:endParaRPr lang="ru-RU"/>
+            <a:endParaRPr kumimoji="0" lang="en-US"/>
           </a:p>
         </p:txBody>
       </p:sp>
@@ -790,11 +924,14 @@
         <p:spPr/>
         <p:txBody>
           <a:bodyPr/>
-          <a:lstStyle/>
+          <a:lstStyle>
+            <a:extLst/>
+          </a:lstStyle>
           <a:p>
             <a:fld id="{BC0DFE1D-6179-40EA-B672-ADEE062EB995}" type="datetimeFigureOut">
               <a:rPr lang="ru-RU" smtClean="0"/>
-              <a:t>29.04.2012</a:t>
+              <a:pPr/>
+              <a:t>02.05.2012</a:t>
             </a:fld>
             <a:endParaRPr lang="ru-RU"/>
           </a:p>
@@ -813,7 +950,9 @@
         <p:spPr/>
         <p:txBody>
           <a:bodyPr/>
-          <a:lstStyle/>
+          <a:lstStyle>
+            <a:extLst/>
+          </a:lstStyle>
           <a:p>
             <a:endParaRPr lang="ru-RU"/>
           </a:p>
@@ -832,10 +971,13 @@
         <p:spPr/>
         <p:txBody>
           <a:bodyPr/>
-          <a:lstStyle/>
+          <a:lstStyle>
+            <a:extLst/>
+          </a:lstStyle>
           <a:p>
             <a:fld id="{10BF275A-197B-46B8-8C34-B7A97177EA16}" type="slidenum">
               <a:rPr lang="ru-RU" smtClean="0"/>
+              <a:pPr/>
               <a:t>‹#›</a:t>
             </a:fld>
             <a:endParaRPr lang="ru-RU"/>
@@ -851,7 +993,7 @@
 </file>
 
 <file path=ppt/slideLayouts/slideLayout3.xml><?xml version="1.0" encoding="utf-8"?>
-<p:sldLayout xmlns:a="http://schemas.openxmlformats.org/drawingml/2006/main" xmlns:r="http://schemas.openxmlformats.org/officeDocument/2006/relationships" xmlns:p="http://schemas.openxmlformats.org/presentationml/2006/main" type="secHead" preserve="1">
+<p:sldLayout xmlns:a="http://schemas.openxmlformats.org/drawingml/2006/main" xmlns:r="http://schemas.openxmlformats.org/officeDocument/2006/relationships" xmlns:p="http://schemas.openxmlformats.org/presentationml/2006/main" showMasterSp="0" type="secHead" preserve="1">
   <p:cSld name="Section Header">
     <p:spTree>
       <p:nvGrpSpPr>
@@ -869,33 +1011,86 @@
       </p:grpSpPr>
       <p:sp>
         <p:nvSpPr>
-          <p:cNvPr id="2" name="Title 1"/>
-          <p:cNvSpPr>
-            <a:spLocks noGrp="1"/>
-          </p:cNvSpPr>
-          <p:nvPr>
-            <p:ph type="title"/>
-          </p:nvPr>
+          <p:cNvPr id="7" name="Rectangle 6"/>
+          <p:cNvSpPr/>
+          <p:nvPr/>
         </p:nvSpPr>
         <p:spPr>
           <a:xfrm>
-            <a:off x="722313" y="4406900"/>
-            <a:ext cx="7772400" cy="1362075"/>
+            <a:off x="2282890" y="-54"/>
+            <a:ext cx="6858000" cy="6858054"/>
+          </a:xfrm>
+          <a:prstGeom prst="rect">
+            <a:avLst/>
+          </a:prstGeom>
+          <a:solidFill>
+            <a:schemeClr val="bg1"/>
+          </a:solidFill>
+          <a:ln w="25400" cap="rnd" cmpd="sng" algn="ctr">
+            <a:noFill/>
+            <a:prstDash val="solid"/>
+          </a:ln>
+          <a:effectLst/>
+        </p:spPr>
+        <p:style>
+          <a:lnRef idx="3">
+            <a:schemeClr val="lt1"/>
+          </a:lnRef>
+          <a:fillRef idx="1">
+            <a:schemeClr val="accent1"/>
+          </a:fillRef>
+          <a:effectRef idx="1">
+            <a:schemeClr val="accent1"/>
+          </a:effectRef>
+          <a:fontRef idx="minor">
+            <a:schemeClr val="lt1"/>
+          </a:fontRef>
+        </p:style>
+        <p:txBody>
+          <a:bodyPr anchor="ctr"/>
+          <a:lstStyle>
+            <a:extLst/>
+          </a:lstStyle>
+          <a:p>
+            <a:pPr algn="ctr" eaLnBrk="1" latinLnBrk="0" hangingPunct="1"/>
+            <a:endParaRPr kumimoji="0" lang="en-US"/>
+          </a:p>
+        </p:txBody>
+      </p:sp>
+      <p:sp>
+        <p:nvSpPr>
+          <p:cNvPr id="2" name="Title 1"/>
+          <p:cNvSpPr>
+            <a:spLocks noGrp="1"/>
+          </p:cNvSpPr>
+          <p:nvPr>
+            <p:ph type="title"/>
+          </p:nvPr>
+        </p:nvSpPr>
+        <p:spPr>
+          <a:xfrm>
+            <a:off x="2578392" y="2600325"/>
+            <a:ext cx="6400800" cy="2286000"/>
           </a:xfrm>
         </p:spPr>
         <p:txBody>
           <a:bodyPr anchor="t"/>
           <a:lstStyle>
             <a:lvl1pPr algn="l">
+              <a:lnSpc>
+                <a:spcPts val="4500"/>
+              </a:lnSpc>
+              <a:buNone/>
               <a:defRPr sz="4000" b="1" cap="all"/>
             </a:lvl1pPr>
-          </a:lstStyle>
-          <a:p>
-            <a:r>
-              <a:rPr lang="en-US" smtClean="0"/>
+            <a:extLst/>
+          </a:lstStyle>
+          <a:p>
+            <a:r>
+              <a:rPr kumimoji="0" lang="en-US" smtClean="0"/>
               <a:t>Click to edit Master title style</a:t>
             </a:r>
-            <a:endParaRPr lang="ru-RU"/>
+            <a:endParaRPr kumimoji="0" lang="en-US"/>
           </a:p>
         </p:txBody>
       </p:sp>
@@ -911,24 +1106,31 @@
         </p:nvSpPr>
         <p:spPr>
           <a:xfrm>
-            <a:off x="722313" y="2906713"/>
-            <a:ext cx="7772400" cy="1500187"/>
+            <a:off x="2578392" y="1066800"/>
+            <a:ext cx="6400800" cy="1509712"/>
           </a:xfrm>
         </p:spPr>
         <p:txBody>
           <a:bodyPr anchor="b"/>
           <a:lstStyle>
-            <a:lvl1pPr marL="0" indent="0">
+            <a:lvl1pPr marL="18288" indent="0">
+              <a:lnSpc>
+                <a:spcPts val="2300"/>
+              </a:lnSpc>
+              <a:spcBef>
+                <a:spcPts val="0"/>
+              </a:spcBef>
               <a:buNone/>
               <a:defRPr sz="2000">
                 <a:solidFill>
-                  <a:schemeClr val="tx1">
-                    <a:tint val="75000"/>
+                  <a:schemeClr val="tx2">
+                    <a:shade val="30000"/>
+                    <a:satMod val="150000"/>
                   </a:schemeClr>
                 </a:solidFill>
               </a:defRPr>
             </a:lvl1pPr>
-            <a:lvl2pPr marL="457200" indent="0">
+            <a:lvl2pPr>
               <a:buNone/>
               <a:defRPr sz="1800">
                 <a:solidFill>
@@ -938,7 +1140,7 @@
                 </a:solidFill>
               </a:defRPr>
             </a:lvl2pPr>
-            <a:lvl3pPr marL="914400" indent="0">
+            <a:lvl3pPr>
               <a:buNone/>
               <a:defRPr sz="1600">
                 <a:solidFill>
@@ -948,7 +1150,7 @@
                 </a:solidFill>
               </a:defRPr>
             </a:lvl3pPr>
-            <a:lvl4pPr marL="1371600" indent="0">
+            <a:lvl4pPr>
               <a:buNone/>
               <a:defRPr sz="1400">
                 <a:solidFill>
@@ -958,7 +1160,7 @@
                 </a:solidFill>
               </a:defRPr>
             </a:lvl4pPr>
-            <a:lvl5pPr marL="1828800" indent="0">
+            <a:lvl5pPr>
               <a:buNone/>
               <a:defRPr sz="1400">
                 <a:solidFill>
@@ -968,51 +1170,12 @@
                 </a:solidFill>
               </a:defRPr>
             </a:lvl5pPr>
-            <a:lvl6pPr marL="2286000" indent="0">
-              <a:buNone/>
-              <a:defRPr sz="1400">
-                <a:solidFill>
-                  <a:schemeClr val="tx1">
-                    <a:tint val="75000"/>
-                  </a:schemeClr>
-                </a:solidFill>
-              </a:defRPr>
-            </a:lvl6pPr>
-            <a:lvl7pPr marL="2743200" indent="0">
-              <a:buNone/>
-              <a:defRPr sz="1400">
-                <a:solidFill>
-                  <a:schemeClr val="tx1">
-                    <a:tint val="75000"/>
-                  </a:schemeClr>
-                </a:solidFill>
-              </a:defRPr>
-            </a:lvl7pPr>
-            <a:lvl8pPr marL="3200400" indent="0">
-              <a:buNone/>
-              <a:defRPr sz="1400">
-                <a:solidFill>
-                  <a:schemeClr val="tx1">
-                    <a:tint val="75000"/>
-                  </a:schemeClr>
-                </a:solidFill>
-              </a:defRPr>
-            </a:lvl8pPr>
-            <a:lvl9pPr marL="3657600" indent="0">
-              <a:buNone/>
-              <a:defRPr sz="1400">
-                <a:solidFill>
-                  <a:schemeClr val="tx1">
-                    <a:tint val="75000"/>
-                  </a:schemeClr>
-                </a:solidFill>
-              </a:defRPr>
-            </a:lvl9pPr>
-          </a:lstStyle>
-          <a:p>
-            <a:pPr lvl="0"/>
-            <a:r>
-              <a:rPr lang="en-US" smtClean="0"/>
+            <a:extLst/>
+          </a:lstStyle>
+          <a:p>
+            <a:pPr lvl="0" eaLnBrk="1" latinLnBrk="0" hangingPunct="1"/>
+            <a:r>
+              <a:rPr kumimoji="0" lang="en-US" smtClean="0"/>
               <a:t>Click to edit Master text styles</a:t>
             </a:r>
           </a:p>
@@ -1031,11 +1194,14 @@
         <p:spPr/>
         <p:txBody>
           <a:bodyPr/>
-          <a:lstStyle/>
+          <a:lstStyle>
+            <a:extLst/>
+          </a:lstStyle>
           <a:p>
             <a:fld id="{BC0DFE1D-6179-40EA-B672-ADEE062EB995}" type="datetimeFigureOut">
               <a:rPr lang="ru-RU" smtClean="0"/>
-              <a:t>29.04.2012</a:t>
+              <a:pPr/>
+              <a:t>02.05.2012</a:t>
             </a:fld>
             <a:endParaRPr lang="ru-RU"/>
           </a:p>
@@ -1054,7 +1220,9 @@
         <p:spPr/>
         <p:txBody>
           <a:bodyPr/>
-          <a:lstStyle/>
+          <a:lstStyle>
+            <a:extLst/>
+          </a:lstStyle>
           <a:p>
             <a:endParaRPr lang="ru-RU"/>
           </a:p>
@@ -1073,13 +1241,210 @@
         <p:spPr/>
         <p:txBody>
           <a:bodyPr/>
-          <a:lstStyle/>
+          <a:lstStyle>
+            <a:extLst/>
+          </a:lstStyle>
           <a:p>
             <a:fld id="{10BF275A-197B-46B8-8C34-B7A97177EA16}" type="slidenum">
               <a:rPr lang="ru-RU" smtClean="0"/>
+              <a:pPr/>
               <a:t>‹#›</a:t>
             </a:fld>
             <a:endParaRPr lang="ru-RU"/>
+          </a:p>
+        </p:txBody>
+      </p:sp>
+      <p:sp>
+        <p:nvSpPr>
+          <p:cNvPr id="10" name="Rectangle 9"/>
+          <p:cNvSpPr/>
+          <p:nvPr/>
+        </p:nvSpPr>
+        <p:spPr bwMode="invGray">
+          <a:xfrm>
+            <a:off x="2286000" y="0"/>
+            <a:ext cx="76200" cy="6858054"/>
+          </a:xfrm>
+          <a:prstGeom prst="rect">
+            <a:avLst/>
+          </a:prstGeom>
+          <a:solidFill>
+            <a:schemeClr val="bg1"/>
+          </a:solidFill>
+          <a:ln w="25400" cap="rnd" cmpd="sng" algn="ctr">
+            <a:noFill/>
+            <a:prstDash val="solid"/>
+          </a:ln>
+          <a:effectLst>
+            <a:outerShdw blurRad="38550" dist="38000" dir="10800000" algn="tl" rotWithShape="0">
+              <a:schemeClr val="bg2">
+                <a:shade val="20000"/>
+                <a:satMod val="110000"/>
+                <a:alpha val="25000"/>
+              </a:schemeClr>
+            </a:outerShdw>
+          </a:effectLst>
+        </p:spPr>
+        <p:style>
+          <a:lnRef idx="3">
+            <a:schemeClr val="lt1"/>
+          </a:lnRef>
+          <a:fillRef idx="1">
+            <a:schemeClr val="accent1"/>
+          </a:fillRef>
+          <a:effectRef idx="1">
+            <a:schemeClr val="accent1"/>
+          </a:effectRef>
+          <a:fontRef idx="minor">
+            <a:schemeClr val="lt1"/>
+          </a:fontRef>
+        </p:style>
+        <p:txBody>
+          <a:bodyPr anchor="ctr"/>
+          <a:lstStyle>
+            <a:extLst/>
+          </a:lstStyle>
+          <a:p>
+            <a:pPr algn="ctr" eaLnBrk="1" latinLnBrk="0" hangingPunct="1"/>
+            <a:endParaRPr kumimoji="0" lang="en-US"/>
+          </a:p>
+        </p:txBody>
+      </p:sp>
+      <p:sp>
+        <p:nvSpPr>
+          <p:cNvPr id="8" name="Oval 7"/>
+          <p:cNvSpPr/>
+          <p:nvPr/>
+        </p:nvSpPr>
+        <p:spPr>
+          <a:xfrm>
+            <a:off x="2172321" y="2814656"/>
+            <a:ext cx="210312" cy="210312"/>
+          </a:xfrm>
+          <a:prstGeom prst="ellipse">
+            <a:avLst/>
+          </a:prstGeom>
+          <a:gradFill rotWithShape="1">
+            <a:gsLst>
+              <a:gs pos="0">
+                <a:schemeClr val="accent1">
+                  <a:tint val="20000"/>
+                  <a:satMod val="450000"/>
+                  <a:alpha val="95000"/>
+                </a:schemeClr>
+              </a:gs>
+              <a:gs pos="50000">
+                <a:schemeClr val="accent1">
+                  <a:tint val="38000"/>
+                  <a:satMod val="250000"/>
+                  <a:alpha val="90000"/>
+                </a:schemeClr>
+              </a:gs>
+              <a:gs pos="95000">
+                <a:schemeClr val="accent1">
+                  <a:tint val="75000"/>
+                  <a:satMod val="255000"/>
+                  <a:alpha val="88000"/>
+                </a:schemeClr>
+              </a:gs>
+              <a:gs pos="100000">
+                <a:schemeClr val="accent1">
+                  <a:tint val="100000"/>
+                  <a:shade val="90000"/>
+                  <a:satMod val="255000"/>
+                  <a:alpha val="85000"/>
+                </a:schemeClr>
+              </a:gs>
+            </a:gsLst>
+            <a:path path="circle">
+              <a:fillToRect l="25000" t="12500" r="75000" b="87500"/>
+            </a:path>
+          </a:gradFill>
+          <a:ln w="2000" cap="rnd" cmpd="sng" algn="ctr">
+            <a:solidFill>
+              <a:schemeClr val="accent1">
+                <a:shade val="90000"/>
+                <a:satMod val="110000"/>
+                <a:alpha val="60000"/>
+              </a:schemeClr>
+            </a:solidFill>
+            <a:prstDash val="solid"/>
+          </a:ln>
+          <a:effectLst/>
+        </p:spPr>
+        <p:style>
+          <a:lnRef idx="1">
+            <a:schemeClr val="accent1"/>
+          </a:lnRef>
+          <a:fillRef idx="2">
+            <a:schemeClr val="accent1"/>
+          </a:fillRef>
+          <a:effectRef idx="1">
+            <a:schemeClr val="accent1"/>
+          </a:effectRef>
+          <a:fontRef idx="minor">
+            <a:schemeClr val="dk1"/>
+          </a:fontRef>
+        </p:style>
+        <p:txBody>
+          <a:bodyPr anchor="ctr"/>
+          <a:lstStyle>
+            <a:extLst/>
+          </a:lstStyle>
+          <a:p>
+            <a:pPr algn="ctr" eaLnBrk="1" latinLnBrk="0" hangingPunct="1"/>
+            <a:endParaRPr kumimoji="0" lang="en-US"/>
+          </a:p>
+        </p:txBody>
+      </p:sp>
+      <p:sp>
+        <p:nvSpPr>
+          <p:cNvPr id="9" name="Oval 8"/>
+          <p:cNvSpPr/>
+          <p:nvPr/>
+        </p:nvSpPr>
+        <p:spPr>
+          <a:xfrm>
+            <a:off x="2408064" y="2745870"/>
+            <a:ext cx="64008" cy="64008"/>
+          </a:xfrm>
+          <a:prstGeom prst="ellipse">
+            <a:avLst/>
+          </a:prstGeom>
+          <a:noFill/>
+          <a:ln w="12700" cap="rnd" cmpd="sng" algn="ctr">
+            <a:solidFill>
+              <a:schemeClr val="accent1">
+                <a:shade val="75000"/>
+                <a:alpha val="60000"/>
+              </a:schemeClr>
+            </a:solidFill>
+            <a:prstDash val="solid"/>
+          </a:ln>
+          <a:effectLst/>
+        </p:spPr>
+        <p:style>
+          <a:lnRef idx="1">
+            <a:schemeClr val="accent1"/>
+          </a:lnRef>
+          <a:fillRef idx="2">
+            <a:schemeClr val="accent1"/>
+          </a:fillRef>
+          <a:effectRef idx="1">
+            <a:schemeClr val="accent1"/>
+          </a:effectRef>
+          <a:fontRef idx="minor">
+            <a:schemeClr val="dk1"/>
+          </a:fontRef>
+        </p:style>
+        <p:txBody>
+          <a:bodyPr anchor="ctr"/>
+          <a:lstStyle>
+            <a:extLst/>
+          </a:lstStyle>
+          <a:p>
+            <a:pPr algn="ctr" eaLnBrk="1" latinLnBrk="0" hangingPunct="1"/>
+            <a:endParaRPr kumimoji="0" lang="en-US"/>
           </a:p>
         </p:txBody>
       </p:sp>
@@ -1118,33 +1483,40 @@
             <p:ph type="title"/>
           </p:nvPr>
         </p:nvSpPr>
-        <p:spPr/>
-        <p:txBody>
-          <a:bodyPr/>
-          <a:lstStyle/>
-          <a:p>
-            <a:r>
-              <a:rPr lang="en-US" smtClean="0"/>
-              <a:t>Click to edit Master title style</a:t>
-            </a:r>
-            <a:endParaRPr lang="ru-RU"/>
-          </a:p>
-        </p:txBody>
-      </p:sp>
-      <p:sp>
-        <p:nvSpPr>
-          <p:cNvPr id="3" name="Content Placeholder 2"/>
-          <p:cNvSpPr>
-            <a:spLocks noGrp="1"/>
-          </p:cNvSpPr>
-          <p:nvPr>
-            <p:ph sz="half" idx="1"/>
-          </p:nvPr>
-        </p:nvSpPr>
         <p:spPr>
           <a:xfrm>
-            <a:off x="457200" y="1600200"/>
-            <a:ext cx="4038600" cy="4525963"/>
+            <a:off x="1435608" y="274320"/>
+            <a:ext cx="7498080" cy="1143000"/>
+          </a:xfrm>
+        </p:spPr>
+        <p:txBody>
+          <a:bodyPr/>
+          <a:lstStyle>
+            <a:extLst/>
+          </a:lstStyle>
+          <a:p>
+            <a:r>
+              <a:rPr kumimoji="0" lang="en-US" smtClean="0"/>
+              <a:t>Click to edit Master title style</a:t>
+            </a:r>
+            <a:endParaRPr kumimoji="0" lang="en-US"/>
+          </a:p>
+        </p:txBody>
+      </p:sp>
+      <p:sp>
+        <p:nvSpPr>
+          <p:cNvPr id="3" name="Content Placeholder 2"/>
+          <p:cNvSpPr>
+            <a:spLocks noGrp="1"/>
+          </p:cNvSpPr>
+          <p:nvPr>
+            <p:ph sz="half" idx="1"/>
+          </p:nvPr>
+        </p:nvSpPr>
+        <p:spPr>
+          <a:xfrm>
+            <a:off x="1435608" y="1524000"/>
+            <a:ext cx="3657600" cy="4663440"/>
           </a:xfrm>
         </p:spPr>
         <p:txBody>
@@ -1165,54 +1537,43 @@
             <a:lvl5pPr>
               <a:defRPr sz="1800"/>
             </a:lvl5pPr>
-            <a:lvl6pPr>
-              <a:defRPr sz="1800"/>
-            </a:lvl6pPr>
-            <a:lvl7pPr>
-              <a:defRPr sz="1800"/>
-            </a:lvl7pPr>
-            <a:lvl8pPr>
-              <a:defRPr sz="1800"/>
-            </a:lvl8pPr>
-            <a:lvl9pPr>
-              <a:defRPr sz="1800"/>
-            </a:lvl9pPr>
-          </a:lstStyle>
-          <a:p>
-            <a:pPr lvl="0"/>
+            <a:extLst/>
+          </a:lstStyle>
+          <a:p>
+            <a:pPr lvl="0" eaLnBrk="1" latinLnBrk="0" hangingPunct="1"/>
             <a:r>
               <a:rPr lang="en-US" smtClean="0"/>
               <a:t>Click to edit Master text styles</a:t>
             </a:r>
           </a:p>
           <a:p>
-            <a:pPr lvl="1"/>
+            <a:pPr lvl="1" eaLnBrk="1" latinLnBrk="0" hangingPunct="1"/>
             <a:r>
               <a:rPr lang="en-US" smtClean="0"/>
               <a:t>Second level</a:t>
             </a:r>
           </a:p>
           <a:p>
-            <a:pPr lvl="2"/>
+            <a:pPr lvl="2" eaLnBrk="1" latinLnBrk="0" hangingPunct="1"/>
             <a:r>
               <a:rPr lang="en-US" smtClean="0"/>
               <a:t>Third level</a:t>
             </a:r>
           </a:p>
           <a:p>
-            <a:pPr lvl="3"/>
+            <a:pPr lvl="3" eaLnBrk="1" latinLnBrk="0" hangingPunct="1"/>
             <a:r>
               <a:rPr lang="en-US" smtClean="0"/>
               <a:t>Fourth level</a:t>
             </a:r>
           </a:p>
           <a:p>
-            <a:pPr lvl="4"/>
+            <a:pPr lvl="4" eaLnBrk="1" latinLnBrk="0" hangingPunct="1"/>
             <a:r>
               <a:rPr lang="en-US" smtClean="0"/>
               <a:t>Fifth level</a:t>
             </a:r>
-            <a:endParaRPr lang="ru-RU"/>
+            <a:endParaRPr kumimoji="0" lang="en-US"/>
           </a:p>
         </p:txBody>
       </p:sp>
@@ -1228,8 +1589,8 @@
         </p:nvSpPr>
         <p:spPr>
           <a:xfrm>
-            <a:off x="4648200" y="1600200"/>
-            <a:ext cx="4038600" cy="4525963"/>
+            <a:off x="5276088" y="1524000"/>
+            <a:ext cx="3657600" cy="4663440"/>
           </a:xfrm>
         </p:spPr>
         <p:txBody>
@@ -1250,54 +1611,43 @@
             <a:lvl5pPr>
               <a:defRPr sz="1800"/>
             </a:lvl5pPr>
-            <a:lvl6pPr>
-              <a:defRPr sz="1800"/>
-            </a:lvl6pPr>
-            <a:lvl7pPr>
-              <a:defRPr sz="1800"/>
-            </a:lvl7pPr>
-            <a:lvl8pPr>
-              <a:defRPr sz="1800"/>
-            </a:lvl8pPr>
-            <a:lvl9pPr>
-              <a:defRPr sz="1800"/>
-            </a:lvl9pPr>
-          </a:lstStyle>
-          <a:p>
-            <a:pPr lvl="0"/>
+            <a:extLst/>
+          </a:lstStyle>
+          <a:p>
+            <a:pPr lvl="0" eaLnBrk="1" latinLnBrk="0" hangingPunct="1"/>
             <a:r>
               <a:rPr lang="en-US" smtClean="0"/>
               <a:t>Click to edit Master text styles</a:t>
             </a:r>
           </a:p>
           <a:p>
-            <a:pPr lvl="1"/>
+            <a:pPr lvl="1" eaLnBrk="1" latinLnBrk="0" hangingPunct="1"/>
             <a:r>
               <a:rPr lang="en-US" smtClean="0"/>
               <a:t>Second level</a:t>
             </a:r>
           </a:p>
           <a:p>
-            <a:pPr lvl="2"/>
+            <a:pPr lvl="2" eaLnBrk="1" latinLnBrk="0" hangingPunct="1"/>
             <a:r>
               <a:rPr lang="en-US" smtClean="0"/>
               <a:t>Third level</a:t>
             </a:r>
           </a:p>
           <a:p>
-            <a:pPr lvl="3"/>
+            <a:pPr lvl="3" eaLnBrk="1" latinLnBrk="0" hangingPunct="1"/>
             <a:r>
               <a:rPr lang="en-US" smtClean="0"/>
               <a:t>Fourth level</a:t>
             </a:r>
           </a:p>
           <a:p>
-            <a:pPr lvl="4"/>
+            <a:pPr lvl="4" eaLnBrk="1" latinLnBrk="0" hangingPunct="1"/>
             <a:r>
               <a:rPr lang="en-US" smtClean="0"/>
               <a:t>Fifth level</a:t>
             </a:r>
-            <a:endParaRPr lang="ru-RU"/>
+            <a:endParaRPr kumimoji="0" lang="en-US"/>
           </a:p>
         </p:txBody>
       </p:sp>
@@ -1314,11 +1664,14 @@
         <p:spPr/>
         <p:txBody>
           <a:bodyPr/>
-          <a:lstStyle/>
+          <a:lstStyle>
+            <a:extLst/>
+          </a:lstStyle>
           <a:p>
             <a:fld id="{BC0DFE1D-6179-40EA-B672-ADEE062EB995}" type="datetimeFigureOut">
               <a:rPr lang="ru-RU" smtClean="0"/>
-              <a:t>29.04.2012</a:t>
+              <a:pPr/>
+              <a:t>02.05.2012</a:t>
             </a:fld>
             <a:endParaRPr lang="ru-RU"/>
           </a:p>
@@ -1337,7 +1690,9 @@
         <p:spPr/>
         <p:txBody>
           <a:bodyPr/>
-          <a:lstStyle/>
+          <a:lstStyle>
+            <a:extLst/>
+          </a:lstStyle>
           <a:p>
             <a:endParaRPr lang="ru-RU"/>
           </a:p>
@@ -1356,10 +1711,13 @@
         <p:spPr/>
         <p:txBody>
           <a:bodyPr/>
-          <a:lstStyle/>
+          <a:lstStyle>
+            <a:extLst/>
+          </a:lstStyle>
           <a:p>
             <a:fld id="{10BF275A-197B-46B8-8C34-B7A97177EA16}" type="slidenum">
               <a:rPr lang="ru-RU" smtClean="0"/>
+              <a:pPr/>
               <a:t>‹#›</a:t>
             </a:fld>
             <a:endParaRPr lang="ru-RU"/>
@@ -1375,7 +1733,7 @@
 </file>
 
 <file path=ppt/slideLayouts/slideLayout5.xml><?xml version="1.0" encoding="utf-8"?>
-<p:sldLayout xmlns:a="http://schemas.openxmlformats.org/drawingml/2006/main" xmlns:r="http://schemas.openxmlformats.org/officeDocument/2006/relationships" xmlns:p="http://schemas.openxmlformats.org/presentationml/2006/main" type="twoTxTwoObj" preserve="1">
+<p:sldLayout xmlns:a="http://schemas.openxmlformats.org/drawingml/2006/main" xmlns:r="http://schemas.openxmlformats.org/officeDocument/2006/relationships" xmlns:p="http://schemas.openxmlformats.org/presentationml/2006/main" showMasterSp="0" type="twoTxTwoObj" preserve="1">
   <p:cSld name="Comparison">
     <p:spTree>
       <p:nvGrpSpPr>
@@ -1401,83 +1759,162 @@
             <p:ph type="title"/>
           </p:nvPr>
         </p:nvSpPr>
-        <p:spPr/>
-        <p:txBody>
-          <a:bodyPr/>
-          <a:lstStyle>
-            <a:lvl1pPr>
-              <a:defRPr/>
-            </a:lvl1pPr>
-          </a:lstStyle>
-          <a:p>
-            <a:r>
-              <a:rPr lang="en-US" smtClean="0"/>
-              <a:t>Click to edit Master title style</a:t>
-            </a:r>
-            <a:endParaRPr lang="ru-RU"/>
-          </a:p>
-        </p:txBody>
-      </p:sp>
-      <p:sp>
-        <p:nvSpPr>
-          <p:cNvPr id="3" name="Text Placeholder 2"/>
-          <p:cNvSpPr>
-            <a:spLocks noGrp="1"/>
-          </p:cNvSpPr>
-          <p:nvPr>
-            <p:ph type="body" idx="1"/>
-          </p:nvPr>
-        </p:nvSpPr>
         <p:spPr>
           <a:xfrm>
-            <a:off x="457200" y="1535113"/>
-            <a:ext cx="4040188" cy="639762"/>
+            <a:off x="457200" y="5160336"/>
+            <a:ext cx="8229600" cy="1143000"/>
           </a:xfrm>
         </p:spPr>
         <p:txBody>
-          <a:bodyPr anchor="b"/>
-          <a:lstStyle>
-            <a:lvl1pPr marL="0" indent="0">
+          <a:bodyPr anchor="ctr"/>
+          <a:lstStyle>
+            <a:lvl1pPr algn="ctr">
+              <a:defRPr sz="4500" b="1" cap="none" baseline="0"/>
+            </a:lvl1pPr>
+            <a:extLst/>
+          </a:lstStyle>
+          <a:p>
+            <a:r>
+              <a:rPr kumimoji="0" lang="en-US" smtClean="0"/>
+              <a:t>Click to edit Master title style</a:t>
+            </a:r>
+            <a:endParaRPr kumimoji="0" lang="en-US"/>
+          </a:p>
+        </p:txBody>
+      </p:sp>
+      <p:sp>
+        <p:nvSpPr>
+          <p:cNvPr id="3" name="Text Placeholder 2"/>
+          <p:cNvSpPr>
+            <a:spLocks noGrp="1"/>
+          </p:cNvSpPr>
+          <p:nvPr>
+            <p:ph type="body" idx="1"/>
+          </p:nvPr>
+        </p:nvSpPr>
+        <p:spPr>
+          <a:xfrm>
+            <a:off x="457200" y="328278"/>
+            <a:ext cx="4023360" cy="640080"/>
+          </a:xfrm>
+          <a:solidFill>
+            <a:schemeClr val="bg1"/>
+          </a:solidFill>
+          <a:ln w="10795">
+            <a:solidFill>
+              <a:schemeClr val="bg1"/>
+            </a:solidFill>
+            <a:miter lim="800000"/>
+          </a:ln>
+        </p:spPr>
+        <p:txBody>
+          <a:bodyPr anchor="ctr"/>
+          <a:lstStyle>
+            <a:lvl1pPr marL="64008" indent="0" algn="l">
+              <a:lnSpc>
+                <a:spcPct val="100000"/>
+              </a:lnSpc>
+              <a:spcBef>
+                <a:spcPts val="100"/>
+              </a:spcBef>
               <a:buNone/>
-              <a:defRPr sz="2400" b="1"/>
+              <a:defRPr sz="1900" b="0">
+                <a:solidFill>
+                  <a:schemeClr val="tx1"/>
+                </a:solidFill>
+              </a:defRPr>
             </a:lvl1pPr>
-            <a:lvl2pPr marL="457200" indent="0">
+            <a:lvl2pPr>
               <a:buNone/>
               <a:defRPr sz="2000" b="1"/>
             </a:lvl2pPr>
-            <a:lvl3pPr marL="914400" indent="0">
+            <a:lvl3pPr>
               <a:buNone/>
               <a:defRPr sz="1800" b="1"/>
             </a:lvl3pPr>
-            <a:lvl4pPr marL="1371600" indent="0">
+            <a:lvl4pPr>
               <a:buNone/>
               <a:defRPr sz="1600" b="1"/>
             </a:lvl4pPr>
-            <a:lvl5pPr marL="1828800" indent="0">
+            <a:lvl5pPr>
               <a:buNone/>
               <a:defRPr sz="1600" b="1"/>
             </a:lvl5pPr>
-            <a:lvl6pPr marL="2286000" indent="0">
+            <a:extLst/>
+          </a:lstStyle>
+          <a:p>
+            <a:pPr lvl="0" eaLnBrk="1" latinLnBrk="0" hangingPunct="1"/>
+            <a:r>
+              <a:rPr kumimoji="0" lang="en-US" smtClean="0"/>
+              <a:t>Click to edit Master text styles</a:t>
+            </a:r>
+          </a:p>
+        </p:txBody>
+      </p:sp>
+      <p:sp>
+        <p:nvSpPr>
+          <p:cNvPr id="4" name="Text Placeholder 3"/>
+          <p:cNvSpPr>
+            <a:spLocks noGrp="1"/>
+          </p:cNvSpPr>
+          <p:nvPr>
+            <p:ph type="body" sz="half" idx="3"/>
+          </p:nvPr>
+        </p:nvSpPr>
+        <p:spPr>
+          <a:xfrm>
+            <a:off x="4663440" y="328278"/>
+            <a:ext cx="4023360" cy="640080"/>
+          </a:xfrm>
+          <a:solidFill>
+            <a:schemeClr val="bg1"/>
+          </a:solidFill>
+          <a:ln w="10795">
+            <a:solidFill>
+              <a:schemeClr val="bg1"/>
+            </a:solidFill>
+            <a:miter lim="800000"/>
+          </a:ln>
+        </p:spPr>
+        <p:txBody>
+          <a:bodyPr anchor="ctr"/>
+          <a:lstStyle>
+            <a:lvl1pPr marL="64008" indent="0" algn="l">
+              <a:lnSpc>
+                <a:spcPct val="100000"/>
+              </a:lnSpc>
+              <a:spcBef>
+                <a:spcPts val="100"/>
+              </a:spcBef>
+              <a:buNone/>
+              <a:defRPr sz="1900" b="0">
+                <a:solidFill>
+                  <a:schemeClr val="tx1"/>
+                </a:solidFill>
+              </a:defRPr>
+            </a:lvl1pPr>
+            <a:lvl2pPr>
+              <a:buNone/>
+              <a:defRPr sz="2000" b="1"/>
+            </a:lvl2pPr>
+            <a:lvl3pPr>
+              <a:buNone/>
+              <a:defRPr sz="1800" b="1"/>
+            </a:lvl3pPr>
+            <a:lvl4pPr>
               <a:buNone/>
               <a:defRPr sz="1600" b="1"/>
-            </a:lvl6pPr>
-            <a:lvl7pPr marL="2743200" indent="0">
+            </a:lvl4pPr>
+            <a:lvl5pPr>
               <a:buNone/>
               <a:defRPr sz="1600" b="1"/>
-            </a:lvl7pPr>
-            <a:lvl8pPr marL="3200400" indent="0">
-              <a:buNone/>
-              <a:defRPr sz="1600" b="1"/>
-            </a:lvl8pPr>
-            <a:lvl9pPr marL="3657600" indent="0">
-              <a:buNone/>
-              <a:defRPr sz="1600" b="1"/>
-            </a:lvl9pPr>
-          </a:lstStyle>
-          <a:p>
-            <a:pPr lvl="0"/>
-            <a:r>
-              <a:rPr lang="en-US" smtClean="0"/>
+            </a:lvl5pPr>
+            <a:extLst/>
+          </a:lstStyle>
+          <a:p>
+            <a:pPr lvl="0" eaLnBrk="1" latinLnBrk="0" hangingPunct="1"/>
+            <a:r>
+              <a:rPr kumimoji="0" lang="en-US" smtClean="0"/>
               <a:t>Click to edit Master text styles</a:t>
             </a:r>
           </a:p>
@@ -1485,236 +1922,223 @@
       </p:sp>
       <p:sp>
         <p:nvSpPr>
-          <p:cNvPr id="4" name="Content Placeholder 3"/>
-          <p:cNvSpPr>
-            <a:spLocks noGrp="1"/>
-          </p:cNvSpPr>
-          <p:nvPr>
-            <p:ph sz="half" idx="2"/>
+          <p:cNvPr id="5" name="Content Placeholder 4"/>
+          <p:cNvSpPr>
+            <a:spLocks noGrp="1"/>
+          </p:cNvSpPr>
+          <p:nvPr>
+            <p:ph sz="quarter" idx="2"/>
           </p:nvPr>
         </p:nvSpPr>
         <p:spPr>
           <a:xfrm>
-            <a:off x="457200" y="2174875"/>
-            <a:ext cx="4040188" cy="3951288"/>
+            <a:off x="457200" y="969336"/>
+            <a:ext cx="4023360" cy="4114800"/>
           </a:xfrm>
+          <a:ln w="10795">
+            <a:solidFill>
+              <a:schemeClr val="bg1"/>
+            </a:solidFill>
+            <a:prstDash val="dash"/>
+            <a:miter lim="800000"/>
+          </a:ln>
         </p:spPr>
         <p:txBody>
           <a:bodyPr/>
           <a:lstStyle>
-            <a:lvl1pPr>
+            <a:lvl1pPr marL="393192" indent="-274320">
+              <a:lnSpc>
+                <a:spcPct val="100000"/>
+              </a:lnSpc>
+              <a:spcBef>
+                <a:spcPts val="700"/>
+              </a:spcBef>
               <a:defRPr sz="2400"/>
             </a:lvl1pPr>
             <a:lvl2pPr>
+              <a:lnSpc>
+                <a:spcPct val="100000"/>
+              </a:lnSpc>
+              <a:spcBef>
+                <a:spcPts val="700"/>
+              </a:spcBef>
               <a:defRPr sz="2000"/>
             </a:lvl2pPr>
             <a:lvl3pPr>
+              <a:lnSpc>
+                <a:spcPct val="100000"/>
+              </a:lnSpc>
+              <a:spcBef>
+                <a:spcPts val="700"/>
+              </a:spcBef>
               <a:defRPr sz="1800"/>
             </a:lvl3pPr>
             <a:lvl4pPr>
+              <a:lnSpc>
+                <a:spcPct val="100000"/>
+              </a:lnSpc>
+              <a:spcBef>
+                <a:spcPts val="700"/>
+              </a:spcBef>
               <a:defRPr sz="1600"/>
             </a:lvl4pPr>
             <a:lvl5pPr>
+              <a:lnSpc>
+                <a:spcPct val="100000"/>
+              </a:lnSpc>
+              <a:spcBef>
+                <a:spcPts val="700"/>
+              </a:spcBef>
               <a:defRPr sz="1600"/>
             </a:lvl5pPr>
-            <a:lvl6pPr>
-              <a:defRPr sz="1600"/>
-            </a:lvl6pPr>
-            <a:lvl7pPr>
-              <a:defRPr sz="1600"/>
-            </a:lvl7pPr>
-            <a:lvl8pPr>
-              <a:defRPr sz="1600"/>
-            </a:lvl8pPr>
-            <a:lvl9pPr>
-              <a:defRPr sz="1600"/>
-            </a:lvl9pPr>
-          </a:lstStyle>
-          <a:p>
-            <a:pPr lvl="0"/>
+            <a:extLst/>
+          </a:lstStyle>
+          <a:p>
+            <a:pPr lvl="0" eaLnBrk="1" latinLnBrk="0" hangingPunct="1"/>
             <a:r>
               <a:rPr lang="en-US" smtClean="0"/>
               <a:t>Click to edit Master text styles</a:t>
             </a:r>
           </a:p>
           <a:p>
-            <a:pPr lvl="1"/>
+            <a:pPr lvl="1" eaLnBrk="1" latinLnBrk="0" hangingPunct="1"/>
             <a:r>
               <a:rPr lang="en-US" smtClean="0"/>
               <a:t>Second level</a:t>
             </a:r>
           </a:p>
           <a:p>
-            <a:pPr lvl="2"/>
+            <a:pPr lvl="2" eaLnBrk="1" latinLnBrk="0" hangingPunct="1"/>
             <a:r>
               <a:rPr lang="en-US" smtClean="0"/>
               <a:t>Third level</a:t>
             </a:r>
           </a:p>
           <a:p>
-            <a:pPr lvl="3"/>
+            <a:pPr lvl="3" eaLnBrk="1" latinLnBrk="0" hangingPunct="1"/>
             <a:r>
               <a:rPr lang="en-US" smtClean="0"/>
               <a:t>Fourth level</a:t>
             </a:r>
           </a:p>
           <a:p>
-            <a:pPr lvl="4"/>
+            <a:pPr lvl="4" eaLnBrk="1" latinLnBrk="0" hangingPunct="1"/>
             <a:r>
               <a:rPr lang="en-US" smtClean="0"/>
               <a:t>Fifth level</a:t>
             </a:r>
-            <a:endParaRPr lang="ru-RU"/>
-          </a:p>
-        </p:txBody>
-      </p:sp>
-      <p:sp>
-        <p:nvSpPr>
-          <p:cNvPr id="5" name="Text Placeholder 4"/>
-          <p:cNvSpPr>
-            <a:spLocks noGrp="1"/>
-          </p:cNvSpPr>
-          <p:nvPr>
-            <p:ph type="body" sz="quarter" idx="3"/>
+            <a:endParaRPr kumimoji="0" lang="en-US"/>
+          </a:p>
+        </p:txBody>
+      </p:sp>
+      <p:sp>
+        <p:nvSpPr>
+          <p:cNvPr id="6" name="Content Placeholder 5"/>
+          <p:cNvSpPr>
+            <a:spLocks noGrp="1"/>
+          </p:cNvSpPr>
+          <p:nvPr>
+            <p:ph sz="quarter" idx="4"/>
           </p:nvPr>
         </p:nvSpPr>
         <p:spPr>
           <a:xfrm>
-            <a:off x="4645025" y="1535113"/>
-            <a:ext cx="4041775" cy="639762"/>
+            <a:off x="4663440" y="969336"/>
+            <a:ext cx="4023360" cy="4114800"/>
           </a:xfrm>
+          <a:ln w="10795">
+            <a:solidFill>
+              <a:schemeClr val="bg1"/>
+            </a:solidFill>
+            <a:prstDash val="dash"/>
+            <a:miter lim="800000"/>
+          </a:ln>
         </p:spPr>
         <p:txBody>
-          <a:bodyPr anchor="b"/>
-          <a:lstStyle>
-            <a:lvl1pPr marL="0" indent="0">
-              <a:buNone/>
-              <a:defRPr sz="2400" b="1"/>
-            </a:lvl1pPr>
-            <a:lvl2pPr marL="457200" indent="0">
-              <a:buNone/>
-              <a:defRPr sz="2000" b="1"/>
-            </a:lvl2pPr>
-            <a:lvl3pPr marL="914400" indent="0">
-              <a:buNone/>
-              <a:defRPr sz="1800" b="1"/>
-            </a:lvl3pPr>
-            <a:lvl4pPr marL="1371600" indent="0">
-              <a:buNone/>
-              <a:defRPr sz="1600" b="1"/>
-            </a:lvl4pPr>
-            <a:lvl5pPr marL="1828800" indent="0">
-              <a:buNone/>
-              <a:defRPr sz="1600" b="1"/>
-            </a:lvl5pPr>
-            <a:lvl6pPr marL="2286000" indent="0">
-              <a:buNone/>
-              <a:defRPr sz="1600" b="1"/>
-            </a:lvl6pPr>
-            <a:lvl7pPr marL="2743200" indent="0">
-              <a:buNone/>
-              <a:defRPr sz="1600" b="1"/>
-            </a:lvl7pPr>
-            <a:lvl8pPr marL="3200400" indent="0">
-              <a:buNone/>
-              <a:defRPr sz="1600" b="1"/>
-            </a:lvl8pPr>
-            <a:lvl9pPr marL="3657600" indent="0">
-              <a:buNone/>
-              <a:defRPr sz="1600" b="1"/>
-            </a:lvl9pPr>
-          </a:lstStyle>
-          <a:p>
-            <a:pPr lvl="0"/>
-            <a:r>
-              <a:rPr lang="en-US" smtClean="0"/>
-              <a:t>Click to edit Master text styles</a:t>
-            </a:r>
-          </a:p>
-        </p:txBody>
-      </p:sp>
-      <p:sp>
-        <p:nvSpPr>
-          <p:cNvPr id="6" name="Content Placeholder 5"/>
-          <p:cNvSpPr>
-            <a:spLocks noGrp="1"/>
-          </p:cNvSpPr>
-          <p:nvPr>
-            <p:ph sz="quarter" idx="4"/>
-          </p:nvPr>
-        </p:nvSpPr>
-        <p:spPr>
-          <a:xfrm>
-            <a:off x="4645025" y="2174875"/>
-            <a:ext cx="4041775" cy="3951288"/>
-          </a:xfrm>
-        </p:spPr>
-        <p:txBody>
           <a:bodyPr/>
           <a:lstStyle>
-            <a:lvl1pPr>
+            <a:lvl1pPr marL="393192" indent="-274320">
+              <a:lnSpc>
+                <a:spcPct val="100000"/>
+              </a:lnSpc>
+              <a:spcBef>
+                <a:spcPts val="700"/>
+              </a:spcBef>
               <a:defRPr sz="2400"/>
             </a:lvl1pPr>
             <a:lvl2pPr>
+              <a:lnSpc>
+                <a:spcPct val="100000"/>
+              </a:lnSpc>
+              <a:spcBef>
+                <a:spcPts val="700"/>
+              </a:spcBef>
               <a:defRPr sz="2000"/>
             </a:lvl2pPr>
             <a:lvl3pPr>
+              <a:lnSpc>
+                <a:spcPct val="100000"/>
+              </a:lnSpc>
+              <a:spcBef>
+                <a:spcPts val="700"/>
+              </a:spcBef>
               <a:defRPr sz="1800"/>
             </a:lvl3pPr>
             <a:lvl4pPr>
+              <a:lnSpc>
+                <a:spcPct val="100000"/>
+              </a:lnSpc>
+              <a:spcBef>
+                <a:spcPts val="700"/>
+              </a:spcBef>
               <a:defRPr sz="1600"/>
             </a:lvl4pPr>
             <a:lvl5pPr>
+              <a:lnSpc>
+                <a:spcPct val="100000"/>
+              </a:lnSpc>
+              <a:spcBef>
+                <a:spcPts val="700"/>
+              </a:spcBef>
               <a:defRPr sz="1600"/>
             </a:lvl5pPr>
-            <a:lvl6pPr>
-              <a:defRPr sz="1600"/>
-            </a:lvl6pPr>
-            <a:lvl7pPr>
-              <a:defRPr sz="1600"/>
-            </a:lvl7pPr>
-            <a:lvl8pPr>
-              <a:defRPr sz="1600"/>
-            </a:lvl8pPr>
-            <a:lvl9pPr>
-              <a:defRPr sz="1600"/>
-            </a:lvl9pPr>
-          </a:lstStyle>
-          <a:p>
-            <a:pPr lvl="0"/>
+            <a:extLst/>
+          </a:lstStyle>
+          <a:p>
+            <a:pPr lvl="0" eaLnBrk="1" latinLnBrk="0" hangingPunct="1"/>
             <a:r>
               <a:rPr lang="en-US" smtClean="0"/>
               <a:t>Click to edit Master text styles</a:t>
             </a:r>
           </a:p>
           <a:p>
-            <a:pPr lvl="1"/>
+            <a:pPr lvl="1" eaLnBrk="1" latinLnBrk="0" hangingPunct="1"/>
             <a:r>
               <a:rPr lang="en-US" smtClean="0"/>
               <a:t>Second level</a:t>
             </a:r>
           </a:p>
           <a:p>
-            <a:pPr lvl="2"/>
+            <a:pPr lvl="2" eaLnBrk="1" latinLnBrk="0" hangingPunct="1"/>
             <a:r>
               <a:rPr lang="en-US" smtClean="0"/>
               <a:t>Third level</a:t>
             </a:r>
           </a:p>
           <a:p>
-            <a:pPr lvl="3"/>
+            <a:pPr lvl="3" eaLnBrk="1" latinLnBrk="0" hangingPunct="1"/>
             <a:r>
               <a:rPr lang="en-US" smtClean="0"/>
               <a:t>Fourth level</a:t>
             </a:r>
           </a:p>
           <a:p>
-            <a:pPr lvl="4"/>
+            <a:pPr lvl="4" eaLnBrk="1" latinLnBrk="0" hangingPunct="1"/>
             <a:r>
               <a:rPr lang="en-US" smtClean="0"/>
               <a:t>Fifth level</a:t>
             </a:r>
-            <a:endParaRPr lang="ru-RU"/>
+            <a:endParaRPr kumimoji="0" lang="en-US"/>
           </a:p>
         </p:txBody>
       </p:sp>
@@ -1731,11 +2155,14 @@
         <p:spPr/>
         <p:txBody>
           <a:bodyPr/>
-          <a:lstStyle/>
+          <a:lstStyle>
+            <a:extLst/>
+          </a:lstStyle>
           <a:p>
             <a:fld id="{BC0DFE1D-6179-40EA-B672-ADEE062EB995}" type="datetimeFigureOut">
               <a:rPr lang="ru-RU" smtClean="0"/>
-              <a:t>29.04.2012</a:t>
+              <a:pPr/>
+              <a:t>02.05.2012</a:t>
             </a:fld>
             <a:endParaRPr lang="ru-RU"/>
           </a:p>
@@ -1754,7 +2181,9 @@
         <p:spPr/>
         <p:txBody>
           <a:bodyPr/>
-          <a:lstStyle/>
+          <a:lstStyle>
+            <a:extLst/>
+          </a:lstStyle>
           <a:p>
             <a:endParaRPr lang="ru-RU"/>
           </a:p>
@@ -1773,10 +2202,13 @@
         <p:spPr/>
         <p:txBody>
           <a:bodyPr/>
-          <a:lstStyle/>
+          <a:lstStyle>
+            <a:extLst/>
+          </a:lstStyle>
           <a:p>
             <a:fld id="{10BF275A-197B-46B8-8C34-B7A97177EA16}" type="slidenum">
               <a:rPr lang="ru-RU" smtClean="0"/>
+              <a:pPr/>
               <a:t>‹#›</a:t>
             </a:fld>
             <a:endParaRPr lang="ru-RU"/>
@@ -1818,37 +2250,47 @@
             <p:ph type="title"/>
           </p:nvPr>
         </p:nvSpPr>
+        <p:spPr>
+          <a:xfrm>
+            <a:off x="1435608" y="274320"/>
+            <a:ext cx="7498080" cy="1143000"/>
+          </a:xfrm>
+        </p:spPr>
+        <p:txBody>
+          <a:bodyPr anchor="ctr"/>
+          <a:lstStyle>
+            <a:extLst/>
+          </a:lstStyle>
+          <a:p>
+            <a:r>
+              <a:rPr kumimoji="0" lang="en-US" smtClean="0"/>
+              <a:t>Click to edit Master title style</a:t>
+            </a:r>
+            <a:endParaRPr kumimoji="0" lang="en-US"/>
+          </a:p>
+        </p:txBody>
+      </p:sp>
+      <p:sp>
+        <p:nvSpPr>
+          <p:cNvPr id="3" name="Date Placeholder 2"/>
+          <p:cNvSpPr>
+            <a:spLocks noGrp="1"/>
+          </p:cNvSpPr>
+          <p:nvPr>
+            <p:ph type="dt" sz="half" idx="10"/>
+          </p:nvPr>
+        </p:nvSpPr>
         <p:spPr/>
         <p:txBody>
           <a:bodyPr/>
-          <a:lstStyle/>
-          <a:p>
-            <a:r>
-              <a:rPr lang="en-US" smtClean="0"/>
-              <a:t>Click to edit Master title style</a:t>
-            </a:r>
-            <a:endParaRPr lang="ru-RU"/>
-          </a:p>
-        </p:txBody>
-      </p:sp>
-      <p:sp>
-        <p:nvSpPr>
-          <p:cNvPr id="3" name="Date Placeholder 2"/>
-          <p:cNvSpPr>
-            <a:spLocks noGrp="1"/>
-          </p:cNvSpPr>
-          <p:nvPr>
-            <p:ph type="dt" sz="half" idx="10"/>
-          </p:nvPr>
-        </p:nvSpPr>
-        <p:spPr/>
-        <p:txBody>
-          <a:bodyPr/>
-          <a:lstStyle/>
+          <a:lstStyle>
+            <a:extLst/>
+          </a:lstStyle>
           <a:p>
             <a:fld id="{BC0DFE1D-6179-40EA-B672-ADEE062EB995}" type="datetimeFigureOut">
               <a:rPr lang="ru-RU" smtClean="0"/>
-              <a:t>29.04.2012</a:t>
+              <a:pPr/>
+              <a:t>02.05.2012</a:t>
             </a:fld>
             <a:endParaRPr lang="ru-RU"/>
           </a:p>
@@ -1867,7 +2309,9 @@
         <p:spPr/>
         <p:txBody>
           <a:bodyPr/>
-          <a:lstStyle/>
+          <a:lstStyle>
+            <a:extLst/>
+          </a:lstStyle>
           <a:p>
             <a:endParaRPr lang="ru-RU"/>
           </a:p>
@@ -1886,10 +2330,13 @@
         <p:spPr/>
         <p:txBody>
           <a:bodyPr/>
-          <a:lstStyle/>
+          <a:lstStyle>
+            <a:extLst/>
+          </a:lstStyle>
           <a:p>
             <a:fld id="{10BF275A-197B-46B8-8C34-B7A97177EA16}" type="slidenum">
               <a:rPr lang="ru-RU" smtClean="0"/>
+              <a:pPr/>
               <a:t>‹#›</a:t>
             </a:fld>
             <a:endParaRPr lang="ru-RU"/>
@@ -1905,7 +2352,7 @@
 </file>
 
 <file path=ppt/slideLayouts/slideLayout7.xml><?xml version="1.0" encoding="utf-8"?>
-<p:sldLayout xmlns:a="http://schemas.openxmlformats.org/drawingml/2006/main" xmlns:r="http://schemas.openxmlformats.org/officeDocument/2006/relationships" xmlns:p="http://schemas.openxmlformats.org/presentationml/2006/main" type="blank" preserve="1">
+<p:sldLayout xmlns:a="http://schemas.openxmlformats.org/drawingml/2006/main" xmlns:r="http://schemas.openxmlformats.org/officeDocument/2006/relationships" xmlns:p="http://schemas.openxmlformats.org/presentationml/2006/main" showMasterSp="0" type="blank" preserve="1">
   <p:cSld name="Blank">
     <p:spTree>
       <p:nvGrpSpPr>
@@ -1923,6 +2370,54 @@
       </p:grpSpPr>
       <p:sp>
         <p:nvSpPr>
+          <p:cNvPr id="5" name="Rectangle 4"/>
+          <p:cNvSpPr/>
+          <p:nvPr/>
+        </p:nvSpPr>
+        <p:spPr>
+          <a:xfrm>
+            <a:off x="1014984" y="0"/>
+            <a:ext cx="8129016" cy="6858000"/>
+          </a:xfrm>
+          <a:prstGeom prst="rect">
+            <a:avLst/>
+          </a:prstGeom>
+          <a:solidFill>
+            <a:schemeClr val="bg1"/>
+          </a:solidFill>
+          <a:ln w="25400" cap="rnd" cmpd="sng" algn="ctr">
+            <a:noFill/>
+            <a:prstDash val="solid"/>
+          </a:ln>
+          <a:effectLst/>
+        </p:spPr>
+        <p:style>
+          <a:lnRef idx="3">
+            <a:schemeClr val="lt1"/>
+          </a:lnRef>
+          <a:fillRef idx="1">
+            <a:schemeClr val="accent1"/>
+          </a:fillRef>
+          <a:effectRef idx="1">
+            <a:schemeClr val="accent1"/>
+          </a:effectRef>
+          <a:fontRef idx="minor">
+            <a:schemeClr val="lt1"/>
+          </a:fontRef>
+        </p:style>
+        <p:txBody>
+          <a:bodyPr anchor="ctr"/>
+          <a:lstStyle>
+            <a:extLst/>
+          </a:lstStyle>
+          <a:p>
+            <a:pPr algn="ctr" eaLnBrk="1" latinLnBrk="0" hangingPunct="1"/>
+            <a:endParaRPr kumimoji="0" lang="en-US"/>
+          </a:p>
+        </p:txBody>
+      </p:sp>
+      <p:sp>
+        <p:nvSpPr>
           <p:cNvPr id="2" name="Date Placeholder 1"/>
           <p:cNvSpPr>
             <a:spLocks noGrp="1"/>
@@ -1934,11 +2429,14 @@
         <p:spPr/>
         <p:txBody>
           <a:bodyPr/>
-          <a:lstStyle/>
+          <a:lstStyle>
+            <a:extLst/>
+          </a:lstStyle>
           <a:p>
             <a:fld id="{BC0DFE1D-6179-40EA-B672-ADEE062EB995}" type="datetimeFigureOut">
               <a:rPr lang="ru-RU" smtClean="0"/>
-              <a:t>29.04.2012</a:t>
+              <a:pPr/>
+              <a:t>02.05.2012</a:t>
             </a:fld>
             <a:endParaRPr lang="ru-RU"/>
           </a:p>
@@ -1957,7 +2455,9 @@
         <p:spPr/>
         <p:txBody>
           <a:bodyPr/>
-          <a:lstStyle/>
+          <a:lstStyle>
+            <a:extLst/>
+          </a:lstStyle>
           <a:p>
             <a:endParaRPr lang="ru-RU"/>
           </a:p>
@@ -1976,13 +2476,72 @@
         <p:spPr/>
         <p:txBody>
           <a:bodyPr/>
-          <a:lstStyle/>
+          <a:lstStyle>
+            <a:extLst/>
+          </a:lstStyle>
           <a:p>
             <a:fld id="{10BF275A-197B-46B8-8C34-B7A97177EA16}" type="slidenum">
               <a:rPr lang="ru-RU" smtClean="0"/>
+              <a:pPr/>
               <a:t>‹#›</a:t>
             </a:fld>
             <a:endParaRPr lang="ru-RU"/>
+          </a:p>
+        </p:txBody>
+      </p:sp>
+      <p:sp>
+        <p:nvSpPr>
+          <p:cNvPr id="6" name="Rectangle 5"/>
+          <p:cNvSpPr/>
+          <p:nvPr/>
+        </p:nvSpPr>
+        <p:spPr bwMode="invGray">
+          <a:xfrm>
+            <a:off x="1014984" y="-54"/>
+            <a:ext cx="73152" cy="6858054"/>
+          </a:xfrm>
+          <a:prstGeom prst="rect">
+            <a:avLst/>
+          </a:prstGeom>
+          <a:solidFill>
+            <a:schemeClr val="bg1"/>
+          </a:solidFill>
+          <a:ln w="25400" cap="rnd" cmpd="sng" algn="ctr">
+            <a:noFill/>
+            <a:prstDash val="solid"/>
+          </a:ln>
+          <a:effectLst>
+            <a:outerShdw blurRad="38550" dist="38000" dir="10800000" algn="tl" rotWithShape="0">
+              <a:schemeClr val="bg2">
+                <a:shade val="20000"/>
+                <a:satMod val="110000"/>
+                <a:alpha val="25000"/>
+              </a:schemeClr>
+            </a:outerShdw>
+          </a:effectLst>
+        </p:spPr>
+        <p:style>
+          <a:lnRef idx="3">
+            <a:schemeClr val="lt1"/>
+          </a:lnRef>
+          <a:fillRef idx="1">
+            <a:schemeClr val="accent1"/>
+          </a:fillRef>
+          <a:effectRef idx="1">
+            <a:schemeClr val="accent1"/>
+          </a:effectRef>
+          <a:fontRef idx="minor">
+            <a:schemeClr val="lt1"/>
+          </a:fontRef>
+        </p:style>
+        <p:txBody>
+          <a:bodyPr anchor="ctr"/>
+          <a:lstStyle>
+            <a:extLst/>
+          </a:lstStyle>
+          <a:p>
+            <a:pPr algn="ctr" eaLnBrk="1" latinLnBrk="0" hangingPunct="1"/>
+            <a:endParaRPr kumimoji="0" lang="en-US"/>
           </a:p>
         </p:txBody>
       </p:sp>
@@ -1995,7 +2554,7 @@
 </file>
 
 <file path=ppt/slideLayouts/slideLayout8.xml><?xml version="1.0" encoding="utf-8"?>
-<p:sldLayout xmlns:a="http://schemas.openxmlformats.org/drawingml/2006/main" xmlns:r="http://schemas.openxmlformats.org/officeDocument/2006/relationships" xmlns:p="http://schemas.openxmlformats.org/presentationml/2006/main" type="objTx" preserve="1">
+<p:sldLayout xmlns:a="http://schemas.openxmlformats.org/drawingml/2006/main" xmlns:r="http://schemas.openxmlformats.org/officeDocument/2006/relationships" xmlns:p="http://schemas.openxmlformats.org/presentationml/2006/main" showMasterSp="0" type="objTx" preserve="1">
   <p:cSld name="Content with Caption">
     <p:spTree>
       <p:nvGrpSpPr>
@@ -2023,40 +2582,104 @@
         </p:nvSpPr>
         <p:spPr>
           <a:xfrm>
-            <a:off x="457200" y="273050"/>
-            <a:ext cx="3008313" cy="1162050"/>
+            <a:off x="457200" y="216778"/>
+            <a:ext cx="3810000" cy="1162050"/>
+          </a:xfrm>
+          <a:ln>
+            <a:noFill/>
+          </a:ln>
+        </p:spPr>
+        <p:txBody>
+          <a:bodyPr anchor="b"/>
+          <a:lstStyle>
+            <a:lvl1pPr algn="l">
+              <a:lnSpc>
+                <a:spcPts val="2000"/>
+              </a:lnSpc>
+              <a:buNone/>
+              <a:defRPr sz="2200" b="1" cap="all" baseline="0"/>
+            </a:lvl1pPr>
+            <a:extLst/>
+          </a:lstStyle>
+          <a:p>
+            <a:r>
+              <a:rPr kumimoji="0" lang="en-US" smtClean="0"/>
+              <a:t>Click to edit Master title style</a:t>
+            </a:r>
+            <a:endParaRPr kumimoji="0" lang="en-US"/>
+          </a:p>
+        </p:txBody>
+      </p:sp>
+      <p:sp>
+        <p:nvSpPr>
+          <p:cNvPr id="3" name="Text Placeholder 2"/>
+          <p:cNvSpPr>
+            <a:spLocks noGrp="1"/>
+          </p:cNvSpPr>
+          <p:nvPr>
+            <p:ph type="body" idx="2"/>
+          </p:nvPr>
+        </p:nvSpPr>
+        <p:spPr>
+          <a:xfrm>
+            <a:off x="457200" y="1406964"/>
+            <a:ext cx="3810000" cy="698500"/>
           </a:xfrm>
         </p:spPr>
         <p:txBody>
-          <a:bodyPr anchor="b"/>
-          <a:lstStyle>
-            <a:lvl1pPr algn="l">
-              <a:defRPr sz="2000" b="1"/>
+          <a:bodyPr/>
+          <a:lstStyle>
+            <a:lvl1pPr marL="45720" indent="0">
+              <a:lnSpc>
+                <a:spcPct val="100000"/>
+              </a:lnSpc>
+              <a:spcBef>
+                <a:spcPts val="0"/>
+              </a:spcBef>
+              <a:buNone/>
+              <a:defRPr sz="1400"/>
             </a:lvl1pPr>
-          </a:lstStyle>
-          <a:p>
-            <a:r>
-              <a:rPr lang="en-US" smtClean="0"/>
-              <a:t>Click to edit Master title style</a:t>
-            </a:r>
-            <a:endParaRPr lang="ru-RU"/>
-          </a:p>
-        </p:txBody>
-      </p:sp>
-      <p:sp>
-        <p:nvSpPr>
-          <p:cNvPr id="3" name="Content Placeholder 2"/>
-          <p:cNvSpPr>
-            <a:spLocks noGrp="1"/>
-          </p:cNvSpPr>
-          <p:nvPr>
-            <p:ph idx="1"/>
+            <a:lvl2pPr>
+              <a:buNone/>
+              <a:defRPr sz="1200"/>
+            </a:lvl2pPr>
+            <a:lvl3pPr>
+              <a:buNone/>
+              <a:defRPr sz="1000"/>
+            </a:lvl3pPr>
+            <a:lvl4pPr>
+              <a:buNone/>
+              <a:defRPr sz="900"/>
+            </a:lvl4pPr>
+            <a:lvl5pPr>
+              <a:buNone/>
+              <a:defRPr sz="900"/>
+            </a:lvl5pPr>
+            <a:extLst/>
+          </a:lstStyle>
+          <a:p>
+            <a:pPr lvl="0" eaLnBrk="1" latinLnBrk="0" hangingPunct="1"/>
+            <a:r>
+              <a:rPr kumimoji="0" lang="en-US" smtClean="0"/>
+              <a:t>Click to edit Master text styles</a:t>
+            </a:r>
+          </a:p>
+        </p:txBody>
+      </p:sp>
+      <p:sp>
+        <p:nvSpPr>
+          <p:cNvPr id="4" name="Content Placeholder 3"/>
+          <p:cNvSpPr>
+            <a:spLocks noGrp="1"/>
+          </p:cNvSpPr>
+          <p:nvPr>
+            <p:ph sz="half" idx="1"/>
           </p:nvPr>
         </p:nvSpPr>
         <p:spPr>
           <a:xfrm>
-            <a:off x="3575050" y="273050"/>
-            <a:ext cx="5111750" cy="5853113"/>
+            <a:off x="457200" y="2133600"/>
+            <a:ext cx="8153400" cy="3992563"/>
           </a:xfrm>
         </p:spPr>
         <p:txBody>
@@ -2077,140 +2700,67 @@
             <a:lvl5pPr>
               <a:defRPr sz="2000"/>
             </a:lvl5pPr>
-            <a:lvl6pPr>
-              <a:defRPr sz="2000"/>
-            </a:lvl6pPr>
-            <a:lvl7pPr>
-              <a:defRPr sz="2000"/>
-            </a:lvl7pPr>
-            <a:lvl8pPr>
-              <a:defRPr sz="2000"/>
-            </a:lvl8pPr>
-            <a:lvl9pPr>
-              <a:defRPr sz="2000"/>
-            </a:lvl9pPr>
-          </a:lstStyle>
-          <a:p>
-            <a:pPr lvl="0"/>
+            <a:extLst/>
+          </a:lstStyle>
+          <a:p>
+            <a:pPr lvl="0" eaLnBrk="1" latinLnBrk="0" hangingPunct="1"/>
             <a:r>
               <a:rPr lang="en-US" smtClean="0"/>
               <a:t>Click to edit Master text styles</a:t>
             </a:r>
           </a:p>
           <a:p>
-            <a:pPr lvl="1"/>
+            <a:pPr lvl="1" eaLnBrk="1" latinLnBrk="0" hangingPunct="1"/>
             <a:r>
               <a:rPr lang="en-US" smtClean="0"/>
               <a:t>Second level</a:t>
             </a:r>
           </a:p>
           <a:p>
-            <a:pPr lvl="2"/>
+            <a:pPr lvl="2" eaLnBrk="1" latinLnBrk="0" hangingPunct="1"/>
             <a:r>
               <a:rPr lang="en-US" smtClean="0"/>
               <a:t>Third level</a:t>
             </a:r>
           </a:p>
           <a:p>
-            <a:pPr lvl="3"/>
+            <a:pPr lvl="3" eaLnBrk="1" latinLnBrk="0" hangingPunct="1"/>
             <a:r>
               <a:rPr lang="en-US" smtClean="0"/>
               <a:t>Fourth level</a:t>
             </a:r>
           </a:p>
           <a:p>
-            <a:pPr lvl="4"/>
+            <a:pPr lvl="4" eaLnBrk="1" latinLnBrk="0" hangingPunct="1"/>
             <a:r>
               <a:rPr lang="en-US" smtClean="0"/>
               <a:t>Fifth level</a:t>
             </a:r>
-            <a:endParaRPr lang="ru-RU"/>
-          </a:p>
-        </p:txBody>
-      </p:sp>
-      <p:sp>
-        <p:nvSpPr>
-          <p:cNvPr id="4" name="Text Placeholder 3"/>
-          <p:cNvSpPr>
-            <a:spLocks noGrp="1"/>
-          </p:cNvSpPr>
-          <p:nvPr>
-            <p:ph type="body" sz="half" idx="2"/>
-          </p:nvPr>
-        </p:nvSpPr>
-        <p:spPr>
-          <a:xfrm>
-            <a:off x="457200" y="1435100"/>
-            <a:ext cx="3008313" cy="4691063"/>
-          </a:xfrm>
-        </p:spPr>
+            <a:endParaRPr kumimoji="0" lang="en-US"/>
+          </a:p>
+        </p:txBody>
+      </p:sp>
+      <p:sp>
+        <p:nvSpPr>
+          <p:cNvPr id="5" name="Date Placeholder 4"/>
+          <p:cNvSpPr>
+            <a:spLocks noGrp="1"/>
+          </p:cNvSpPr>
+          <p:nvPr>
+            <p:ph type="dt" sz="half" idx="10"/>
+          </p:nvPr>
+        </p:nvSpPr>
+        <p:spPr/>
         <p:txBody>
           <a:bodyPr/>
           <a:lstStyle>
-            <a:lvl1pPr marL="0" indent="0">
-              <a:buNone/>
-              <a:defRPr sz="1400"/>
-            </a:lvl1pPr>
-            <a:lvl2pPr marL="457200" indent="0">
-              <a:buNone/>
-              <a:defRPr sz="1200"/>
-            </a:lvl2pPr>
-            <a:lvl3pPr marL="914400" indent="0">
-              <a:buNone/>
-              <a:defRPr sz="1000"/>
-            </a:lvl3pPr>
-            <a:lvl4pPr marL="1371600" indent="0">
-              <a:buNone/>
-              <a:defRPr sz="900"/>
-            </a:lvl4pPr>
-            <a:lvl5pPr marL="1828800" indent="0">
-              <a:buNone/>
-              <a:defRPr sz="900"/>
-            </a:lvl5pPr>
-            <a:lvl6pPr marL="2286000" indent="0">
-              <a:buNone/>
-              <a:defRPr sz="900"/>
-            </a:lvl6pPr>
-            <a:lvl7pPr marL="2743200" indent="0">
-              <a:buNone/>
-              <a:defRPr sz="900"/>
-            </a:lvl7pPr>
-            <a:lvl8pPr marL="3200400" indent="0">
-              <a:buNone/>
-              <a:defRPr sz="900"/>
-            </a:lvl8pPr>
-            <a:lvl9pPr marL="3657600" indent="0">
-              <a:buNone/>
-              <a:defRPr sz="900"/>
-            </a:lvl9pPr>
-          </a:lstStyle>
-          <a:p>
-            <a:pPr lvl="0"/>
-            <a:r>
-              <a:rPr lang="en-US" smtClean="0"/>
-              <a:t>Click to edit Master text styles</a:t>
-            </a:r>
-          </a:p>
-        </p:txBody>
-      </p:sp>
-      <p:sp>
-        <p:nvSpPr>
-          <p:cNvPr id="5" name="Date Placeholder 4"/>
-          <p:cNvSpPr>
-            <a:spLocks noGrp="1"/>
-          </p:cNvSpPr>
-          <p:nvPr>
-            <p:ph type="dt" sz="half" idx="10"/>
-          </p:nvPr>
-        </p:nvSpPr>
-        <p:spPr/>
-        <p:txBody>
-          <a:bodyPr/>
-          <a:lstStyle/>
+            <a:extLst/>
+          </a:lstStyle>
           <a:p>
             <a:fld id="{BC0DFE1D-6179-40EA-B672-ADEE062EB995}" type="datetimeFigureOut">
               <a:rPr lang="ru-RU" smtClean="0"/>
-              <a:t>29.04.2012</a:t>
+              <a:pPr/>
+              <a:t>02.05.2012</a:t>
             </a:fld>
             <a:endParaRPr lang="ru-RU"/>
           </a:p>
@@ -2229,7 +2779,9 @@
         <p:spPr/>
         <p:txBody>
           <a:bodyPr/>
-          <a:lstStyle/>
+          <a:lstStyle>
+            <a:extLst/>
+          </a:lstStyle>
           <a:p>
             <a:endParaRPr lang="ru-RU"/>
           </a:p>
@@ -2248,10 +2800,13 @@
         <p:spPr/>
         <p:txBody>
           <a:bodyPr/>
-          <a:lstStyle/>
+          <a:lstStyle>
+            <a:extLst/>
+          </a:lstStyle>
           <a:p>
             <a:fld id="{10BF275A-197B-46B8-8C34-B7A97177EA16}" type="slidenum">
               <a:rPr lang="ru-RU" smtClean="0"/>
+              <a:pPr/>
               <a:t>‹#›</a:t>
             </a:fld>
             <a:endParaRPr lang="ru-RU"/>
@@ -2267,7 +2822,7 @@
 </file>
 
 <file path=ppt/slideLayouts/slideLayout9.xml><?xml version="1.0" encoding="utf-8"?>
-<p:sldLayout xmlns:a="http://schemas.openxmlformats.org/drawingml/2006/main" xmlns:r="http://schemas.openxmlformats.org/officeDocument/2006/relationships" xmlns:p="http://schemas.openxmlformats.org/presentationml/2006/main" type="picTx" preserve="1">
+<p:sldLayout xmlns:a="http://schemas.openxmlformats.org/drawingml/2006/main" xmlns:r="http://schemas.openxmlformats.org/officeDocument/2006/relationships" xmlns:p="http://schemas.openxmlformats.org/presentationml/2006/main" showMasterSp="0" type="picTx" preserve="1">
   <p:cSld name="Picture with Caption">
     <p:spTree>
       <p:nvGrpSpPr>
@@ -2295,84 +2850,348 @@
         </p:nvSpPr>
         <p:spPr>
           <a:xfrm>
-            <a:off x="1792288" y="4800600"/>
-            <a:ext cx="5486400" cy="566738"/>
+            <a:off x="5886896" y="1066800"/>
+            <a:ext cx="2743200" cy="1981200"/>
           </a:xfrm>
         </p:spPr>
         <p:txBody>
-          <a:bodyPr anchor="b"/>
+          <a:bodyPr anchor="b">
+            <a:noAutofit/>
+          </a:bodyPr>
           <a:lstStyle>
             <a:lvl1pPr algn="l">
-              <a:defRPr sz="2000" b="1"/>
+              <a:buNone/>
+              <a:defRPr sz="2100" b="1">
+                <a:effectLst/>
+              </a:defRPr>
             </a:lvl1pPr>
-          </a:lstStyle>
-          <a:p>
-            <a:r>
-              <a:rPr lang="en-US" smtClean="0"/>
+            <a:extLst/>
+          </a:lstStyle>
+          <a:p>
+            <a:r>
+              <a:rPr kumimoji="0" lang="en-US" smtClean="0"/>
               <a:t>Click to edit Master title style</a:t>
             </a:r>
+            <a:endParaRPr kumimoji="0" lang="en-US"/>
+          </a:p>
+        </p:txBody>
+      </p:sp>
+      <p:sp>
+        <p:nvSpPr>
+          <p:cNvPr id="5" name="Date Placeholder 4"/>
+          <p:cNvSpPr>
+            <a:spLocks noGrp="1"/>
+          </p:cNvSpPr>
+          <p:nvPr>
+            <p:ph type="dt" sz="half" idx="10"/>
+          </p:nvPr>
+        </p:nvSpPr>
+        <p:spPr/>
+        <p:txBody>
+          <a:bodyPr/>
+          <a:lstStyle>
+            <a:extLst/>
+          </a:lstStyle>
+          <a:p>
+            <a:fld id="{BC0DFE1D-6179-40EA-B672-ADEE062EB995}" type="datetimeFigureOut">
+              <a:rPr lang="ru-RU" smtClean="0"/>
+              <a:pPr/>
+              <a:t>02.05.2012</a:t>
+            </a:fld>
             <a:endParaRPr lang="ru-RU"/>
           </a:p>
         </p:txBody>
       </p:sp>
       <p:sp>
         <p:nvSpPr>
-          <p:cNvPr id="3" name="Picture Placeholder 2"/>
-          <p:cNvSpPr>
-            <a:spLocks noGrp="1"/>
-          </p:cNvSpPr>
-          <p:nvPr>
-            <p:ph type="pic" idx="1"/>
-          </p:nvPr>
+          <p:cNvPr id="6" name="Footer Placeholder 5"/>
+          <p:cNvSpPr>
+            <a:spLocks noGrp="1"/>
+          </p:cNvSpPr>
+          <p:nvPr>
+            <p:ph type="ftr" sz="quarter" idx="11"/>
+          </p:nvPr>
+        </p:nvSpPr>
+        <p:spPr/>
+        <p:txBody>
+          <a:bodyPr/>
+          <a:lstStyle>
+            <a:extLst/>
+          </a:lstStyle>
+          <a:p>
+            <a:endParaRPr lang="ru-RU"/>
+          </a:p>
+        </p:txBody>
+      </p:sp>
+      <p:sp>
+        <p:nvSpPr>
+          <p:cNvPr id="7" name="Slide Number Placeholder 6"/>
+          <p:cNvSpPr>
+            <a:spLocks noGrp="1"/>
+          </p:cNvSpPr>
+          <p:nvPr>
+            <p:ph type="sldNum" sz="quarter" idx="12"/>
+          </p:nvPr>
+        </p:nvSpPr>
+        <p:spPr/>
+        <p:txBody>
+          <a:bodyPr/>
+          <a:lstStyle>
+            <a:extLst/>
+          </a:lstStyle>
+          <a:p>
+            <a:fld id="{10BF275A-197B-46B8-8C34-B7A97177EA16}" type="slidenum">
+              <a:rPr lang="ru-RU" smtClean="0"/>
+              <a:pPr/>
+              <a:t>‹#›</a:t>
+            </a:fld>
+            <a:endParaRPr lang="ru-RU"/>
+          </a:p>
+        </p:txBody>
+      </p:sp>
+      <p:sp>
+        <p:nvSpPr>
+          <p:cNvPr id="8" name="Rectangle 7"/>
+          <p:cNvSpPr/>
+          <p:nvPr/>
         </p:nvSpPr>
         <p:spPr>
           <a:xfrm>
-            <a:off x="1792288" y="612775"/>
-            <a:ext cx="5486400" cy="4114800"/>
+            <a:off x="762000" y="1066800"/>
+            <a:ext cx="4572000" cy="4572000"/>
           </a:xfrm>
+          <a:prstGeom prst="rect">
+            <a:avLst/>
+          </a:prstGeom>
+          <a:solidFill>
+            <a:srgbClr val="FFFFFF"/>
+          </a:solidFill>
+          <a:ln w="88900" cap="sq">
+            <a:solidFill>
+              <a:srgbClr val="FFFFFF"/>
+            </a:solidFill>
+            <a:miter lim="800000"/>
+          </a:ln>
+          <a:effectLst>
+            <a:outerShdw blurRad="55500" dist="18500" dir="5400000" algn="tl" rotWithShape="0">
+              <a:srgbClr val="000000">
+                <a:alpha val="35000"/>
+              </a:srgbClr>
+            </a:outerShdw>
+          </a:effectLst>
+          <a:scene3d>
+            <a:camera prst="orthographicFront"/>
+            <a:lightRig rig="twoPt" dir="t">
+              <a:rot lat="0" lon="0" rev="7200000"/>
+            </a:lightRig>
+          </a:scene3d>
+          <a:sp3d contourW="635">
+            <a:bevelT w="25400" h="19050"/>
+            <a:contourClr>
+              <a:srgbClr val="969696"/>
+            </a:contourClr>
+          </a:sp3d>
         </p:spPr>
         <p:txBody>
-          <a:bodyPr/>
-          <a:lstStyle>
-            <a:lvl1pPr marL="0" indent="0">
+          <a:bodyPr lIns="91440" tIns="274320" rtlCol="0" anchor="t">
+            <a:normAutofit/>
+          </a:bodyPr>
+          <a:lstStyle>
+            <a:extLst/>
+          </a:lstStyle>
+          <a:p>
+            <a:pPr marL="0" indent="-283464" algn="l" rtl="0" eaLnBrk="1" latinLnBrk="0" hangingPunct="1">
+              <a:lnSpc>
+                <a:spcPts val="3000"/>
+              </a:lnSpc>
+              <a:spcBef>
+                <a:spcPts val="600"/>
+              </a:spcBef>
+              <a:buClr>
+                <a:schemeClr val="accent1"/>
+              </a:buClr>
+              <a:buSzPct val="80000"/>
+              <a:buFont typeface="Wingdings 2"/>
+              <a:buNone/>
+            </a:pPr>
+            <a:endParaRPr kumimoji="0" lang="en-US" sz="3200" kern="1200">
+              <a:solidFill>
+                <a:schemeClr val="tx1"/>
+              </a:solidFill>
+              <a:latin typeface="+mn-lt"/>
+              <a:ea typeface="+mn-ea"/>
+              <a:cs typeface="+mn-cs"/>
+            </a:endParaRPr>
+          </a:p>
+        </p:txBody>
+      </p:sp>
+      <p:sp>
+        <p:nvSpPr>
+          <p:cNvPr id="3" name="Picture Placeholder 2"/>
+          <p:cNvSpPr>
+            <a:spLocks noGrp="1"/>
+          </p:cNvSpPr>
+          <p:nvPr>
+            <p:ph type="pic" idx="1"/>
+          </p:nvPr>
+        </p:nvSpPr>
+        <p:spPr>
+          <a:xfrm>
+            <a:off x="838200" y="1143003"/>
+            <a:ext cx="4419600" cy="3514531"/>
+          </a:xfrm>
+          <a:prstGeom prst="roundRect">
+            <a:avLst>
+              <a:gd name="adj" fmla="val 783"/>
+            </a:avLst>
+          </a:prstGeom>
+          <a:solidFill>
+            <a:schemeClr val="bg2"/>
+          </a:solidFill>
+          <a:ln w="127000">
+            <a:noFill/>
+            <a:miter lim="800000"/>
+          </a:ln>
+          <a:effectLst/>
+        </p:spPr>
+        <p:txBody>
+          <a:bodyPr lIns="91440" tIns="274320" anchor="t"/>
+          <a:lstStyle>
+            <a:lvl1pPr indent="0">
               <a:buNone/>
               <a:defRPr sz="3200"/>
             </a:lvl1pPr>
-            <a:lvl2pPr marL="457200" indent="0">
-              <a:buNone/>
-              <a:defRPr sz="2800"/>
-            </a:lvl2pPr>
-            <a:lvl3pPr marL="914400" indent="0">
-              <a:buNone/>
-              <a:defRPr sz="2400"/>
-            </a:lvl3pPr>
-            <a:lvl4pPr marL="1371600" indent="0">
-              <a:buNone/>
-              <a:defRPr sz="2000"/>
-            </a:lvl4pPr>
-            <a:lvl5pPr marL="1828800" indent="0">
-              <a:buNone/>
-              <a:defRPr sz="2000"/>
-            </a:lvl5pPr>
-            <a:lvl6pPr marL="2286000" indent="0">
-              <a:buNone/>
-              <a:defRPr sz="2000"/>
-            </a:lvl6pPr>
-            <a:lvl7pPr marL="2743200" indent="0">
-              <a:buNone/>
-              <a:defRPr sz="2000"/>
-            </a:lvl7pPr>
-            <a:lvl8pPr marL="3200400" indent="0">
-              <a:buNone/>
-              <a:defRPr sz="2000"/>
-            </a:lvl8pPr>
-            <a:lvl9pPr marL="3657600" indent="0">
-              <a:buNone/>
-              <a:defRPr sz="2000"/>
-            </a:lvl9pPr>
-          </a:lstStyle>
-          <a:p>
-            <a:endParaRPr lang="ru-RU"/>
+            <a:extLst/>
+          </a:lstStyle>
+          <a:p>
+            <a:pPr marL="0" algn="l" eaLnBrk="1" latinLnBrk="0" hangingPunct="1"/>
+            <a:r>
+              <a:rPr kumimoji="0" lang="en-US" smtClean="0"/>
+              <a:t>Click icon to add picture</a:t>
+            </a:r>
+            <a:endParaRPr kumimoji="0" lang="en-US" dirty="0"/>
+          </a:p>
+        </p:txBody>
+      </p:sp>
+      <p:sp>
+        <p:nvSpPr>
+          <p:cNvPr id="9" name="Flowchart: Process 8"/>
+          <p:cNvSpPr/>
+          <p:nvPr/>
+        </p:nvSpPr>
+        <p:spPr>
+          <a:xfrm rot="19468671">
+            <a:off x="396725" y="954341"/>
+            <a:ext cx="685800" cy="204310"/>
+          </a:xfrm>
+          <a:prstGeom prst="flowChartProcess">
+            <a:avLst/>
+          </a:prstGeom>
+          <a:solidFill>
+            <a:srgbClr val="FBFBFB">
+              <a:alpha val="45098"/>
+            </a:srgbClr>
+          </a:solidFill>
+          <a:ln w="6350" cap="rnd" cmpd="sng" algn="ctr">
+            <a:solidFill>
+              <a:srgbClr val="FFFFFF">
+                <a:alpha val="100000"/>
+              </a:srgbClr>
+            </a:solidFill>
+            <a:prstDash val="solid"/>
+          </a:ln>
+          <a:effectLst>
+            <a:outerShdw blurRad="25400" dist="25400" dir="3300000" sx="96000" sy="96000" algn="tl" rotWithShape="0">
+              <a:schemeClr val="bg2">
+                <a:shade val="90000"/>
+                <a:satMod val="200000"/>
+                <a:alpha val="40000"/>
+              </a:schemeClr>
+            </a:outerShdw>
+          </a:effectLst>
+        </p:spPr>
+        <p:style>
+          <a:lnRef idx="3">
+            <a:schemeClr val="lt1"/>
+          </a:lnRef>
+          <a:fillRef idx="1">
+            <a:schemeClr val="accent1"/>
+          </a:fillRef>
+          <a:effectRef idx="1">
+            <a:schemeClr val="accent1"/>
+          </a:effectRef>
+          <a:fontRef idx="minor">
+            <a:schemeClr val="lt1"/>
+          </a:fontRef>
+        </p:style>
+        <p:txBody>
+          <a:bodyPr anchor="ctr"/>
+          <a:lstStyle>
+            <a:extLst/>
+          </a:lstStyle>
+          <a:p>
+            <a:pPr algn="ctr" eaLnBrk="1" latinLnBrk="0" hangingPunct="1"/>
+            <a:endParaRPr kumimoji="0" lang="en-US"/>
+          </a:p>
+        </p:txBody>
+      </p:sp>
+      <p:sp>
+        <p:nvSpPr>
+          <p:cNvPr id="10" name="Flowchart: Process 9"/>
+          <p:cNvSpPr/>
+          <p:nvPr/>
+        </p:nvSpPr>
+        <p:spPr>
+          <a:xfrm rot="2103354" flipH="1">
+            <a:off x="5003667" y="936786"/>
+            <a:ext cx="649224" cy="204310"/>
+          </a:xfrm>
+          <a:prstGeom prst="flowChartProcess">
+            <a:avLst/>
+          </a:prstGeom>
+          <a:solidFill>
+            <a:srgbClr val="FBFBFB">
+              <a:alpha val="45098"/>
+            </a:srgbClr>
+          </a:solidFill>
+          <a:ln w="6350" cap="rnd" cmpd="sng" algn="ctr">
+            <a:solidFill>
+              <a:srgbClr val="FFFFFF">
+                <a:alpha val="100000"/>
+              </a:srgbClr>
+            </a:solidFill>
+            <a:prstDash val="solid"/>
+          </a:ln>
+          <a:effectLst>
+            <a:outerShdw blurRad="25400" dist="25400" dir="3300000" sx="96000" sy="96000" algn="tl" rotWithShape="0">
+              <a:schemeClr val="bg2">
+                <a:alpha val="20000"/>
+              </a:schemeClr>
+            </a:outerShdw>
+          </a:effectLst>
+        </p:spPr>
+        <p:style>
+          <a:lnRef idx="3">
+            <a:schemeClr val="lt1"/>
+          </a:lnRef>
+          <a:fillRef idx="1">
+            <a:schemeClr val="accent1"/>
+          </a:fillRef>
+          <a:effectRef idx="1">
+            <a:schemeClr val="accent1"/>
+          </a:effectRef>
+          <a:fontRef idx="minor">
+            <a:schemeClr val="lt1"/>
+          </a:fontRef>
+        </p:style>
+        <p:txBody>
+          <a:bodyPr anchor="ctr"/>
+          <a:lstStyle>
+            <a:extLst/>
+          </a:lstStyle>
+          <a:p>
+            <a:pPr algn="ctr" eaLnBrk="1" latinLnBrk="0" hangingPunct="1"/>
+            <a:endParaRPr kumimoji="0" lang="en-US" dirty="0"/>
           </a:p>
         </p:txBody>
       </p:sp>
@@ -2388,121 +3207,47 @@
         </p:nvSpPr>
         <p:spPr>
           <a:xfrm>
-            <a:off x="1792288" y="5367338"/>
-            <a:ext cx="5486400" cy="804862"/>
+            <a:off x="838200" y="4800600"/>
+            <a:ext cx="4419600" cy="762000"/>
           </a:xfrm>
         </p:spPr>
         <p:txBody>
-          <a:bodyPr/>
-          <a:lstStyle>
-            <a:lvl1pPr marL="0" indent="0">
+          <a:bodyPr anchor="ctr"/>
+          <a:lstStyle>
+            <a:lvl1pPr marL="0" indent="0" algn="l">
+              <a:lnSpc>
+                <a:spcPts val="1600"/>
+              </a:lnSpc>
+              <a:spcBef>
+                <a:spcPts val="0"/>
+              </a:spcBef>
               <a:buNone/>
-              <a:defRPr sz="1400"/>
+              <a:defRPr sz="1400">
+                <a:solidFill>
+                  <a:srgbClr val="777777"/>
+                </a:solidFill>
+              </a:defRPr>
             </a:lvl1pPr>
-            <a:lvl2pPr marL="457200" indent="0">
-              <a:buNone/>
+            <a:lvl2pPr>
               <a:defRPr sz="1200"/>
             </a:lvl2pPr>
-            <a:lvl3pPr marL="914400" indent="0">
-              <a:buNone/>
+            <a:lvl3pPr>
               <a:defRPr sz="1000"/>
             </a:lvl3pPr>
-            <a:lvl4pPr marL="1371600" indent="0">
-              <a:buNone/>
+            <a:lvl4pPr>
               <a:defRPr sz="900"/>
             </a:lvl4pPr>
-            <a:lvl5pPr marL="1828800" indent="0">
-              <a:buNone/>
+            <a:lvl5pPr>
               <a:defRPr sz="900"/>
             </a:lvl5pPr>
-            <a:lvl6pPr marL="2286000" indent="0">
-              <a:buNone/>
-              <a:defRPr sz="900"/>
-            </a:lvl6pPr>
-            <a:lvl7pPr marL="2743200" indent="0">
-              <a:buNone/>
-              <a:defRPr sz="900"/>
-            </a:lvl7pPr>
-            <a:lvl8pPr marL="3200400" indent="0">
-              <a:buNone/>
-              <a:defRPr sz="900"/>
-            </a:lvl8pPr>
-            <a:lvl9pPr marL="3657600" indent="0">
-              <a:buNone/>
-              <a:defRPr sz="900"/>
-            </a:lvl9pPr>
-          </a:lstStyle>
-          <a:p>
-            <a:pPr lvl="0"/>
-            <a:r>
-              <a:rPr lang="en-US" smtClean="0"/>
+            <a:extLst/>
+          </a:lstStyle>
+          <a:p>
+            <a:pPr lvl="0" eaLnBrk="1" latinLnBrk="0" hangingPunct="1"/>
+            <a:r>
+              <a:rPr kumimoji="0" lang="en-US" smtClean="0"/>
               <a:t>Click to edit Master text styles</a:t>
             </a:r>
-          </a:p>
-        </p:txBody>
-      </p:sp>
-      <p:sp>
-        <p:nvSpPr>
-          <p:cNvPr id="5" name="Date Placeholder 4"/>
-          <p:cNvSpPr>
-            <a:spLocks noGrp="1"/>
-          </p:cNvSpPr>
-          <p:nvPr>
-            <p:ph type="dt" sz="half" idx="10"/>
-          </p:nvPr>
-        </p:nvSpPr>
-        <p:spPr/>
-        <p:txBody>
-          <a:bodyPr/>
-          <a:lstStyle/>
-          <a:p>
-            <a:fld id="{BC0DFE1D-6179-40EA-B672-ADEE062EB995}" type="datetimeFigureOut">
-              <a:rPr lang="ru-RU" smtClean="0"/>
-              <a:t>29.04.2012</a:t>
-            </a:fld>
-            <a:endParaRPr lang="ru-RU"/>
-          </a:p>
-        </p:txBody>
-      </p:sp>
-      <p:sp>
-        <p:nvSpPr>
-          <p:cNvPr id="6" name="Footer Placeholder 5"/>
-          <p:cNvSpPr>
-            <a:spLocks noGrp="1"/>
-          </p:cNvSpPr>
-          <p:nvPr>
-            <p:ph type="ftr" sz="quarter" idx="11"/>
-          </p:nvPr>
-        </p:nvSpPr>
-        <p:spPr/>
-        <p:txBody>
-          <a:bodyPr/>
-          <a:lstStyle/>
-          <a:p>
-            <a:endParaRPr lang="ru-RU"/>
-          </a:p>
-        </p:txBody>
-      </p:sp>
-      <p:sp>
-        <p:nvSpPr>
-          <p:cNvPr id="7" name="Slide Number Placeholder 6"/>
-          <p:cNvSpPr>
-            <a:spLocks noGrp="1"/>
-          </p:cNvSpPr>
-          <p:nvPr>
-            <p:ph type="sldNum" sz="quarter" idx="12"/>
-          </p:nvPr>
-        </p:nvSpPr>
-        <p:spPr/>
-        <p:txBody>
-          <a:bodyPr/>
-          <a:lstStyle/>
-          <a:p>
-            <a:fld id="{10BF275A-197B-46B8-8C34-B7A97177EA16}" type="slidenum">
-              <a:rPr lang="ru-RU" smtClean="0"/>
-              <a:t>‹#›</a:t>
-            </a:fld>
-            <a:endParaRPr lang="ru-RU"/>
           </a:p>
         </p:txBody>
       </p:sp>
@@ -2518,8 +3263,8 @@
 <p:sldMaster xmlns:a="http://schemas.openxmlformats.org/drawingml/2006/main" xmlns:r="http://schemas.openxmlformats.org/officeDocument/2006/relationships" xmlns:p="http://schemas.openxmlformats.org/presentationml/2006/main">
   <p:cSld>
     <p:bg>
-      <p:bgRef idx="1001">
-        <a:schemeClr val="bg1"/>
+      <p:bgRef idx="1003">
+        <a:schemeClr val="bg2"/>
       </p:bgRef>
     </p:bg>
     <p:spTree>
@@ -2538,40 +3283,303 @@
       </p:grpSpPr>
       <p:sp>
         <p:nvSpPr>
-          <p:cNvPr id="2" name="Title Placeholder 1"/>
-          <p:cNvSpPr>
-            <a:spLocks noGrp="1"/>
-          </p:cNvSpPr>
-          <p:nvPr>
-            <p:ph type="title"/>
-          </p:nvPr>
+          <p:cNvPr id="7" name="Pie 6"/>
+          <p:cNvSpPr/>
+          <p:nvPr/>
         </p:nvSpPr>
         <p:spPr>
           <a:xfrm>
-            <a:off x="457200" y="274638"/>
-            <a:ext cx="8229600" cy="1143000"/>
+            <a:off x="-815927" y="-815922"/>
+            <a:ext cx="1638887" cy="1638887"/>
+          </a:xfrm>
+          <a:prstGeom prst="pie">
+            <a:avLst>
+              <a:gd name="adj1" fmla="val 0"/>
+              <a:gd name="adj2" fmla="val 5402120"/>
+            </a:avLst>
+          </a:prstGeom>
+          <a:solidFill>
+            <a:schemeClr val="bg2">
+              <a:tint val="18000"/>
+              <a:satMod val="220000"/>
+              <a:alpha val="33000"/>
+            </a:schemeClr>
+          </a:solidFill>
+          <a:ln w="3175" cap="rnd" cmpd="sng" algn="ctr">
+            <a:solidFill>
+              <a:schemeClr val="bg2">
+                <a:shade val="70000"/>
+                <a:satMod val="200000"/>
+                <a:alpha val="100000"/>
+              </a:schemeClr>
+            </a:solidFill>
+            <a:prstDash val="solid"/>
+          </a:ln>
+          <a:effectLst/>
+        </p:spPr>
+        <p:style>
+          <a:lnRef idx="3">
+            <a:schemeClr val="lt1"/>
+          </a:lnRef>
+          <a:fillRef idx="1">
+            <a:schemeClr val="accent1"/>
+          </a:fillRef>
+          <a:effectRef idx="1">
+            <a:schemeClr val="accent1"/>
+          </a:effectRef>
+          <a:fontRef idx="minor">
+            <a:schemeClr val="lt1"/>
+          </a:fontRef>
+        </p:style>
+        <p:txBody>
+          <a:bodyPr anchor="ctr"/>
+          <a:lstStyle>
+            <a:extLst/>
+          </a:lstStyle>
+          <a:p>
+            <a:pPr algn="ctr" eaLnBrk="1" latinLnBrk="0" hangingPunct="1"/>
+            <a:endParaRPr kumimoji="0" lang="en-US"/>
+          </a:p>
+        </p:txBody>
+      </p:sp>
+      <p:sp>
+        <p:nvSpPr>
+          <p:cNvPr id="8" name="Oval 7"/>
+          <p:cNvSpPr/>
+          <p:nvPr/>
+        </p:nvSpPr>
+        <p:spPr>
+          <a:xfrm>
+            <a:off x="168816" y="21102"/>
+            <a:ext cx="1702191" cy="1702191"/>
+          </a:xfrm>
+          <a:prstGeom prst="ellipse">
+            <a:avLst/>
+          </a:prstGeom>
+          <a:noFill/>
+          <a:ln w="27305" cap="rnd" cmpd="sng" algn="ctr">
+            <a:solidFill>
+              <a:schemeClr val="bg2">
+                <a:tint val="45000"/>
+                <a:satMod val="325000"/>
+                <a:alpha val="100000"/>
+              </a:schemeClr>
+            </a:solidFill>
+            <a:prstDash val="solid"/>
+          </a:ln>
+          <a:effectLst>
+            <a:outerShdw blurRad="25400" dist="25400" dir="5400000" algn="tl" rotWithShape="0">
+              <a:schemeClr val="bg2">
+                <a:shade val="50000"/>
+                <a:satMod val="150000"/>
+                <a:alpha val="85000"/>
+              </a:schemeClr>
+            </a:outerShdw>
+          </a:effectLst>
+        </p:spPr>
+        <p:style>
+          <a:lnRef idx="3">
+            <a:schemeClr val="lt1"/>
+          </a:lnRef>
+          <a:fillRef idx="1">
+            <a:schemeClr val="accent1"/>
+          </a:fillRef>
+          <a:effectRef idx="1">
+            <a:schemeClr val="accent1"/>
+          </a:effectRef>
+          <a:fontRef idx="minor">
+            <a:schemeClr val="lt1"/>
+          </a:fontRef>
+        </p:style>
+        <p:txBody>
+          <a:bodyPr anchor="ctr"/>
+          <a:lstStyle>
+            <a:extLst/>
+          </a:lstStyle>
+          <a:p>
+            <a:pPr algn="ctr" eaLnBrk="1" latinLnBrk="0" hangingPunct="1"/>
+            <a:endParaRPr kumimoji="0" lang="en-US"/>
+          </a:p>
+        </p:txBody>
+      </p:sp>
+      <p:sp>
+        <p:nvSpPr>
+          <p:cNvPr id="11" name="Donut 10"/>
+          <p:cNvSpPr/>
+          <p:nvPr/>
+        </p:nvSpPr>
+        <p:spPr>
+          <a:xfrm rot="2315675">
+            <a:off x="182881" y="1055077"/>
+            <a:ext cx="1125717" cy="1102624"/>
+          </a:xfrm>
+          <a:prstGeom prst="donut">
+            <a:avLst>
+              <a:gd name="adj" fmla="val 11833"/>
+            </a:avLst>
+          </a:prstGeom>
+          <a:gradFill rotWithShape="1">
+            <a:gsLst>
+              <a:gs pos="0">
+                <a:schemeClr val="bg2">
+                  <a:tint val="10000"/>
+                  <a:shade val="99000"/>
+                  <a:satMod val="355000"/>
+                  <a:alpha val="70000"/>
+                </a:schemeClr>
+              </a:gs>
+              <a:gs pos="70000">
+                <a:schemeClr val="bg2">
+                  <a:tint val="6000"/>
+                  <a:shade val="100000"/>
+                  <a:satMod val="400000"/>
+                  <a:alpha val="55000"/>
+                </a:schemeClr>
+              </a:gs>
+              <a:gs pos="100000">
+                <a:schemeClr val="bg2">
+                  <a:tint val="100000"/>
+                  <a:shade val="75000"/>
+                  <a:satMod val="370000"/>
+                  <a:alpha val="60000"/>
+                </a:schemeClr>
+              </a:gs>
+            </a:gsLst>
+            <a:path path="circle">
+              <a:fillToRect l="-407500" t="-50000" r="507500" b="150000"/>
+            </a:path>
+          </a:gradFill>
+          <a:ln w="7350" cap="rnd" cmpd="sng" algn="ctr">
+            <a:solidFill>
+              <a:schemeClr val="bg2">
+                <a:shade val="60000"/>
+                <a:satMod val="220000"/>
+                <a:alpha val="100000"/>
+              </a:schemeClr>
+            </a:solidFill>
+            <a:prstDash val="solid"/>
+          </a:ln>
+          <a:effectLst>
+            <a:outerShdw blurRad="12700" dist="15000" dir="4500000" algn="tl" rotWithShape="0">
+              <a:schemeClr val="bg2">
+                <a:shade val="10000"/>
+                <a:satMod val="200000"/>
+                <a:alpha val="35000"/>
+              </a:schemeClr>
+            </a:outerShdw>
+          </a:effectLst>
+        </p:spPr>
+        <p:style>
+          <a:lnRef idx="3">
+            <a:schemeClr val="lt1"/>
+          </a:lnRef>
+          <a:fillRef idx="1">
+            <a:schemeClr val="accent1"/>
+          </a:fillRef>
+          <a:effectRef idx="1">
+            <a:schemeClr val="accent1"/>
+          </a:effectRef>
+          <a:fontRef idx="minor">
+            <a:schemeClr val="lt1"/>
+          </a:fontRef>
+        </p:style>
+        <p:txBody>
+          <a:bodyPr anchor="ctr"/>
+          <a:lstStyle>
+            <a:extLst/>
+          </a:lstStyle>
+          <a:p>
+            <a:pPr algn="ctr" eaLnBrk="1" latinLnBrk="0" hangingPunct="1"/>
+            <a:endParaRPr kumimoji="0" lang="en-US"/>
+          </a:p>
+        </p:txBody>
+      </p:sp>
+      <p:sp>
+        <p:nvSpPr>
+          <p:cNvPr id="12" name="Rectangle 11"/>
+          <p:cNvSpPr/>
+          <p:nvPr/>
+        </p:nvSpPr>
+        <p:spPr>
+          <a:xfrm>
+            <a:off x="1012873" y="-54"/>
+            <a:ext cx="8131127" cy="6858054"/>
+          </a:xfrm>
+          <a:prstGeom prst="rect">
+            <a:avLst/>
+          </a:prstGeom>
+          <a:solidFill>
+            <a:schemeClr val="bg1"/>
+          </a:solidFill>
+          <a:ln w="25400" cap="rnd" cmpd="sng" algn="ctr">
+            <a:noFill/>
+            <a:prstDash val="solid"/>
+          </a:ln>
+          <a:effectLst/>
+        </p:spPr>
+        <p:style>
+          <a:lnRef idx="3">
+            <a:schemeClr val="lt1"/>
+          </a:lnRef>
+          <a:fillRef idx="1">
+            <a:schemeClr val="accent1"/>
+          </a:fillRef>
+          <a:effectRef idx="1">
+            <a:schemeClr val="accent1"/>
+          </a:effectRef>
+          <a:fontRef idx="minor">
+            <a:schemeClr val="lt1"/>
+          </a:fontRef>
+        </p:style>
+        <p:txBody>
+          <a:bodyPr anchor="ctr"/>
+          <a:lstStyle>
+            <a:extLst/>
+          </a:lstStyle>
+          <a:p>
+            <a:pPr algn="ctr" eaLnBrk="1" latinLnBrk="0" hangingPunct="1"/>
+            <a:endParaRPr kumimoji="0" lang="en-US"/>
+          </a:p>
+        </p:txBody>
+      </p:sp>
+      <p:sp>
+        <p:nvSpPr>
+          <p:cNvPr id="5" name="Title Placeholder 4"/>
+          <p:cNvSpPr>
+            <a:spLocks noGrp="1"/>
+          </p:cNvSpPr>
+          <p:nvPr>
+            <p:ph type="title"/>
+          </p:nvPr>
+        </p:nvSpPr>
+        <p:spPr>
+          <a:xfrm>
+            <a:off x="1435608" y="274638"/>
+            <a:ext cx="7498080" cy="1143000"/>
           </a:xfrm>
           <a:prstGeom prst="rect">
             <a:avLst/>
           </a:prstGeom>
         </p:spPr>
         <p:txBody>
-          <a:bodyPr vert="horz" lIns="91440" tIns="45720" rIns="91440" bIns="45720" rtlCol="0" anchor="ctr">
+          <a:bodyPr anchor="ctr">
             <a:normAutofit/>
           </a:bodyPr>
-          <a:lstStyle/>
-          <a:p>
-            <a:r>
-              <a:rPr lang="en-US" smtClean="0"/>
+          <a:lstStyle>
+            <a:extLst/>
+          </a:lstStyle>
+          <a:p>
+            <a:r>
+              <a:rPr kumimoji="0" lang="en-US" smtClean="0"/>
               <a:t>Click to edit Master title style</a:t>
             </a:r>
-            <a:endParaRPr lang="ru-RU"/>
-          </a:p>
-        </p:txBody>
-      </p:sp>
-      <p:sp>
-        <p:nvSpPr>
-          <p:cNvPr id="3" name="Text Placeholder 2"/>
+            <a:endParaRPr kumimoji="0" lang="en-US"/>
+          </a:p>
+        </p:txBody>
+      </p:sp>
+      <p:sp>
+        <p:nvSpPr>
+          <p:cNvPr id="9" name="Text Placeholder 8"/>
           <p:cNvSpPr>
             <a:spLocks noGrp="1"/>
           </p:cNvSpPr>
@@ -2581,59 +3589,61 @@
         </p:nvSpPr>
         <p:spPr>
           <a:xfrm>
-            <a:off x="457200" y="1600200"/>
-            <a:ext cx="8229600" cy="4525963"/>
+            <a:off x="1435608" y="1447800"/>
+            <a:ext cx="7498080" cy="4800600"/>
           </a:xfrm>
           <a:prstGeom prst="rect">
             <a:avLst/>
           </a:prstGeom>
         </p:spPr>
         <p:txBody>
-          <a:bodyPr vert="horz" lIns="91440" tIns="45720" rIns="91440" bIns="45720" rtlCol="0">
+          <a:bodyPr>
             <a:normAutofit/>
           </a:bodyPr>
-          <a:lstStyle/>
-          <a:p>
-            <a:pPr lvl="0"/>
-            <a:r>
-              <a:rPr lang="en-US" smtClean="0"/>
+          <a:lstStyle>
+            <a:extLst/>
+          </a:lstStyle>
+          <a:p>
+            <a:pPr lvl="0" eaLnBrk="1" latinLnBrk="0" hangingPunct="1"/>
+            <a:r>
+              <a:rPr kumimoji="0" lang="en-US" smtClean="0"/>
               <a:t>Click to edit Master text styles</a:t>
             </a:r>
           </a:p>
           <a:p>
-            <a:pPr lvl="1"/>
-            <a:r>
-              <a:rPr lang="en-US" smtClean="0"/>
+            <a:pPr lvl="1" eaLnBrk="1" latinLnBrk="0" hangingPunct="1"/>
+            <a:r>
+              <a:rPr kumimoji="0" lang="en-US" smtClean="0"/>
               <a:t>Second level</a:t>
             </a:r>
           </a:p>
           <a:p>
-            <a:pPr lvl="2"/>
-            <a:r>
-              <a:rPr lang="en-US" smtClean="0"/>
+            <a:pPr lvl="2" eaLnBrk="1" latinLnBrk="0" hangingPunct="1"/>
+            <a:r>
+              <a:rPr kumimoji="0" lang="en-US" smtClean="0"/>
               <a:t>Third level</a:t>
             </a:r>
           </a:p>
           <a:p>
-            <a:pPr lvl="3"/>
-            <a:r>
-              <a:rPr lang="en-US" smtClean="0"/>
+            <a:pPr lvl="3" eaLnBrk="1" latinLnBrk="0" hangingPunct="1"/>
+            <a:r>
+              <a:rPr kumimoji="0" lang="en-US" smtClean="0"/>
               <a:t>Fourth level</a:t>
             </a:r>
           </a:p>
           <a:p>
-            <a:pPr lvl="4"/>
-            <a:r>
-              <a:rPr lang="en-US" smtClean="0"/>
+            <a:pPr lvl="4" eaLnBrk="1" latinLnBrk="0" hangingPunct="1"/>
+            <a:r>
+              <a:rPr kumimoji="0" lang="en-US" smtClean="0"/>
               <a:t>Fifth level</a:t>
             </a:r>
-            <a:endParaRPr lang="ru-RU"/>
-          </a:p>
-        </p:txBody>
-      </p:sp>
-      <p:sp>
-        <p:nvSpPr>
-          <p:cNvPr id="4" name="Date Placeholder 3"/>
+            <a:endParaRPr kumimoji="0" lang="en-US"/>
+          </a:p>
+        </p:txBody>
+      </p:sp>
+      <p:sp>
+        <p:nvSpPr>
+          <p:cNvPr id="24" name="Date Placeholder 23"/>
           <p:cNvSpPr>
             <a:spLocks noGrp="1"/>
           </p:cNvSpPr>
@@ -2643,30 +3653,33 @@
         </p:nvSpPr>
         <p:spPr>
           <a:xfrm>
-            <a:off x="457200" y="6356350"/>
-            <a:ext cx="2133600" cy="365125"/>
+            <a:off x="3581400" y="6305550"/>
+            <a:ext cx="2133600" cy="476250"/>
           </a:xfrm>
           <a:prstGeom prst="rect">
             <a:avLst/>
           </a:prstGeom>
         </p:spPr>
         <p:txBody>
-          <a:bodyPr vert="horz" lIns="91440" tIns="45720" rIns="91440" bIns="45720" rtlCol="0" anchor="ctr"/>
-          <a:lstStyle>
-            <a:lvl1pPr algn="l">
-              <a:defRPr sz="1200">
+          <a:bodyPr anchor="b"/>
+          <a:lstStyle>
+            <a:lvl1pPr algn="r" eaLnBrk="1" latinLnBrk="0" hangingPunct="1">
+              <a:defRPr kumimoji="0" sz="1200">
                 <a:solidFill>
-                  <a:schemeClr val="tx1">
-                    <a:tint val="75000"/>
+                  <a:schemeClr val="bg2">
+                    <a:shade val="50000"/>
+                    <a:satMod val="200000"/>
                   </a:schemeClr>
                 </a:solidFill>
               </a:defRPr>
             </a:lvl1pPr>
+            <a:extLst/>
           </a:lstStyle>
           <a:p>
             <a:fld id="{BC0DFE1D-6179-40EA-B672-ADEE062EB995}" type="datetimeFigureOut">
               <a:rPr lang="ru-RU" smtClean="0"/>
-              <a:t>29.04.2012</a:t>
+              <a:pPr/>
+              <a:t>02.05.2012</a:t>
             </a:fld>
             <a:endParaRPr lang="ru-RU"/>
           </a:p>
@@ -2674,7 +3687,7 @@
       </p:sp>
       <p:sp>
         <p:nvSpPr>
-          <p:cNvPr id="5" name="Footer Placeholder 4"/>
+          <p:cNvPr id="10" name="Footer Placeholder 9"/>
           <p:cNvSpPr>
             <a:spLocks noGrp="1"/>
           </p:cNvSpPr>
@@ -2684,25 +3697,28 @@
         </p:nvSpPr>
         <p:spPr>
           <a:xfrm>
-            <a:off x="3124200" y="6356350"/>
-            <a:ext cx="2895600" cy="365125"/>
+            <a:off x="5715000" y="6305550"/>
+            <a:ext cx="2895600" cy="476250"/>
           </a:xfrm>
           <a:prstGeom prst="rect">
             <a:avLst/>
           </a:prstGeom>
         </p:spPr>
         <p:txBody>
-          <a:bodyPr vert="horz" lIns="91440" tIns="45720" rIns="91440" bIns="45720" rtlCol="0" anchor="ctr"/>
-          <a:lstStyle>
-            <a:lvl1pPr algn="ctr">
-              <a:defRPr sz="1200">
+          <a:bodyPr anchor="b"/>
+          <a:lstStyle>
+            <a:lvl1pPr eaLnBrk="1" latinLnBrk="0" hangingPunct="1">
+              <a:defRPr kumimoji="0" sz="1200">
                 <a:solidFill>
-                  <a:schemeClr val="tx1">
-                    <a:tint val="75000"/>
+                  <a:schemeClr val="bg2">
+                    <a:shade val="50000"/>
+                    <a:satMod val="200000"/>
                   </a:schemeClr>
                 </a:solidFill>
+                <a:effectLst/>
               </a:defRPr>
             </a:lvl1pPr>
+            <a:extLst/>
           </a:lstStyle>
           <a:p>
             <a:endParaRPr lang="ru-RU"/>
@@ -2711,7 +3727,7 @@
       </p:sp>
       <p:sp>
         <p:nvSpPr>
-          <p:cNvPr id="6" name="Slide Number Placeholder 5"/>
+          <p:cNvPr id="22" name="Slide Number Placeholder 21"/>
           <p:cNvSpPr>
             <a:spLocks noGrp="1"/>
           </p:cNvSpPr>
@@ -2721,32 +3737,92 @@
         </p:nvSpPr>
         <p:spPr>
           <a:xfrm>
-            <a:off x="6553200" y="6356350"/>
-            <a:ext cx="2133600" cy="365125"/>
+            <a:off x="8613648" y="6305550"/>
+            <a:ext cx="457200" cy="476250"/>
           </a:xfrm>
           <a:prstGeom prst="rect">
             <a:avLst/>
           </a:prstGeom>
         </p:spPr>
         <p:txBody>
-          <a:bodyPr vert="horz" lIns="91440" tIns="45720" rIns="91440" bIns="45720" rtlCol="0" anchor="ctr"/>
-          <a:lstStyle>
-            <a:lvl1pPr algn="r">
-              <a:defRPr sz="1200">
+          <a:bodyPr anchor="b"/>
+          <a:lstStyle>
+            <a:lvl1pPr algn="ctr" eaLnBrk="1" latinLnBrk="0" hangingPunct="1">
+              <a:defRPr kumimoji="0" sz="1200">
                 <a:solidFill>
-                  <a:schemeClr val="tx1">
-                    <a:tint val="75000"/>
+                  <a:schemeClr val="bg2">
+                    <a:shade val="50000"/>
+                    <a:satMod val="200000"/>
                   </a:schemeClr>
                 </a:solidFill>
+                <a:effectLst/>
               </a:defRPr>
             </a:lvl1pPr>
+            <a:extLst/>
           </a:lstStyle>
           <a:p>
             <a:fld id="{10BF275A-197B-46B8-8C34-B7A97177EA16}" type="slidenum">
               <a:rPr lang="ru-RU" smtClean="0"/>
+              <a:pPr/>
               <a:t>‹#›</a:t>
             </a:fld>
             <a:endParaRPr lang="ru-RU"/>
+          </a:p>
+        </p:txBody>
+      </p:sp>
+      <p:sp>
+        <p:nvSpPr>
+          <p:cNvPr id="15" name="Rectangle 14"/>
+          <p:cNvSpPr/>
+          <p:nvPr/>
+        </p:nvSpPr>
+        <p:spPr bwMode="invGray">
+          <a:xfrm>
+            <a:off x="1014984" y="-54"/>
+            <a:ext cx="73152" cy="6858054"/>
+          </a:xfrm>
+          <a:prstGeom prst="rect">
+            <a:avLst/>
+          </a:prstGeom>
+          <a:solidFill>
+            <a:schemeClr val="bg1"/>
+          </a:solidFill>
+          <a:ln w="25400" cap="rnd" cmpd="sng" algn="ctr">
+            <a:noFill/>
+            <a:prstDash val="solid"/>
+          </a:ln>
+          <a:effectLst>
+            <a:outerShdw blurRad="38550" dist="38000" dir="10800000" algn="tl" rotWithShape="0">
+              <a:schemeClr val="bg2">
+                <a:shade val="20000"/>
+                <a:satMod val="110000"/>
+                <a:alpha val="25000"/>
+              </a:schemeClr>
+            </a:outerShdw>
+          </a:effectLst>
+        </p:spPr>
+        <p:style>
+          <a:lnRef idx="3">
+            <a:schemeClr val="lt1"/>
+          </a:lnRef>
+          <a:fillRef idx="1">
+            <a:schemeClr val="accent1"/>
+          </a:fillRef>
+          <a:effectRef idx="1">
+            <a:schemeClr val="accent1"/>
+          </a:effectRef>
+          <a:fontRef idx="minor">
+            <a:schemeClr val="lt1"/>
+          </a:fontRef>
+        </p:style>
+        <p:txBody>
+          <a:bodyPr anchor="ctr"/>
+          <a:lstStyle>
+            <a:extLst/>
+          </a:lstStyle>
+          <a:p>
+            <a:pPr algn="ctr" eaLnBrk="1" latinLnBrk="0" hangingPunct="1"/>
+            <a:endParaRPr kumimoji="0" lang="en-US"/>
           </a:p>
         </p:txBody>
       </p:sp>
@@ -2754,43 +3830,60 @@
   </p:cSld>
   <p:clrMap bg1="lt1" tx1="dk1" bg2="lt2" tx2="dk2" accent1="accent1" accent2="accent2" accent3="accent3" accent4="accent4" accent5="accent5" accent6="accent6" hlink="hlink" folHlink="folHlink"/>
   <p:sldLayoutIdLst>
-    <p:sldLayoutId id="2147483901" r:id="rId1"/>
-    <p:sldLayoutId id="2147483902" r:id="rId2"/>
-    <p:sldLayoutId id="2147483903" r:id="rId3"/>
-    <p:sldLayoutId id="2147483904" r:id="rId4"/>
-    <p:sldLayoutId id="2147483905" r:id="rId5"/>
-    <p:sldLayoutId id="2147483906" r:id="rId6"/>
-    <p:sldLayoutId id="2147483907" r:id="rId7"/>
-    <p:sldLayoutId id="2147483908" r:id="rId8"/>
-    <p:sldLayoutId id="2147483909" r:id="rId9"/>
-    <p:sldLayoutId id="2147483910" r:id="rId10"/>
-    <p:sldLayoutId id="2147483911" r:id="rId11"/>
+    <p:sldLayoutId id="2147483913" r:id="rId1"/>
+    <p:sldLayoutId id="2147483914" r:id="rId2"/>
+    <p:sldLayoutId id="2147483915" r:id="rId3"/>
+    <p:sldLayoutId id="2147483916" r:id="rId4"/>
+    <p:sldLayoutId id="2147483917" r:id="rId5"/>
+    <p:sldLayoutId id="2147483918" r:id="rId6"/>
+    <p:sldLayoutId id="2147483919" r:id="rId7"/>
+    <p:sldLayoutId id="2147483920" r:id="rId8"/>
+    <p:sldLayoutId id="2147483921" r:id="rId9"/>
+    <p:sldLayoutId id="2147483922" r:id="rId10"/>
+    <p:sldLayoutId id="2147483923" r:id="rId11"/>
   </p:sldLayoutIdLst>
   <p:txStyles>
     <p:titleStyle>
-      <a:lvl1pPr algn="ctr" defTabSz="914400" rtl="0" eaLnBrk="1" latinLnBrk="0" hangingPunct="1">
+      <a:lvl1pPr algn="l" rtl="0" eaLnBrk="1" latinLnBrk="0" hangingPunct="1">
         <a:spcBef>
           <a:spcPct val="0"/>
         </a:spcBef>
         <a:buNone/>
-        <a:defRPr sz="4400" kern="1200">
+        <a:defRPr kumimoji="0" sz="4300" kern="1200">
           <a:solidFill>
-            <a:schemeClr val="tx1"/>
+            <a:schemeClr val="tx2">
+              <a:satMod val="130000"/>
+            </a:schemeClr>
           </a:solidFill>
+          <a:effectLst>
+            <a:outerShdw blurRad="50000" dist="30000" dir="5400000" algn="tl" rotWithShape="0">
+              <a:srgbClr val="000000">
+                <a:alpha val="30000"/>
+              </a:srgbClr>
+            </a:outerShdw>
+          </a:effectLst>
           <a:latin typeface="+mj-lt"/>
           <a:ea typeface="+mj-ea"/>
           <a:cs typeface="+mj-cs"/>
         </a:defRPr>
       </a:lvl1pPr>
+      <a:extLst/>
     </p:titleStyle>
     <p:bodyStyle>
-      <a:lvl1pPr marL="342900" indent="-342900" algn="l" defTabSz="914400" rtl="0" eaLnBrk="1" latinLnBrk="0" hangingPunct="1">
+      <a:lvl1pPr marL="365760" indent="-283464" algn="l" rtl="0" eaLnBrk="1" latinLnBrk="0" hangingPunct="1">
+        <a:lnSpc>
+          <a:spcPct val="100000"/>
+        </a:lnSpc>
         <a:spcBef>
-          <a:spcPct val="20000"/>
+          <a:spcPts val="600"/>
         </a:spcBef>
-        <a:buFont typeface="Arial" pitchFamily="34" charset="0"/>
-        <a:buChar char="•"/>
-        <a:defRPr sz="3200" kern="1200">
+        <a:buClr>
+          <a:schemeClr val="accent1"/>
+        </a:buClr>
+        <a:buSzPct val="80000"/>
+        <a:buFont typeface="Wingdings 2"/>
+        <a:buChar char=""/>
+        <a:defRPr kumimoji="0" sz="3200" kern="1200">
           <a:solidFill>
             <a:schemeClr val="tx1"/>
           </a:solidFill>
@@ -2799,13 +3892,19 @@
           <a:cs typeface="+mn-cs"/>
         </a:defRPr>
       </a:lvl1pPr>
-      <a:lvl2pPr marL="742950" indent="-285750" algn="l" defTabSz="914400" rtl="0" eaLnBrk="1" latinLnBrk="0" hangingPunct="1">
+      <a:lvl2pPr marL="640080" indent="-237744" algn="l" rtl="0" eaLnBrk="1" latinLnBrk="0" hangingPunct="1">
+        <a:lnSpc>
+          <a:spcPct val="100000"/>
+        </a:lnSpc>
         <a:spcBef>
-          <a:spcPct val="20000"/>
+          <a:spcPts val="550"/>
         </a:spcBef>
-        <a:buFont typeface="Arial" pitchFamily="34" charset="0"/>
-        <a:buChar char="–"/>
-        <a:defRPr sz="2800" kern="1200">
+        <a:buClr>
+          <a:schemeClr val="accent1"/>
+        </a:buClr>
+        <a:buFont typeface="Verdana"/>
+        <a:buChar char="◦"/>
+        <a:defRPr kumimoji="0" sz="2800" kern="1200">
           <a:solidFill>
             <a:schemeClr val="tx1"/>
           </a:solidFill>
@@ -2814,13 +3913,19 @@
           <a:cs typeface="+mn-cs"/>
         </a:defRPr>
       </a:lvl2pPr>
-      <a:lvl3pPr marL="1143000" indent="-228600" algn="l" defTabSz="914400" rtl="0" eaLnBrk="1" latinLnBrk="0" hangingPunct="1">
+      <a:lvl3pPr marL="886968" indent="-228600" algn="l" rtl="0" eaLnBrk="1" latinLnBrk="0" hangingPunct="1">
+        <a:lnSpc>
+          <a:spcPct val="100000"/>
+        </a:lnSpc>
         <a:spcBef>
           <a:spcPct val="20000"/>
         </a:spcBef>
-        <a:buFont typeface="Arial" pitchFamily="34" charset="0"/>
-        <a:buChar char="•"/>
-        <a:defRPr sz="2400" kern="1200">
+        <a:buClr>
+          <a:schemeClr val="accent2"/>
+        </a:buClr>
+        <a:buFont typeface="Wingdings 2"/>
+        <a:buChar char=""/>
+        <a:defRPr kumimoji="0" sz="2400" kern="1200">
           <a:solidFill>
             <a:schemeClr val="tx1"/>
           </a:solidFill>
@@ -2829,13 +3934,19 @@
           <a:cs typeface="+mn-cs"/>
         </a:defRPr>
       </a:lvl3pPr>
-      <a:lvl4pPr marL="1600200" indent="-228600" algn="l" defTabSz="914400" rtl="0" eaLnBrk="1" latinLnBrk="0" hangingPunct="1">
+      <a:lvl4pPr marL="1097280" indent="-173736" algn="l" rtl="0" eaLnBrk="1" latinLnBrk="0" hangingPunct="1">
+        <a:lnSpc>
+          <a:spcPct val="100000"/>
+        </a:lnSpc>
         <a:spcBef>
           <a:spcPct val="20000"/>
         </a:spcBef>
-        <a:buFont typeface="Arial" pitchFamily="34" charset="0"/>
-        <a:buChar char="–"/>
-        <a:defRPr sz="2000" kern="1200">
+        <a:buClr>
+          <a:schemeClr val="accent3"/>
+        </a:buClr>
+        <a:buFont typeface="Wingdings 2"/>
+        <a:buChar char=""/>
+        <a:defRPr kumimoji="0" sz="2000" kern="1200">
           <a:solidFill>
             <a:schemeClr val="tx1"/>
           </a:solidFill>
@@ -2844,13 +3955,19 @@
           <a:cs typeface="+mn-cs"/>
         </a:defRPr>
       </a:lvl4pPr>
-      <a:lvl5pPr marL="2057400" indent="-228600" algn="l" defTabSz="914400" rtl="0" eaLnBrk="1" latinLnBrk="0" hangingPunct="1">
+      <a:lvl5pPr marL="1298448" indent="-182880" algn="l" rtl="0" eaLnBrk="1" latinLnBrk="0" hangingPunct="1">
+        <a:lnSpc>
+          <a:spcPct val="100000"/>
+        </a:lnSpc>
         <a:spcBef>
           <a:spcPct val="20000"/>
         </a:spcBef>
-        <a:buFont typeface="Arial" pitchFamily="34" charset="0"/>
-        <a:buChar char="»"/>
-        <a:defRPr sz="2000" kern="1200">
+        <a:buClr>
+          <a:schemeClr val="accent4"/>
+        </a:buClr>
+        <a:buFont typeface="Wingdings 2"/>
+        <a:buChar char=""/>
+        <a:defRPr kumimoji="0" sz="2000" kern="1200">
           <a:solidFill>
             <a:schemeClr val="tx1"/>
           </a:solidFill>
@@ -2859,13 +3976,19 @@
           <a:cs typeface="+mn-cs"/>
         </a:defRPr>
       </a:lvl5pPr>
-      <a:lvl6pPr marL="2514600" indent="-228600" algn="l" defTabSz="914400" rtl="0" eaLnBrk="1" latinLnBrk="0" hangingPunct="1">
+      <a:lvl6pPr marL="1508760" indent="-182880" algn="l" rtl="0" eaLnBrk="1" latinLnBrk="0" hangingPunct="1">
+        <a:lnSpc>
+          <a:spcPct val="100000"/>
+        </a:lnSpc>
         <a:spcBef>
           <a:spcPct val="20000"/>
         </a:spcBef>
-        <a:buFont typeface="Arial" pitchFamily="34" charset="0"/>
-        <a:buChar char="•"/>
-        <a:defRPr sz="2000" kern="1200">
+        <a:buClr>
+          <a:schemeClr val="accent5"/>
+        </a:buClr>
+        <a:buFont typeface="Wingdings 2"/>
+        <a:buChar char=""/>
+        <a:defRPr kumimoji="0" sz="2000" kern="1200">
           <a:solidFill>
             <a:schemeClr val="tx1"/>
           </a:solidFill>
@@ -2874,13 +3997,19 @@
           <a:cs typeface="+mn-cs"/>
         </a:defRPr>
       </a:lvl6pPr>
-      <a:lvl7pPr marL="2971800" indent="-228600" algn="l" defTabSz="914400" rtl="0" eaLnBrk="1" latinLnBrk="0" hangingPunct="1">
+      <a:lvl7pPr marL="1719072" indent="-182880" algn="l" rtl="0" eaLnBrk="1" latinLnBrk="0" hangingPunct="1">
+        <a:lnSpc>
+          <a:spcPct val="100000"/>
+        </a:lnSpc>
         <a:spcBef>
           <a:spcPct val="20000"/>
         </a:spcBef>
-        <a:buFont typeface="Arial" pitchFamily="34" charset="0"/>
-        <a:buChar char="•"/>
-        <a:defRPr sz="2000" kern="1200">
+        <a:buClr>
+          <a:schemeClr val="accent6"/>
+        </a:buClr>
+        <a:buFont typeface="Wingdings 2"/>
+        <a:buChar char=""/>
+        <a:defRPr kumimoji="0" sz="2000" kern="1200">
           <a:solidFill>
             <a:schemeClr val="tx1"/>
           </a:solidFill>
@@ -2889,13 +4018,19 @@
           <a:cs typeface="+mn-cs"/>
         </a:defRPr>
       </a:lvl7pPr>
-      <a:lvl8pPr marL="3429000" indent="-228600" algn="l" defTabSz="914400" rtl="0" eaLnBrk="1" latinLnBrk="0" hangingPunct="1">
+      <a:lvl8pPr marL="1920240" indent="-182880" algn="l" rtl="0" eaLnBrk="1" latinLnBrk="0" hangingPunct="1">
+        <a:lnSpc>
+          <a:spcPct val="100000"/>
+        </a:lnSpc>
         <a:spcBef>
           <a:spcPct val="20000"/>
         </a:spcBef>
-        <a:buFont typeface="Arial" pitchFamily="34" charset="0"/>
-        <a:buChar char="•"/>
-        <a:defRPr sz="2000" kern="1200">
+        <a:buClr>
+          <a:schemeClr val="accent6"/>
+        </a:buClr>
+        <a:buFont typeface="Wingdings 2"/>
+        <a:buChar char=""/>
+        <a:defRPr kumimoji="0" sz="2000" kern="1200">
           <a:solidFill>
             <a:schemeClr val="tx1"/>
           </a:solidFill>
@@ -2904,13 +4039,19 @@
           <a:cs typeface="+mn-cs"/>
         </a:defRPr>
       </a:lvl8pPr>
-      <a:lvl9pPr marL="3886200" indent="-228600" algn="l" defTabSz="914400" rtl="0" eaLnBrk="1" latinLnBrk="0" hangingPunct="1">
+      <a:lvl9pPr marL="2130552" indent="-182880" algn="l" rtl="0" eaLnBrk="1" latinLnBrk="0" hangingPunct="1">
+        <a:lnSpc>
+          <a:spcPct val="100000"/>
+        </a:lnSpc>
         <a:spcBef>
           <a:spcPct val="20000"/>
         </a:spcBef>
-        <a:buFont typeface="Arial" pitchFamily="34" charset="0"/>
-        <a:buChar char="•"/>
-        <a:defRPr sz="2000" kern="1200">
+        <a:buClr>
+          <a:schemeClr val="accent6"/>
+        </a:buClr>
+        <a:buFont typeface="Wingdings 2"/>
+        <a:buChar char=""/>
+        <a:defRPr kumimoji="0" sz="2000" kern="1200">
           <a:solidFill>
             <a:schemeClr val="tx1"/>
           </a:solidFill>
@@ -2919,13 +4060,11 @@
           <a:cs typeface="+mn-cs"/>
         </a:defRPr>
       </a:lvl9pPr>
+      <a:extLst/>
     </p:bodyStyle>
     <p:otherStyle>
-      <a:defPPr>
-        <a:defRPr lang="ru-RU"/>
-      </a:defPPr>
-      <a:lvl1pPr marL="0" algn="l" defTabSz="914400" rtl="0" eaLnBrk="1" latinLnBrk="0" hangingPunct="1">
-        <a:defRPr sz="1800" kern="1200">
+      <a:lvl1pPr marL="0" algn="l" rtl="0" eaLnBrk="1" latinLnBrk="0" hangingPunct="1">
+        <a:defRPr kumimoji="0" kern="1200">
           <a:solidFill>
             <a:schemeClr val="tx1"/>
           </a:solidFill>
@@ -2934,8 +4073,8 @@
           <a:cs typeface="+mn-cs"/>
         </a:defRPr>
       </a:lvl1pPr>
-      <a:lvl2pPr marL="457200" algn="l" defTabSz="914400" rtl="0" eaLnBrk="1" latinLnBrk="0" hangingPunct="1">
-        <a:defRPr sz="1800" kern="1200">
+      <a:lvl2pPr marL="457200" algn="l" rtl="0" eaLnBrk="1" latinLnBrk="0" hangingPunct="1">
+        <a:defRPr kumimoji="0" kern="1200">
           <a:solidFill>
             <a:schemeClr val="tx1"/>
           </a:solidFill>
@@ -2944,8 +4083,8 @@
           <a:cs typeface="+mn-cs"/>
         </a:defRPr>
       </a:lvl2pPr>
-      <a:lvl3pPr marL="914400" algn="l" defTabSz="914400" rtl="0" eaLnBrk="1" latinLnBrk="0" hangingPunct="1">
-        <a:defRPr sz="1800" kern="1200">
+      <a:lvl3pPr marL="914400" algn="l" rtl="0" eaLnBrk="1" latinLnBrk="0" hangingPunct="1">
+        <a:defRPr kumimoji="0" kern="1200">
           <a:solidFill>
             <a:schemeClr val="tx1"/>
           </a:solidFill>
@@ -2954,8 +4093,8 @@
           <a:cs typeface="+mn-cs"/>
         </a:defRPr>
       </a:lvl3pPr>
-      <a:lvl4pPr marL="1371600" algn="l" defTabSz="914400" rtl="0" eaLnBrk="1" latinLnBrk="0" hangingPunct="1">
-        <a:defRPr sz="1800" kern="1200">
+      <a:lvl4pPr marL="1371600" algn="l" rtl="0" eaLnBrk="1" latinLnBrk="0" hangingPunct="1">
+        <a:defRPr kumimoji="0" kern="1200">
           <a:solidFill>
             <a:schemeClr val="tx1"/>
           </a:solidFill>
@@ -2964,8 +4103,8 @@
           <a:cs typeface="+mn-cs"/>
         </a:defRPr>
       </a:lvl4pPr>
-      <a:lvl5pPr marL="1828800" algn="l" defTabSz="914400" rtl="0" eaLnBrk="1" latinLnBrk="0" hangingPunct="1">
-        <a:defRPr sz="1800" kern="1200">
+      <a:lvl5pPr marL="1828800" algn="l" rtl="0" eaLnBrk="1" latinLnBrk="0" hangingPunct="1">
+        <a:defRPr kumimoji="0" kern="1200">
           <a:solidFill>
             <a:schemeClr val="tx1"/>
           </a:solidFill>
@@ -2974,8 +4113,8 @@
           <a:cs typeface="+mn-cs"/>
         </a:defRPr>
       </a:lvl5pPr>
-      <a:lvl6pPr marL="2286000" algn="l" defTabSz="914400" rtl="0" eaLnBrk="1" latinLnBrk="0" hangingPunct="1">
-        <a:defRPr sz="1800" kern="1200">
+      <a:lvl6pPr marL="2286000" algn="l" rtl="0" eaLnBrk="1" latinLnBrk="0" hangingPunct="1">
+        <a:defRPr kumimoji="0" kern="1200">
           <a:solidFill>
             <a:schemeClr val="tx1"/>
           </a:solidFill>
@@ -2984,8 +4123,8 @@
           <a:cs typeface="+mn-cs"/>
         </a:defRPr>
       </a:lvl6pPr>
-      <a:lvl7pPr marL="2743200" algn="l" defTabSz="914400" rtl="0" eaLnBrk="1" latinLnBrk="0" hangingPunct="1">
-        <a:defRPr sz="1800" kern="1200">
+      <a:lvl7pPr marL="2743200" algn="l" rtl="0" eaLnBrk="1" latinLnBrk="0" hangingPunct="1">
+        <a:defRPr kumimoji="0" kern="1200">
           <a:solidFill>
             <a:schemeClr val="tx1"/>
           </a:solidFill>
@@ -2994,8 +4133,8 @@
           <a:cs typeface="+mn-cs"/>
         </a:defRPr>
       </a:lvl7pPr>
-      <a:lvl8pPr marL="3200400" algn="l" defTabSz="914400" rtl="0" eaLnBrk="1" latinLnBrk="0" hangingPunct="1">
-        <a:defRPr sz="1800" kern="1200">
+      <a:lvl8pPr marL="3200400" algn="l" rtl="0" eaLnBrk="1" latinLnBrk="0" hangingPunct="1">
+        <a:defRPr kumimoji="0" kern="1200">
           <a:solidFill>
             <a:schemeClr val="tx1"/>
           </a:solidFill>
@@ -3004,8 +4143,8 @@
           <a:cs typeface="+mn-cs"/>
         </a:defRPr>
       </a:lvl8pPr>
-      <a:lvl9pPr marL="3657600" algn="l" defTabSz="914400" rtl="0" eaLnBrk="1" latinLnBrk="0" hangingPunct="1">
-        <a:defRPr sz="1800" kern="1200">
+      <a:lvl9pPr marL="3657600" algn="l" rtl="0" eaLnBrk="1" latinLnBrk="0" hangingPunct="1">
+        <a:defRPr kumimoji="0" kern="1200">
           <a:solidFill>
             <a:schemeClr val="tx1"/>
           </a:solidFill>
@@ -3014,6 +4153,7 @@
           <a:cs typeface="+mn-cs"/>
         </a:defRPr>
       </a:lvl9pPr>
+      <a:extLst/>
     </p:otherStyle>
   </p:txStyles>
 </p:sldMaster>
@@ -3048,7 +4188,7 @@
         </p:nvSpPr>
         <p:spPr>
           <a:xfrm>
-            <a:off x="755576" y="692696"/>
+            <a:off x="1115616" y="1124744"/>
             <a:ext cx="7772400" cy="1470025"/>
           </a:xfrm>
         </p:spPr>
@@ -3058,6 +4198,7 @@
           </a:bodyPr>
           <a:lstStyle/>
           <a:p>
+            <a:pPr algn="ctr"/>
             <a:r>
               <a:rPr lang="en-US" sz="3600" dirty="0" err="1" smtClean="0"/>
               <a:t>Разработка</a:t>
@@ -3145,8 +4286,8 @@
         </p:nvSpPr>
         <p:spPr>
           <a:xfrm>
-            <a:off x="0" y="2420888"/>
-            <a:ext cx="9144000" cy="369332"/>
+            <a:off x="1115616" y="2420888"/>
+            <a:ext cx="8028384" cy="400110"/>
           </a:xfrm>
           <a:prstGeom prst="rect">
             <a:avLst/>
@@ -3161,14 +4302,14 @@
           <a:p>
             <a:pPr algn="ctr"/>
             <a:r>
-              <a:rPr lang="ru-RU" dirty="0" err="1" smtClean="0"/>
+              <a:rPr lang="ru-RU" sz="2000" dirty="0" err="1" smtClean="0"/>
               <a:t>Ёлкин</a:t>
             </a:r>
             <a:r>
-              <a:rPr lang="ru-RU" dirty="0" smtClean="0"/>
+              <a:rPr lang="ru-RU" sz="2000" dirty="0" smtClean="0"/>
               <a:t> Д. И., группа 6539</a:t>
             </a:r>
-            <a:endParaRPr lang="ru-RU" dirty="0"/>
+            <a:endParaRPr lang="ru-RU" sz="2000" dirty="0"/>
           </a:p>
         </p:txBody>
       </p:sp>
@@ -3180,8 +4321,8 @@
         </p:nvSpPr>
         <p:spPr>
           <a:xfrm>
-            <a:off x="0" y="3212976"/>
-            <a:ext cx="9144000" cy="861774"/>
+            <a:off x="1043608" y="3212976"/>
+            <a:ext cx="8100392" cy="892552"/>
           </a:xfrm>
           <a:prstGeom prst="rect">
             <a:avLst/>
@@ -3195,100 +4336,104 @@
           <a:lstStyle/>
           <a:p>
             <a:r>
-              <a:rPr lang="ru-RU" dirty="0" smtClean="0"/>
+              <a:rPr lang="ru-RU" sz="2000" dirty="0" smtClean="0"/>
               <a:t>Научный руководитель: </a:t>
             </a:r>
             <a:r>
-              <a:rPr lang="ru-RU" dirty="0" err="1" smtClean="0"/>
+              <a:rPr lang="ru-RU" sz="2000" dirty="0" err="1" smtClean="0"/>
               <a:t>Черносвитов</a:t>
             </a:r>
             <a:r>
-              <a:rPr lang="ru-RU" dirty="0" smtClean="0"/>
+              <a:rPr lang="ru-RU" sz="2000" dirty="0" smtClean="0"/>
               <a:t> А. В.,</a:t>
             </a:r>
           </a:p>
           <a:p>
             <a:r>
-              <a:rPr lang="en-US" sz="1600" dirty="0" err="1" smtClean="0"/>
+              <a:rPr lang="en-US" sz="1600" i="1" dirty="0" err="1" smtClean="0"/>
               <a:t>кандидат</a:t>
             </a:r>
             <a:r>
-              <a:rPr lang="en-US" sz="1600" dirty="0" smtClean="0"/>
+              <a:rPr lang="en-US" sz="1600" i="1" dirty="0" smtClean="0"/>
               <a:t> </a:t>
             </a:r>
             <a:r>
-              <a:rPr lang="en-US" sz="1600" dirty="0" err="1"/>
+              <a:rPr lang="en-US" sz="1600" i="1" dirty="0" err="1"/>
               <a:t>технических</a:t>
             </a:r>
             <a:r>
-              <a:rPr lang="en-US" sz="1600" dirty="0"/>
+              <a:rPr lang="en-US" sz="1600" i="1" dirty="0"/>
               <a:t> </a:t>
             </a:r>
             <a:r>
-              <a:rPr lang="en-US" sz="1600" dirty="0" err="1"/>
+              <a:rPr lang="en-US" sz="1600" i="1" dirty="0" err="1"/>
               <a:t>наук</a:t>
             </a:r>
             <a:r>
-              <a:rPr lang="en-US" sz="1600" dirty="0"/>
+              <a:rPr lang="en-US" sz="1600" i="1" dirty="0"/>
               <a:t>, </a:t>
             </a:r>
             <a:r>
-              <a:rPr lang="en-US" sz="1600" dirty="0" err="1" smtClean="0"/>
+              <a:rPr lang="en-US" sz="1600" i="1" dirty="0" smtClean="0"/>
+              <a:t> </a:t>
+            </a:r>
+            <a:r>
+              <a:rPr lang="en-US" sz="1600" i="1" dirty="0" err="1" smtClean="0"/>
               <a:t>доцент</a:t>
             </a:r>
             <a:r>
-              <a:rPr lang="en-US" sz="1600" dirty="0" smtClean="0"/>
+              <a:rPr lang="en-US" sz="1600" i="1" dirty="0" smtClean="0"/>
               <a:t> </a:t>
             </a:r>
             <a:r>
-              <a:rPr lang="en-US" sz="1600" dirty="0" err="1"/>
+              <a:rPr lang="en-US" sz="1600" i="1" dirty="0" err="1"/>
               <a:t>кафедры</a:t>
             </a:r>
             <a:r>
-              <a:rPr lang="en-US" sz="1600" dirty="0"/>
+              <a:rPr lang="en-US" sz="1600" i="1" dirty="0"/>
               <a:t> </a:t>
             </a:r>
             <a:r>
-              <a:rPr lang="en-US" sz="1600" dirty="0" err="1"/>
+              <a:rPr lang="en-US" sz="1600" i="1" dirty="0" err="1"/>
               <a:t>КИТвП</a:t>
             </a:r>
             <a:r>
-              <a:rPr lang="en-US" sz="1600" dirty="0"/>
+              <a:rPr lang="en-US" sz="1600" i="1" dirty="0"/>
               <a:t> </a:t>
             </a:r>
             <a:r>
-              <a:rPr lang="en-US" sz="1600" dirty="0" err="1"/>
+              <a:rPr lang="en-US" sz="1600" i="1" dirty="0" err="1"/>
               <a:t>Санкт-Петербургского</a:t>
             </a:r>
             <a:r>
-              <a:rPr lang="en-US" sz="1600" dirty="0"/>
+              <a:rPr lang="en-US" sz="1600" i="1" dirty="0"/>
               <a:t> </a:t>
             </a:r>
             <a:r>
-              <a:rPr lang="en-US" sz="1600" dirty="0" err="1"/>
+              <a:rPr lang="en-US" sz="1600" i="1" dirty="0" err="1"/>
               <a:t>государственного</a:t>
             </a:r>
             <a:r>
-              <a:rPr lang="en-US" sz="1600" dirty="0"/>
+              <a:rPr lang="en-US" sz="1600" i="1" dirty="0"/>
               <a:t> </a:t>
             </a:r>
             <a:r>
-              <a:rPr lang="en-US" sz="1600" dirty="0" err="1"/>
+              <a:rPr lang="en-US" sz="1600" i="1" dirty="0" err="1"/>
               <a:t>политехнического</a:t>
             </a:r>
             <a:r>
-              <a:rPr lang="en-US" sz="1600" dirty="0"/>
+              <a:rPr lang="en-US" sz="1600" i="1" dirty="0"/>
               <a:t> </a:t>
             </a:r>
             <a:r>
-              <a:rPr lang="en-US" sz="1600" dirty="0" err="1"/>
+              <a:rPr lang="en-US" sz="1600" i="1" dirty="0" err="1"/>
               <a:t>университета</a:t>
             </a:r>
             <a:r>
-              <a:rPr lang="en-US" sz="1600" dirty="0"/>
+              <a:rPr lang="en-US" sz="1600" i="1" dirty="0"/>
               <a:t>.</a:t>
             </a:r>
-            <a:endParaRPr lang="ru-RU" sz="1600" dirty="0"/>
+            <a:endParaRPr lang="ru-RU" sz="1600" i="1" dirty="0"/>
           </a:p>
         </p:txBody>
       </p:sp>
@@ -3300,8 +4445,8 @@
         </p:nvSpPr>
         <p:spPr>
           <a:xfrm>
-            <a:off x="0" y="4797152"/>
-            <a:ext cx="9144000" cy="646331"/>
+            <a:off x="1043608" y="4797152"/>
+            <a:ext cx="8100392" cy="646331"/>
           </a:xfrm>
           <a:prstGeom prst="rect">
             <a:avLst/>
@@ -3338,8 +4483,8 @@
         </p:nvSpPr>
         <p:spPr>
           <a:xfrm>
-            <a:off x="0" y="6237312"/>
-            <a:ext cx="9144000" cy="369332"/>
+            <a:off x="1043608" y="6237312"/>
+            <a:ext cx="8100392" cy="369332"/>
           </a:xfrm>
           <a:prstGeom prst="rect">
             <a:avLst/>
@@ -3366,6 +4511,223 @@
   <p:clrMapOvr>
     <a:masterClrMapping/>
   </p:clrMapOvr>
+  <p:timing>
+    <p:tnLst>
+      <p:par>
+        <p:cTn id="1" dur="indefinite" restart="never" nodeType="tmRoot"/>
+      </p:par>
+    </p:tnLst>
+  </p:timing>
+</p:sld>
+</file>
+
+<file path=ppt/slides/slide10.xml><?xml version="1.0" encoding="utf-8"?>
+<p:sld xmlns:a="http://schemas.openxmlformats.org/drawingml/2006/main" xmlns:r="http://schemas.openxmlformats.org/officeDocument/2006/relationships" xmlns:p="http://schemas.openxmlformats.org/presentationml/2006/main">
+  <p:cSld>
+    <p:spTree>
+      <p:nvGrpSpPr>
+        <p:cNvPr id="1" name=""/>
+        <p:cNvGrpSpPr/>
+        <p:nvPr/>
+      </p:nvGrpSpPr>
+      <p:grpSpPr>
+        <a:xfrm>
+          <a:off x="0" y="0"/>
+          <a:ext cx="0" cy="0"/>
+          <a:chOff x="0" y="0"/>
+          <a:chExt cx="0" cy="0"/>
+        </a:xfrm>
+      </p:grpSpPr>
+      <p:sp>
+        <p:nvSpPr>
+          <p:cNvPr id="2" name="Title 1"/>
+          <p:cNvSpPr>
+            <a:spLocks noGrp="1"/>
+          </p:cNvSpPr>
+          <p:nvPr>
+            <p:ph type="title"/>
+          </p:nvPr>
+        </p:nvSpPr>
+        <p:spPr>
+          <a:xfrm>
+            <a:off x="1331640" y="0"/>
+            <a:ext cx="7498080" cy="1143000"/>
+          </a:xfrm>
+        </p:spPr>
+        <p:txBody>
+          <a:bodyPr/>
+          <a:lstStyle/>
+          <a:p>
+            <a:r>
+              <a:rPr lang="ru-RU" dirty="0" smtClean="0"/>
+              <a:t>Результаты</a:t>
+            </a:r>
+            <a:endParaRPr lang="ru-RU" dirty="0"/>
+          </a:p>
+        </p:txBody>
+      </p:sp>
+      <p:sp>
+        <p:nvSpPr>
+          <p:cNvPr id="3" name="Content Placeholder 2"/>
+          <p:cNvSpPr>
+            <a:spLocks noGrp="1"/>
+          </p:cNvSpPr>
+          <p:nvPr>
+            <p:ph idx="1"/>
+          </p:nvPr>
+        </p:nvSpPr>
+        <p:spPr>
+          <a:xfrm>
+            <a:off x="1043608" y="1124744"/>
+            <a:ext cx="7890080" cy="5472608"/>
+          </a:xfrm>
+        </p:spPr>
+        <p:txBody>
+          <a:bodyPr>
+            <a:normAutofit fontScale="77500" lnSpcReduction="20000"/>
+          </a:bodyPr>
+          <a:lstStyle/>
+          <a:p>
+            <a:r>
+              <a:rPr lang="ru-RU" dirty="0" smtClean="0"/>
+              <a:t>Изучены вопросы, связанные с автоматизацией и расширением приложений</a:t>
+            </a:r>
+          </a:p>
+          <a:p>
+            <a:r>
+              <a:rPr lang="ru-RU" dirty="0" smtClean="0"/>
+              <a:t>Изучены существующие подходы в данной области</a:t>
+            </a:r>
+          </a:p>
+          <a:p>
+            <a:r>
+              <a:rPr lang="ru-RU" dirty="0" smtClean="0"/>
+              <a:t>Предпринята попытка интеграции одного из существующих решений</a:t>
+            </a:r>
+          </a:p>
+          <a:p>
+            <a:r>
+              <a:rPr lang="ru-RU" dirty="0" smtClean="0"/>
+              <a:t>Сделаны выводы о преимуществах и недостатках существующих решений и сформулированы требования к новой разрабатываемой платформе</a:t>
+            </a:r>
+          </a:p>
+          <a:p>
+            <a:r>
+              <a:rPr lang="ru-RU" dirty="0" smtClean="0"/>
+              <a:t>Разработана новая платформа</a:t>
+            </a:r>
+          </a:p>
+          <a:p>
+            <a:r>
+              <a:rPr lang="ru-RU" dirty="0" smtClean="0"/>
+              <a:t>Платформа интегрирована в существующие проекты</a:t>
+            </a:r>
+          </a:p>
+          <a:p>
+            <a:r>
+              <a:rPr lang="ru-RU" dirty="0" smtClean="0"/>
+              <a:t>Проведён анализ результатов интеграции и сравнение полученной платформы с существующими решениями</a:t>
+            </a:r>
+            <a:endParaRPr lang="ru-RU" dirty="0"/>
+          </a:p>
+        </p:txBody>
+      </p:sp>
+    </p:spTree>
+  </p:cSld>
+  <p:clrMapOvr>
+    <a:masterClrMapping/>
+  </p:clrMapOvr>
+  <p:timing>
+    <p:tnLst>
+      <p:par>
+        <p:cTn id="1" dur="indefinite" restart="never" nodeType="tmRoot"/>
+      </p:par>
+    </p:tnLst>
+  </p:timing>
+</p:sld>
+</file>
+
+<file path=ppt/slides/slide11.xml><?xml version="1.0" encoding="utf-8"?>
+<p:sld xmlns:a="http://schemas.openxmlformats.org/drawingml/2006/main" xmlns:r="http://schemas.openxmlformats.org/officeDocument/2006/relationships" xmlns:p="http://schemas.openxmlformats.org/presentationml/2006/main">
+  <p:cSld>
+    <p:spTree>
+      <p:nvGrpSpPr>
+        <p:cNvPr id="1" name=""/>
+        <p:cNvGrpSpPr/>
+        <p:nvPr/>
+      </p:nvGrpSpPr>
+      <p:grpSpPr>
+        <a:xfrm>
+          <a:off x="0" y="0"/>
+          <a:ext cx="0" cy="0"/>
+          <a:chOff x="0" y="0"/>
+          <a:chExt cx="0" cy="0"/>
+        </a:xfrm>
+      </p:grpSpPr>
+      <p:sp>
+        <p:nvSpPr>
+          <p:cNvPr id="2" name="Title 1"/>
+          <p:cNvSpPr>
+            <a:spLocks noGrp="1"/>
+          </p:cNvSpPr>
+          <p:nvPr>
+            <p:ph type="title"/>
+          </p:nvPr>
+        </p:nvSpPr>
+        <p:spPr/>
+        <p:txBody>
+          <a:bodyPr/>
+          <a:lstStyle/>
+          <a:p>
+            <a:r>
+              <a:rPr lang="ru-RU" dirty="0" smtClean="0"/>
+              <a:t>Спасибо за внимание!</a:t>
+            </a:r>
+            <a:endParaRPr lang="ru-RU" dirty="0"/>
+          </a:p>
+        </p:txBody>
+      </p:sp>
+      <p:sp>
+        <p:nvSpPr>
+          <p:cNvPr id="3" name="Content Placeholder 2"/>
+          <p:cNvSpPr>
+            <a:spLocks noGrp="1"/>
+          </p:cNvSpPr>
+          <p:nvPr>
+            <p:ph idx="1"/>
+          </p:nvPr>
+        </p:nvSpPr>
+        <p:spPr/>
+        <p:txBody>
+          <a:bodyPr/>
+          <a:lstStyle/>
+          <a:p>
+            <a:endParaRPr lang="ru-RU" dirty="0" smtClean="0"/>
+          </a:p>
+          <a:p>
+            <a:endParaRPr lang="ru-RU" dirty="0" smtClean="0"/>
+          </a:p>
+          <a:p>
+            <a:r>
+              <a:rPr lang="ru-RU" dirty="0" smtClean="0"/>
+              <a:t>Вопросы?</a:t>
+            </a:r>
+            <a:endParaRPr lang="ru-RU" dirty="0"/>
+          </a:p>
+        </p:txBody>
+      </p:sp>
+    </p:spTree>
+  </p:cSld>
+  <p:clrMapOvr>
+    <a:masterClrMapping/>
+  </p:clrMapOvr>
+  <p:timing>
+    <p:tnLst>
+      <p:par>
+        <p:cTn id="1" dur="indefinite" restart="never" nodeType="tmRoot"/>
+      </p:par>
+    </p:tnLst>
+  </p:timing>
 </p:sld>
 </file>
 
@@ -3388,31 +4750,6 @@
       </p:grpSpPr>
       <p:sp>
         <p:nvSpPr>
-          <p:cNvPr id="2" name="Title 1"/>
-          <p:cNvSpPr>
-            <a:spLocks noGrp="1"/>
-          </p:cNvSpPr>
-          <p:nvPr>
-            <p:ph type="title"/>
-          </p:nvPr>
-        </p:nvSpPr>
-        <p:spPr/>
-        <p:txBody>
-          <a:bodyPr>
-            <a:normAutofit/>
-          </a:bodyPr>
-          <a:lstStyle/>
-          <a:p>
-            <a:r>
-              <a:rPr lang="ru-RU" dirty="0" err="1" smtClean="0"/>
-              <a:t>Хуй</a:t>
-            </a:r>
-            <a:endParaRPr lang="ru-RU" dirty="0"/>
-          </a:p>
-        </p:txBody>
-      </p:sp>
-      <p:sp>
-        <p:nvSpPr>
           <p:cNvPr id="3" name="Content Placeholder 2"/>
           <p:cNvSpPr>
             <a:spLocks noGrp="1"/>
@@ -3421,34 +4758,40 @@
             <p:ph idx="1"/>
           </p:nvPr>
         </p:nvSpPr>
-        <p:spPr/>
+        <p:spPr>
+          <a:xfrm>
+            <a:off x="827584" y="1447800"/>
+            <a:ext cx="8106104" cy="4800600"/>
+          </a:xfrm>
+        </p:spPr>
         <p:txBody>
           <a:bodyPr/>
           <a:lstStyle/>
           <a:p>
             <a:r>
-              <a:rPr lang="ru-RU" smtClean="0"/>
-              <a:t>Пизда</a:t>
-            </a:r>
-          </a:p>
-          <a:p>
-            <a:r>
               <a:rPr lang="ru-RU" dirty="0" smtClean="0"/>
-              <a:t>Золотая </a:t>
-            </a:r>
-            <a:r>
-              <a:rPr lang="ru-RU" dirty="0" err="1"/>
-              <a:t>Д</a:t>
-            </a:r>
-            <a:r>
-              <a:rPr lang="ru-RU" dirty="0" err="1" smtClean="0"/>
-              <a:t>жигурда</a:t>
-            </a:r>
-            <a:r>
-              <a:rPr lang="ru-RU" dirty="0" smtClean="0"/>
-              <a:t>!!!</a:t>
+              <a:t>Интеграция возможностей автоматизации и расширения в программное обеспечение – одна из актуальных задач, возникающих при разработке крупных программных комплексов</a:t>
             </a:r>
             <a:endParaRPr lang="ru-RU" dirty="0"/>
+          </a:p>
+        </p:txBody>
+      </p:sp>
+      <p:sp>
+        <p:nvSpPr>
+          <p:cNvPr id="4" name="Title 3"/>
+          <p:cNvSpPr>
+            <a:spLocks noGrp="1"/>
+          </p:cNvSpPr>
+          <p:nvPr>
+            <p:ph type="title"/>
+          </p:nvPr>
+        </p:nvSpPr>
+        <p:spPr/>
+        <p:txBody>
+          <a:bodyPr/>
+          <a:lstStyle/>
+          <a:p>
+            <a:endParaRPr lang="ru-RU"/>
           </a:p>
         </p:txBody>
       </p:sp>
@@ -3457,13 +4800,773 @@
   <p:clrMapOvr>
     <a:masterClrMapping/>
   </p:clrMapOvr>
+  <p:timing>
+    <p:tnLst>
+      <p:par>
+        <p:cTn id="1" dur="indefinite" restart="never" nodeType="tmRoot"/>
+      </p:par>
+    </p:tnLst>
+  </p:timing>
+</p:sld>
+</file>
+
+<file path=ppt/slides/slide3.xml><?xml version="1.0" encoding="utf-8"?>
+<p:sld xmlns:a="http://schemas.openxmlformats.org/drawingml/2006/main" xmlns:r="http://schemas.openxmlformats.org/officeDocument/2006/relationships" xmlns:p="http://schemas.openxmlformats.org/presentationml/2006/main">
+  <p:cSld>
+    <p:spTree>
+      <p:nvGrpSpPr>
+        <p:cNvPr id="1" name=""/>
+        <p:cNvGrpSpPr/>
+        <p:nvPr/>
+      </p:nvGrpSpPr>
+      <p:grpSpPr>
+        <a:xfrm>
+          <a:off x="0" y="0"/>
+          <a:ext cx="0" cy="0"/>
+          <a:chOff x="0" y="0"/>
+          <a:chExt cx="0" cy="0"/>
+        </a:xfrm>
+      </p:grpSpPr>
+      <p:sp>
+        <p:nvSpPr>
+          <p:cNvPr id="2" name="Title 1"/>
+          <p:cNvSpPr>
+            <a:spLocks noGrp="1"/>
+          </p:cNvSpPr>
+          <p:nvPr>
+            <p:ph type="title"/>
+          </p:nvPr>
+        </p:nvSpPr>
+        <p:spPr/>
+        <p:txBody>
+          <a:bodyPr>
+            <a:normAutofit fontScale="90000"/>
+          </a:bodyPr>
+          <a:lstStyle/>
+          <a:p>
+            <a:r>
+              <a:rPr lang="ru-RU" dirty="0" smtClean="0"/>
+              <a:t>Различные варианты решения задачи</a:t>
+            </a:r>
+            <a:endParaRPr lang="ru-RU" dirty="0"/>
+          </a:p>
+        </p:txBody>
+      </p:sp>
+      <p:sp>
+        <p:nvSpPr>
+          <p:cNvPr id="3" name="Content Placeholder 2"/>
+          <p:cNvSpPr>
+            <a:spLocks noGrp="1"/>
+          </p:cNvSpPr>
+          <p:nvPr>
+            <p:ph idx="1"/>
+          </p:nvPr>
+        </p:nvSpPr>
+        <p:spPr>
+          <a:xfrm>
+            <a:off x="1435608" y="1844824"/>
+            <a:ext cx="7498080" cy="4403576"/>
+          </a:xfrm>
+        </p:spPr>
+        <p:txBody>
+          <a:bodyPr/>
+          <a:lstStyle/>
+          <a:p>
+            <a:r>
+              <a:rPr lang="ru-RU" dirty="0" smtClean="0"/>
+              <a:t>Автоматическое обновление</a:t>
+            </a:r>
+          </a:p>
+          <a:p>
+            <a:r>
+              <a:rPr lang="ru-RU" dirty="0" smtClean="0"/>
+              <a:t>Поддержка расширений от сторонних производителей</a:t>
+            </a:r>
+          </a:p>
+          <a:p>
+            <a:r>
+              <a:rPr lang="ru-RU" dirty="0" smtClean="0"/>
+              <a:t>Наличие </a:t>
+            </a:r>
+            <a:r>
+              <a:rPr lang="en-US" dirty="0" smtClean="0"/>
+              <a:t>SDK</a:t>
+            </a:r>
+            <a:r>
+              <a:rPr lang="ru-RU" dirty="0" smtClean="0"/>
+              <a:t> для разработки </a:t>
+            </a:r>
+            <a:r>
+              <a:rPr lang="ru-RU" dirty="0" err="1" smtClean="0"/>
+              <a:t>плагинов</a:t>
+            </a:r>
+            <a:endParaRPr lang="ru-RU" dirty="0" smtClean="0"/>
+          </a:p>
+          <a:p>
+            <a:r>
+              <a:rPr lang="ru-RU" dirty="0" smtClean="0"/>
+              <a:t>Поддержка </a:t>
+            </a:r>
+            <a:r>
+              <a:rPr lang="ru-RU" dirty="0" err="1" smtClean="0"/>
+              <a:t>скриптов</a:t>
+            </a:r>
+            <a:r>
+              <a:rPr lang="ru-RU" dirty="0" smtClean="0"/>
+              <a:t> или макросов</a:t>
+            </a:r>
+          </a:p>
+          <a:p>
+            <a:endParaRPr lang="ru-RU" dirty="0" smtClean="0"/>
+          </a:p>
+          <a:p>
+            <a:r>
+              <a:rPr lang="ru-RU" dirty="0" smtClean="0"/>
+              <a:t>Универсальный подход?</a:t>
+            </a:r>
+            <a:endParaRPr lang="ru-RU" dirty="0"/>
+          </a:p>
+        </p:txBody>
+      </p:sp>
+    </p:spTree>
+  </p:cSld>
+  <p:clrMapOvr>
+    <a:masterClrMapping/>
+  </p:clrMapOvr>
+  <p:timing>
+    <p:tnLst>
+      <p:par>
+        <p:cTn id="1" dur="indefinite" restart="never" nodeType="tmRoot"/>
+      </p:par>
+    </p:tnLst>
+  </p:timing>
+</p:sld>
+</file>
+
+<file path=ppt/slides/slide4.xml><?xml version="1.0" encoding="utf-8"?>
+<p:sld xmlns:a="http://schemas.openxmlformats.org/drawingml/2006/main" xmlns:r="http://schemas.openxmlformats.org/officeDocument/2006/relationships" xmlns:p="http://schemas.openxmlformats.org/presentationml/2006/main">
+  <p:cSld>
+    <p:spTree>
+      <p:nvGrpSpPr>
+        <p:cNvPr id="1" name=""/>
+        <p:cNvGrpSpPr/>
+        <p:nvPr/>
+      </p:nvGrpSpPr>
+      <p:grpSpPr>
+        <a:xfrm>
+          <a:off x="0" y="0"/>
+          <a:ext cx="0" cy="0"/>
+          <a:chOff x="0" y="0"/>
+          <a:chExt cx="0" cy="0"/>
+        </a:xfrm>
+      </p:grpSpPr>
+      <p:sp>
+        <p:nvSpPr>
+          <p:cNvPr id="2" name="Title 1"/>
+          <p:cNvSpPr>
+            <a:spLocks noGrp="1"/>
+          </p:cNvSpPr>
+          <p:nvPr>
+            <p:ph type="title"/>
+          </p:nvPr>
+        </p:nvSpPr>
+        <p:spPr/>
+        <p:txBody>
+          <a:bodyPr/>
+          <a:lstStyle/>
+          <a:p>
+            <a:r>
+              <a:rPr lang="ru-RU" dirty="0" smtClean="0"/>
+              <a:t>Существующие решения</a:t>
+            </a:r>
+            <a:endParaRPr lang="ru-RU" dirty="0"/>
+          </a:p>
+        </p:txBody>
+      </p:sp>
+      <p:sp>
+        <p:nvSpPr>
+          <p:cNvPr id="3" name="Content Placeholder 2"/>
+          <p:cNvSpPr>
+            <a:spLocks noGrp="1"/>
+          </p:cNvSpPr>
+          <p:nvPr>
+            <p:ph idx="1"/>
+          </p:nvPr>
+        </p:nvSpPr>
+        <p:spPr/>
+        <p:txBody>
+          <a:bodyPr/>
+          <a:lstStyle/>
+          <a:p>
+            <a:r>
+              <a:rPr lang="en-US" dirty="0" smtClean="0"/>
+              <a:t>Visual Basic for Applications</a:t>
+            </a:r>
+          </a:p>
+          <a:p>
+            <a:r>
+              <a:rPr lang="en-US" dirty="0" smtClean="0"/>
+              <a:t>Visual Studio Tools for Applications</a:t>
+            </a:r>
+          </a:p>
+          <a:p>
+            <a:r>
+              <a:rPr lang="en-US" dirty="0" smtClean="0"/>
+              <a:t>Visual Studio Tools for Office</a:t>
+            </a:r>
+          </a:p>
+          <a:p>
+            <a:r>
+              <a:rPr lang="en-US" dirty="0" err="1" smtClean="0"/>
+              <a:t>IronPython</a:t>
+            </a:r>
+            <a:endParaRPr lang="en-US" dirty="0" smtClean="0"/>
+          </a:p>
+          <a:p>
+            <a:r>
+              <a:rPr lang="en-US" dirty="0" smtClean="0"/>
+              <a:t>Managed Extensibility Framework</a:t>
+            </a:r>
+          </a:p>
+          <a:p>
+            <a:r>
+              <a:rPr lang="en-US" dirty="0" smtClean="0"/>
+              <a:t>AL Platform</a:t>
+            </a:r>
+          </a:p>
+          <a:p>
+            <a:r>
+              <a:rPr lang="en-US" dirty="0" err="1" smtClean="0"/>
+              <a:t>Plux</a:t>
+            </a:r>
+            <a:r>
+              <a:rPr lang="en-US" dirty="0" smtClean="0"/>
+              <a:t> .NET</a:t>
+            </a:r>
+          </a:p>
+          <a:p>
+            <a:r>
+              <a:rPr lang="en-US" dirty="0" err="1" smtClean="0"/>
+              <a:t>System.AddIn</a:t>
+            </a:r>
+            <a:endParaRPr lang="en-US" dirty="0" smtClean="0"/>
+          </a:p>
+          <a:p>
+            <a:endParaRPr lang="ru-RU" dirty="0"/>
+          </a:p>
+        </p:txBody>
+      </p:sp>
+    </p:spTree>
+  </p:cSld>
+  <p:clrMapOvr>
+    <a:masterClrMapping/>
+  </p:clrMapOvr>
+  <p:timing>
+    <p:tnLst>
+      <p:par>
+        <p:cTn id="1" dur="indefinite" restart="never" nodeType="tmRoot"/>
+      </p:par>
+    </p:tnLst>
+  </p:timing>
+</p:sld>
+</file>
+
+<file path=ppt/slides/slide5.xml><?xml version="1.0" encoding="utf-8"?>
+<p:sld xmlns:a="http://schemas.openxmlformats.org/drawingml/2006/main" xmlns:r="http://schemas.openxmlformats.org/officeDocument/2006/relationships" xmlns:p="http://schemas.openxmlformats.org/presentationml/2006/main">
+  <p:cSld>
+    <p:spTree>
+      <p:nvGrpSpPr>
+        <p:cNvPr id="1" name=""/>
+        <p:cNvGrpSpPr/>
+        <p:nvPr/>
+      </p:nvGrpSpPr>
+      <p:grpSpPr>
+        <a:xfrm>
+          <a:off x="0" y="0"/>
+          <a:ext cx="0" cy="0"/>
+          <a:chOff x="0" y="0"/>
+          <a:chExt cx="0" cy="0"/>
+        </a:xfrm>
+      </p:grpSpPr>
+      <p:sp>
+        <p:nvSpPr>
+          <p:cNvPr id="2" name="Title 1"/>
+          <p:cNvSpPr>
+            <a:spLocks noGrp="1"/>
+          </p:cNvSpPr>
+          <p:nvPr>
+            <p:ph type="title"/>
+          </p:nvPr>
+        </p:nvSpPr>
+        <p:spPr/>
+        <p:txBody>
+          <a:bodyPr>
+            <a:normAutofit fontScale="90000"/>
+          </a:bodyPr>
+          <a:lstStyle/>
+          <a:p>
+            <a:r>
+              <a:rPr lang="ru-RU" dirty="0" smtClean="0"/>
+              <a:t>Недостатки существующих решений</a:t>
+            </a:r>
+            <a:endParaRPr lang="ru-RU" dirty="0"/>
+          </a:p>
+        </p:txBody>
+      </p:sp>
+      <p:sp>
+        <p:nvSpPr>
+          <p:cNvPr id="3" name="Content Placeholder 2"/>
+          <p:cNvSpPr>
+            <a:spLocks noGrp="1"/>
+          </p:cNvSpPr>
+          <p:nvPr>
+            <p:ph idx="1"/>
+          </p:nvPr>
+        </p:nvSpPr>
+        <p:spPr>
+          <a:xfrm>
+            <a:off x="1435608" y="1772816"/>
+            <a:ext cx="7498080" cy="4475584"/>
+          </a:xfrm>
+        </p:spPr>
+        <p:txBody>
+          <a:bodyPr/>
+          <a:lstStyle/>
+          <a:p>
+            <a:r>
+              <a:rPr lang="ru-RU" dirty="0" smtClean="0"/>
+              <a:t>Решают частные случаи задачи</a:t>
+            </a:r>
+          </a:p>
+          <a:p>
+            <a:r>
+              <a:rPr lang="ru-RU" dirty="0" smtClean="0"/>
+              <a:t>Сложны в интеграции</a:t>
+            </a:r>
+          </a:p>
+          <a:p>
+            <a:r>
+              <a:rPr lang="ru-RU" dirty="0" smtClean="0"/>
+              <a:t>Имеют неоправданно большой размер и нагромождение невостребованных возможностей</a:t>
+            </a:r>
+          </a:p>
+          <a:p>
+            <a:r>
+              <a:rPr lang="ru-RU" dirty="0" smtClean="0"/>
+              <a:t>Сводятся к практически полностью ручной реализации требуемых функций</a:t>
+            </a:r>
+          </a:p>
+          <a:p>
+            <a:endParaRPr lang="ru-RU" dirty="0"/>
+          </a:p>
+        </p:txBody>
+      </p:sp>
+    </p:spTree>
+  </p:cSld>
+  <p:clrMapOvr>
+    <a:masterClrMapping/>
+  </p:clrMapOvr>
+  <p:timing>
+    <p:tnLst>
+      <p:par>
+        <p:cTn id="1" dur="indefinite" restart="never" nodeType="tmRoot"/>
+      </p:par>
+    </p:tnLst>
+  </p:timing>
+</p:sld>
+</file>
+
+<file path=ppt/slides/slide6.xml><?xml version="1.0" encoding="utf-8"?>
+<p:sld xmlns:a="http://schemas.openxmlformats.org/drawingml/2006/main" xmlns:r="http://schemas.openxmlformats.org/officeDocument/2006/relationships" xmlns:p="http://schemas.openxmlformats.org/presentationml/2006/main">
+  <p:cSld>
+    <p:spTree>
+      <p:nvGrpSpPr>
+        <p:cNvPr id="1" name=""/>
+        <p:cNvGrpSpPr/>
+        <p:nvPr/>
+      </p:nvGrpSpPr>
+      <p:grpSpPr>
+        <a:xfrm>
+          <a:off x="0" y="0"/>
+          <a:ext cx="0" cy="0"/>
+          <a:chOff x="0" y="0"/>
+          <a:chExt cx="0" cy="0"/>
+        </a:xfrm>
+      </p:grpSpPr>
+      <p:sp>
+        <p:nvSpPr>
+          <p:cNvPr id="2" name="Title 1"/>
+          <p:cNvSpPr>
+            <a:spLocks noGrp="1"/>
+          </p:cNvSpPr>
+          <p:nvPr>
+            <p:ph type="title"/>
+          </p:nvPr>
+        </p:nvSpPr>
+        <p:spPr/>
+        <p:txBody>
+          <a:bodyPr/>
+          <a:lstStyle/>
+          <a:p>
+            <a:r>
+              <a:rPr lang="ru-RU" dirty="0" smtClean="0"/>
+              <a:t>Цель</a:t>
+            </a:r>
+            <a:endParaRPr lang="ru-RU" dirty="0"/>
+          </a:p>
+        </p:txBody>
+      </p:sp>
+      <p:sp>
+        <p:nvSpPr>
+          <p:cNvPr id="3" name="Content Placeholder 2"/>
+          <p:cNvSpPr>
+            <a:spLocks noGrp="1"/>
+          </p:cNvSpPr>
+          <p:nvPr>
+            <p:ph idx="1"/>
+          </p:nvPr>
+        </p:nvSpPr>
+        <p:spPr/>
+        <p:txBody>
+          <a:bodyPr>
+            <a:normAutofit fontScale="92500" lnSpcReduction="10000"/>
+          </a:bodyPr>
+          <a:lstStyle/>
+          <a:p>
+            <a:r>
+              <a:rPr lang="ru-RU" dirty="0" smtClean="0"/>
+              <a:t>Разработать новую платформу с учётом достоинств и недостатков существующих решений, требований, сформулированных на реальном проекте и опыта интеграции существующих решений в реальный проект</a:t>
+            </a:r>
+          </a:p>
+          <a:p>
+            <a:r>
+              <a:rPr lang="ru-RU" dirty="0" smtClean="0"/>
+              <a:t>Интегрировать платформу в ряд проектов</a:t>
+            </a:r>
+          </a:p>
+          <a:p>
+            <a:r>
+              <a:rPr lang="ru-RU" dirty="0" smtClean="0"/>
+              <a:t>Сравнить реализованную платформу с существующими решениями</a:t>
+            </a:r>
+            <a:endParaRPr lang="ru-RU" dirty="0"/>
+          </a:p>
+        </p:txBody>
+      </p:sp>
+    </p:spTree>
+  </p:cSld>
+  <p:clrMapOvr>
+    <a:masterClrMapping/>
+  </p:clrMapOvr>
+  <p:timing>
+    <p:tnLst>
+      <p:par>
+        <p:cTn id="1" dur="indefinite" restart="never" nodeType="tmRoot"/>
+      </p:par>
+    </p:tnLst>
+  </p:timing>
+</p:sld>
+</file>
+
+<file path=ppt/slides/slide7.xml><?xml version="1.0" encoding="utf-8"?>
+<p:sld xmlns:a="http://schemas.openxmlformats.org/drawingml/2006/main" xmlns:r="http://schemas.openxmlformats.org/officeDocument/2006/relationships" xmlns:p="http://schemas.openxmlformats.org/presentationml/2006/main">
+  <p:cSld>
+    <p:spTree>
+      <p:nvGrpSpPr>
+        <p:cNvPr id="1" name=""/>
+        <p:cNvGrpSpPr/>
+        <p:nvPr/>
+      </p:nvGrpSpPr>
+      <p:grpSpPr>
+        <a:xfrm>
+          <a:off x="0" y="0"/>
+          <a:ext cx="0" cy="0"/>
+          <a:chOff x="0" y="0"/>
+          <a:chExt cx="0" cy="0"/>
+        </a:xfrm>
+      </p:grpSpPr>
+      <p:sp>
+        <p:nvSpPr>
+          <p:cNvPr id="2" name="Title 1"/>
+          <p:cNvSpPr>
+            <a:spLocks noGrp="1"/>
+          </p:cNvSpPr>
+          <p:nvPr>
+            <p:ph type="title"/>
+          </p:nvPr>
+        </p:nvSpPr>
+        <p:spPr/>
+        <p:txBody>
+          <a:bodyPr/>
+          <a:lstStyle/>
+          <a:p>
+            <a:r>
+              <a:rPr lang="ru-RU" dirty="0" smtClean="0"/>
+              <a:t>Требования к платформе</a:t>
+            </a:r>
+            <a:endParaRPr lang="ru-RU" dirty="0"/>
+          </a:p>
+        </p:txBody>
+      </p:sp>
+      <p:sp>
+        <p:nvSpPr>
+          <p:cNvPr id="3" name="Content Placeholder 2"/>
+          <p:cNvSpPr>
+            <a:spLocks noGrp="1"/>
+          </p:cNvSpPr>
+          <p:nvPr>
+            <p:ph idx="1"/>
+          </p:nvPr>
+        </p:nvSpPr>
+        <p:spPr/>
+        <p:txBody>
+          <a:bodyPr>
+            <a:normAutofit lnSpcReduction="10000"/>
+          </a:bodyPr>
+          <a:lstStyle/>
+          <a:p>
+            <a:r>
+              <a:rPr lang="ru-RU" dirty="0" smtClean="0"/>
+              <a:t>Автоматизация и расширение как единое понятие</a:t>
+            </a:r>
+          </a:p>
+          <a:p>
+            <a:r>
+              <a:rPr lang="ru-RU" dirty="0" smtClean="0"/>
+              <a:t>Простота интеграции</a:t>
+            </a:r>
+          </a:p>
+          <a:p>
+            <a:r>
+              <a:rPr lang="ru-RU" dirty="0" smtClean="0"/>
+              <a:t>Полуавтоматическая интеграция</a:t>
+            </a:r>
+          </a:p>
+          <a:p>
+            <a:r>
+              <a:rPr lang="ru-RU" dirty="0" smtClean="0"/>
+              <a:t>Возможность отладки расширений</a:t>
+            </a:r>
+          </a:p>
+          <a:p>
+            <a:r>
+              <a:rPr lang="ru-RU" dirty="0" smtClean="0"/>
+              <a:t>Инструменты для взаимодействия с основным приложением</a:t>
+            </a:r>
+          </a:p>
+          <a:p>
+            <a:r>
+              <a:rPr lang="ru-RU" dirty="0" smtClean="0"/>
+              <a:t>Возможность повторного использования существующего кода</a:t>
+            </a:r>
+            <a:endParaRPr lang="ru-RU" dirty="0"/>
+          </a:p>
+        </p:txBody>
+      </p:sp>
+    </p:spTree>
+  </p:cSld>
+  <p:clrMapOvr>
+    <a:masterClrMapping/>
+  </p:clrMapOvr>
+  <p:timing>
+    <p:tnLst>
+      <p:par>
+        <p:cTn id="1" dur="indefinite" restart="never" nodeType="tmRoot"/>
+      </p:par>
+    </p:tnLst>
+  </p:timing>
+</p:sld>
+</file>
+
+<file path=ppt/slides/slide8.xml><?xml version="1.0" encoding="utf-8"?>
+<p:sld xmlns:a="http://schemas.openxmlformats.org/drawingml/2006/main" xmlns:r="http://schemas.openxmlformats.org/officeDocument/2006/relationships" xmlns:p="http://schemas.openxmlformats.org/presentationml/2006/main">
+  <p:cSld>
+    <p:spTree>
+      <p:nvGrpSpPr>
+        <p:cNvPr id="1" name=""/>
+        <p:cNvGrpSpPr/>
+        <p:nvPr/>
+      </p:nvGrpSpPr>
+      <p:grpSpPr>
+        <a:xfrm>
+          <a:off x="0" y="0"/>
+          <a:ext cx="0" cy="0"/>
+          <a:chOff x="0" y="0"/>
+          <a:chExt cx="0" cy="0"/>
+        </a:xfrm>
+      </p:grpSpPr>
+      <p:sp>
+        <p:nvSpPr>
+          <p:cNvPr id="2" name="Title 1"/>
+          <p:cNvSpPr>
+            <a:spLocks noGrp="1"/>
+          </p:cNvSpPr>
+          <p:nvPr>
+            <p:ph type="title"/>
+          </p:nvPr>
+        </p:nvSpPr>
+        <p:spPr/>
+        <p:txBody>
+          <a:bodyPr/>
+          <a:lstStyle/>
+          <a:p>
+            <a:r>
+              <a:rPr lang="ru-RU" dirty="0" smtClean="0"/>
+              <a:t>Архитектура платформы</a:t>
+            </a:r>
+            <a:endParaRPr lang="ru-RU" dirty="0"/>
+          </a:p>
+        </p:txBody>
+      </p:sp>
+      <p:pic>
+        <p:nvPicPr>
+          <p:cNvPr id="1026" name="Picture 2" descr="D:\home\learning\master\repository\itmo\thesis\pics\fw_arch1.jpg"/>
+          <p:cNvPicPr>
+            <a:picLocks noGrp="1" noChangeAspect="1" noChangeArrowheads="1"/>
+          </p:cNvPicPr>
+          <p:nvPr>
+            <p:ph idx="1"/>
+          </p:nvPr>
+        </p:nvPicPr>
+        <p:blipFill>
+          <a:blip r:embed="rId2" cstate="print"/>
+          <a:srcRect/>
+          <a:stretch>
+            <a:fillRect/>
+          </a:stretch>
+        </p:blipFill>
+        <p:spPr bwMode="auto">
+          <a:xfrm>
+            <a:off x="1115616" y="1700808"/>
+            <a:ext cx="8028384" cy="3839397"/>
+          </a:xfrm>
+          <a:prstGeom prst="rect">
+            <a:avLst/>
+          </a:prstGeom>
+          <a:noFill/>
+        </p:spPr>
+      </p:pic>
+    </p:spTree>
+  </p:cSld>
+  <p:clrMapOvr>
+    <a:masterClrMapping/>
+  </p:clrMapOvr>
+  <p:timing>
+    <p:tnLst>
+      <p:par>
+        <p:cTn id="1" dur="indefinite" restart="never" nodeType="tmRoot"/>
+      </p:par>
+    </p:tnLst>
+  </p:timing>
+</p:sld>
+</file>
+
+<file path=ppt/slides/slide9.xml><?xml version="1.0" encoding="utf-8"?>
+<p:sld xmlns:a="http://schemas.openxmlformats.org/drawingml/2006/main" xmlns:r="http://schemas.openxmlformats.org/officeDocument/2006/relationships" xmlns:p="http://schemas.openxmlformats.org/presentationml/2006/main">
+  <p:cSld>
+    <p:spTree>
+      <p:nvGrpSpPr>
+        <p:cNvPr id="1" name=""/>
+        <p:cNvGrpSpPr/>
+        <p:nvPr/>
+      </p:nvGrpSpPr>
+      <p:grpSpPr>
+        <a:xfrm>
+          <a:off x="0" y="0"/>
+          <a:ext cx="0" cy="0"/>
+          <a:chOff x="0" y="0"/>
+          <a:chExt cx="0" cy="0"/>
+        </a:xfrm>
+      </p:grpSpPr>
+      <p:sp>
+        <p:nvSpPr>
+          <p:cNvPr id="2" name="Title 1"/>
+          <p:cNvSpPr>
+            <a:spLocks noGrp="1"/>
+          </p:cNvSpPr>
+          <p:nvPr>
+            <p:ph type="title"/>
+          </p:nvPr>
+        </p:nvSpPr>
+        <p:spPr/>
+        <p:txBody>
+          <a:bodyPr>
+            <a:normAutofit fontScale="90000"/>
+          </a:bodyPr>
+          <a:lstStyle/>
+          <a:p>
+            <a:r>
+              <a:rPr lang="ru-RU" dirty="0" smtClean="0"/>
+              <a:t>Дополнительные возможности</a:t>
+            </a:r>
+            <a:endParaRPr lang="ru-RU" dirty="0"/>
+          </a:p>
+        </p:txBody>
+      </p:sp>
+      <p:sp>
+        <p:nvSpPr>
+          <p:cNvPr id="3" name="Content Placeholder 2"/>
+          <p:cNvSpPr>
+            <a:spLocks noGrp="1"/>
+          </p:cNvSpPr>
+          <p:nvPr>
+            <p:ph idx="1"/>
+          </p:nvPr>
+        </p:nvSpPr>
+        <p:spPr/>
+        <p:txBody>
+          <a:bodyPr/>
+          <a:lstStyle/>
+          <a:p>
+            <a:r>
+              <a:rPr lang="ru-RU" dirty="0" smtClean="0"/>
+              <a:t>Управление расширениями</a:t>
+            </a:r>
+          </a:p>
+          <a:p>
+            <a:r>
+              <a:rPr lang="en-US" dirty="0" smtClean="0"/>
+              <a:t>IntelliSense</a:t>
+            </a:r>
+            <a:r>
+              <a:rPr lang="ru-RU" dirty="0" smtClean="0"/>
+              <a:t> с учётом специфики основного приложения</a:t>
+            </a:r>
+            <a:endParaRPr lang="ru-RU" dirty="0" smtClean="0"/>
+          </a:p>
+          <a:p>
+            <a:r>
+              <a:rPr lang="ru-RU" dirty="0" smtClean="0"/>
+              <a:t>Инструменты для полуавтоматической интеграции</a:t>
+            </a:r>
+          </a:p>
+          <a:p>
+            <a:r>
+              <a:rPr lang="ru-RU" dirty="0" smtClean="0"/>
+              <a:t>Полноценная среда разработки</a:t>
+            </a:r>
+          </a:p>
+        </p:txBody>
+      </p:sp>
+    </p:spTree>
+  </p:cSld>
+  <p:clrMapOvr>
+    <a:masterClrMapping/>
+  </p:clrMapOvr>
+  <p:timing>
+    <p:tnLst>
+      <p:par>
+        <p:cTn id="1" dur="indefinite" restart="never" nodeType="tmRoot"/>
+      </p:par>
+    </p:tnLst>
+  </p:timing>
 </p:sld>
 </file>
 
 <file path=ppt/theme/theme1.xml><?xml version="1.0" encoding="utf-8"?>
-<a:theme xmlns:a="http://schemas.openxmlformats.org/drawingml/2006/main" name="Office Theme">
+<a:theme xmlns:a="http://schemas.openxmlformats.org/drawingml/2006/main" name="Solstice">
   <a:themeElements>
-    <a:clrScheme name="Office">
+    <a:clrScheme name="Solstice">
       <a:dk1>
         <a:sysClr val="windowText" lastClr="000000"/>
       </a:dk1>
@@ -3471,80 +5574,48 @@
         <a:sysClr val="window" lastClr="FFFFFF"/>
       </a:lt1>
       <a:dk2>
-        <a:srgbClr val="1F497D"/>
+        <a:srgbClr val="4F271C"/>
       </a:dk2>
       <a:lt2>
-        <a:srgbClr val="EEECE1"/>
+        <a:srgbClr val="E7DEC9"/>
       </a:lt2>
       <a:accent1>
-        <a:srgbClr val="4F81BD"/>
+        <a:srgbClr val="3891A7"/>
       </a:accent1>
       <a:accent2>
-        <a:srgbClr val="C0504D"/>
+        <a:srgbClr val="FEB80A"/>
       </a:accent2>
       <a:accent3>
-        <a:srgbClr val="9BBB59"/>
+        <a:srgbClr val="C32D2E"/>
       </a:accent3>
       <a:accent4>
-        <a:srgbClr val="8064A2"/>
+        <a:srgbClr val="84AA33"/>
       </a:accent4>
       <a:accent5>
-        <a:srgbClr val="4BACC6"/>
+        <a:srgbClr val="964305"/>
       </a:accent5>
       <a:accent6>
-        <a:srgbClr val="F79646"/>
+        <a:srgbClr val="475A8D"/>
       </a:accent6>
       <a:hlink>
-        <a:srgbClr val="0000FF"/>
+        <a:srgbClr val="8DC765"/>
       </a:hlink>
       <a:folHlink>
-        <a:srgbClr val="800080"/>
+        <a:srgbClr val="AA8A14"/>
       </a:folHlink>
     </a:clrScheme>
-    <a:fontScheme name="Office">
+    <a:fontScheme name="Solstice">
       <a:majorFont>
-        <a:latin typeface="Calibri"/>
+        <a:latin typeface="Gill Sans MT"/>
         <a:ea typeface=""/>
         <a:cs typeface=""/>
-        <a:font script="Jpan" typeface="ＭＳ Ｐゴシック"/>
-        <a:font script="Hang" typeface="맑은 고딕"/>
-        <a:font script="Hans" typeface="宋体"/>
-        <a:font script="Hant" typeface="新細明體"/>
-        <a:font script="Arab" typeface="Times New Roman"/>
-        <a:font script="Hebr" typeface="Times New Roman"/>
-        <a:font script="Thai" typeface="Angsana New"/>
-        <a:font script="Ethi" typeface="Nyala"/>
-        <a:font script="Beng" typeface="Vrinda"/>
-        <a:font script="Gujr" typeface="Shruti"/>
-        <a:font script="Khmr" typeface="MoolBoran"/>
-        <a:font script="Knda" typeface="Tunga"/>
-        <a:font script="Guru" typeface="Raavi"/>
-        <a:font script="Cans" typeface="Euphemia"/>
-        <a:font script="Cher" typeface="Plantagenet Cherokee"/>
-        <a:font script="Yiii" typeface="Microsoft Yi Baiti"/>
-        <a:font script="Tibt" typeface="Microsoft Himalaya"/>
-        <a:font script="Thaa" typeface="MV Boli"/>
-        <a:font script="Deva" typeface="Mangal"/>
-        <a:font script="Telu" typeface="Gautami"/>
-        <a:font script="Taml" typeface="Latha"/>
-        <a:font script="Syrc" typeface="Estrangelo Edessa"/>
-        <a:font script="Orya" typeface="Kalinga"/>
-        <a:font script="Mlym" typeface="Kartika"/>
-        <a:font script="Laoo" typeface="DokChampa"/>
-        <a:font script="Sinh" typeface="Iskoola Pota"/>
-        <a:font script="Mong" typeface="Mongolian Baiti"/>
-        <a:font script="Viet" typeface="Times New Roman"/>
-        <a:font script="Uigh" typeface="Microsoft Uighur"/>
-      </a:majorFont>
-      <a:minorFont>
-        <a:latin typeface="Calibri"/>
-        <a:ea typeface=""/>
-        <a:cs typeface=""/>
-        <a:font script="Jpan" typeface="ＭＳ Ｐゴシック"/>
-        <a:font script="Hang" typeface="맑은 고딕"/>
-        <a:font script="Hans" typeface="宋体"/>
-        <a:font script="Hant" typeface="新細明體"/>
-        <a:font script="Arab" typeface="Arial"/>
+        <a:font script="Grek" typeface="Corbel"/>
+        <a:font script="Cyrl" typeface="Corbel"/>
+        <a:font script="Jpan" typeface="HGｺﾞｼｯｸE"/>
+        <a:font script="Hang" typeface="휴먼매직체"/>
+        <a:font script="Hans" typeface="华文中宋"/>
+        <a:font script="Hant" typeface="微軟正黑體"/>
+        <a:font script="Arab" typeface="Majalla UI"/>
         <a:font script="Hebr" typeface="Arial"/>
         <a:font script="Thai" typeface="Cordia New"/>
         <a:font script="Ethi" typeface="Nyala"/>
@@ -3567,11 +5638,47 @@
         <a:font script="Laoo" typeface="DokChampa"/>
         <a:font script="Sinh" typeface="Iskoola Pota"/>
         <a:font script="Mong" typeface="Mongolian Baiti"/>
-        <a:font script="Viet" typeface="Arial"/>
+        <a:font script="Viet" typeface="Tahoma"/>
+        <a:font script="Uigh" typeface="Microsoft Uighur"/>
+      </a:majorFont>
+      <a:minorFont>
+        <a:latin typeface="Gill Sans MT"/>
+        <a:ea typeface=""/>
+        <a:cs typeface=""/>
+        <a:font script="Grek" typeface="Corbel"/>
+        <a:font script="Cyrl" typeface="Corbel"/>
+        <a:font script="Jpan" typeface="HGｺﾞｼｯｸE"/>
+        <a:font script="Hang" typeface="HY엽서L"/>
+        <a:font script="Hans" typeface="华文中宋"/>
+        <a:font script="Hant" typeface="微軟正黑體"/>
+        <a:font script="Arab" typeface="Majalla UI"/>
+        <a:font script="Hebr" typeface="Arial"/>
+        <a:font script="Thai" typeface="Cordia New"/>
+        <a:font script="Ethi" typeface="Nyala"/>
+        <a:font script="Beng" typeface="Vrinda"/>
+        <a:font script="Gujr" typeface="Shruti"/>
+        <a:font script="Khmr" typeface="DaunPenh"/>
+        <a:font script="Knda" typeface="Tunga"/>
+        <a:font script="Guru" typeface="Raavi"/>
+        <a:font script="Cans" typeface="Euphemia"/>
+        <a:font script="Cher" typeface="Plantagenet Cherokee"/>
+        <a:font script="Yiii" typeface="Microsoft Yi Baiti"/>
+        <a:font script="Tibt" typeface="Microsoft Himalaya"/>
+        <a:font script="Thaa" typeface="MV Boli"/>
+        <a:font script="Deva" typeface="Mangal"/>
+        <a:font script="Telu" typeface="Gautami"/>
+        <a:font script="Taml" typeface="Latha"/>
+        <a:font script="Syrc" typeface="Estrangelo Edessa"/>
+        <a:font script="Orya" typeface="Kalinga"/>
+        <a:font script="Mlym" typeface="Kartika"/>
+        <a:font script="Laoo" typeface="DokChampa"/>
+        <a:font script="Sinh" typeface="Iskoola Pota"/>
+        <a:font script="Mong" typeface="Mongolian Baiti"/>
+        <a:font script="Viet" typeface="Tahoma"/>
         <a:font script="Uigh" typeface="Microsoft Uighur"/>
       </a:minorFont>
     </a:fontScheme>
-    <a:fmtScheme name="Office">
+    <a:fmtScheme name="Solstice">
       <a:fillStyleLst>
         <a:solidFill>
           <a:schemeClr val="phClr"/>
@@ -3580,56 +5687,78 @@
           <a:gsLst>
             <a:gs pos="0">
               <a:schemeClr val="phClr">
-                <a:tint val="50000"/>
-                <a:satMod val="300000"/>
+                <a:tint val="35000"/>
+                <a:satMod val="253000"/>
               </a:schemeClr>
             </a:gs>
-            <a:gs pos="35000">
+            <a:gs pos="50000">
               <a:schemeClr val="phClr">
-                <a:tint val="37000"/>
-                <a:satMod val="300000"/>
+                <a:tint val="42000"/>
+                <a:satMod val="255000"/>
+              </a:schemeClr>
+            </a:gs>
+            <a:gs pos="97000">
+              <a:schemeClr val="phClr">
+                <a:tint val="53000"/>
+                <a:satMod val="260000"/>
               </a:schemeClr>
             </a:gs>
             <a:gs pos="100000">
               <a:schemeClr val="phClr">
-                <a:tint val="15000"/>
-                <a:satMod val="350000"/>
+                <a:tint val="56000"/>
+                <a:satMod val="275000"/>
               </a:schemeClr>
             </a:gs>
           </a:gsLst>
-          <a:lin ang="16200000" scaled="1"/>
+          <a:path path="circle">
+            <a:fillToRect l="50000" t="50000" r="50000" b="50000"/>
+          </a:path>
         </a:gradFill>
         <a:gradFill rotWithShape="1">
           <a:gsLst>
             <a:gs pos="0">
               <a:schemeClr val="phClr">
-                <a:shade val="51000"/>
-                <a:satMod val="130000"/>
+                <a:tint val="92000"/>
+                <a:satMod val="170000"/>
               </a:schemeClr>
             </a:gs>
-            <a:gs pos="80000">
+            <a:gs pos="15000">
               <a:schemeClr val="phClr">
-                <a:shade val="93000"/>
-                <a:satMod val="130000"/>
+                <a:tint val="92000"/>
+                <a:shade val="99000"/>
+                <a:satMod val="170000"/>
+              </a:schemeClr>
+            </a:gs>
+            <a:gs pos="62000">
+              <a:schemeClr val="phClr">
+                <a:tint val="96000"/>
+                <a:shade val="80000"/>
+                <a:satMod val="170000"/>
+              </a:schemeClr>
+            </a:gs>
+            <a:gs pos="97000">
+              <a:schemeClr val="phClr">
+                <a:tint val="98000"/>
+                <a:shade val="63000"/>
+                <a:satMod val="170000"/>
               </a:schemeClr>
             </a:gs>
             <a:gs pos="100000">
               <a:schemeClr val="phClr">
-                <a:shade val="94000"/>
-                <a:satMod val="135000"/>
+                <a:shade val="62000"/>
+                <a:satMod val="170000"/>
               </a:schemeClr>
             </a:gs>
           </a:gsLst>
-          <a:lin ang="16200000" scaled="0"/>
+          <a:path path="circle">
+            <a:fillToRect l="50000" t="50000" r="50000" b="50000"/>
+          </a:path>
         </a:gradFill>
       </a:fillStyleLst>
       <a:lnStyleLst>
         <a:ln w="9525" cap="flat" cmpd="sng" algn="ctr">
           <a:solidFill>
-            <a:schemeClr val="phClr">
-              <a:shade val="95000"/>
-              <a:satMod val="105000"/>
-            </a:schemeClr>
+            <a:schemeClr val="phClr"/>
           </a:solidFill>
           <a:prstDash val="solid"/>
         </a:ln>
@@ -3639,7 +5768,7 @@
           </a:solidFill>
           <a:prstDash val="solid"/>
         </a:ln>
-        <a:ln w="38100" cap="flat" cmpd="sng" algn="ctr">
+        <a:ln w="25400" cap="flat" cmpd="sng" algn="ctr">
           <a:solidFill>
             <a:schemeClr val="phClr"/>
           </a:solidFill>
@@ -3649,40 +5778,59 @@
       <a:effectStyleLst>
         <a:effectStyle>
           <a:effectLst>
-            <a:outerShdw blurRad="40000" dist="20000" dir="5400000" rotWithShape="0">
+            <a:outerShdw blurRad="63500" dist="25400" dir="5400000" rotWithShape="0">
               <a:srgbClr val="000000">
-                <a:alpha val="38000"/>
+                <a:alpha val="43137"/>
               </a:srgbClr>
             </a:outerShdw>
           </a:effectLst>
         </a:effectStyle>
         <a:effectStyle>
           <a:effectLst>
-            <a:outerShdw blurRad="40000" dist="23000" dir="5400000" rotWithShape="0">
+            <a:outerShdw blurRad="63500" dist="25400" dir="5400000" rotWithShape="0">
               <a:srgbClr val="000000">
-                <a:alpha val="35000"/>
-              </a:srgbClr>
-            </a:outerShdw>
-          </a:effectLst>
-        </a:effectStyle>
-        <a:effectStyle>
-          <a:effectLst>
-            <a:outerShdw blurRad="40000" dist="23000" dir="5400000" rotWithShape="0">
-              <a:srgbClr val="000000">
-                <a:alpha val="35000"/>
+                <a:alpha val="43137"/>
               </a:srgbClr>
             </a:outerShdw>
           </a:effectLst>
           <a:scene3d>
-            <a:camera prst="orthographicFront">
+            <a:camera prst="orthographicFront" fov="0">
               <a:rot lat="0" lon="0" rev="0"/>
             </a:camera>
-            <a:lightRig rig="threePt" dir="t">
-              <a:rot lat="0" lon="0" rev="1200000"/>
+            <a:lightRig rig="brightRoom" dir="tl">
+              <a:rot lat="0" lon="0" rev="8700000"/>
             </a:lightRig>
           </a:scene3d>
-          <a:sp3d>
-            <a:bevelT w="63500" h="25400"/>
+          <a:sp3d contourW="12700">
+            <a:bevelT w="0" h="0"/>
+            <a:contourClr>
+              <a:schemeClr val="phClr">
+                <a:shade val="80000"/>
+              </a:schemeClr>
+            </a:contourClr>
+          </a:sp3d>
+        </a:effectStyle>
+        <a:effectStyle>
+          <a:effectLst>
+            <a:outerShdw blurRad="63500" dist="25400" dir="5400000" rotWithShape="0">
+              <a:srgbClr val="000000">
+                <a:alpha val="43137"/>
+              </a:srgbClr>
+            </a:outerShdw>
+          </a:effectLst>
+          <a:scene3d>
+            <a:camera prst="orthographicFront" fov="0">
+              <a:rot lat="0" lon="0" rev="0"/>
+            </a:camera>
+            <a:lightRig rig="brightRoom" dir="tl">
+              <a:rot lat="0" lon="0" rev="5400000"/>
+            </a:lightRig>
+          </a:scene3d>
+          <a:sp3d contourW="12700">
+            <a:bevelT w="25400" h="50800" prst="angle"/>
+            <a:contourClr>
+              <a:schemeClr val="phClr"/>
+            </a:contourClr>
           </a:sp3d>
         </a:effectStyle>
       </a:effectStyleLst>
@@ -3694,47 +5842,42 @@
           <a:gsLst>
             <a:gs pos="0">
               <a:schemeClr val="phClr">
-                <a:tint val="40000"/>
-                <a:satMod val="350000"/>
+                <a:tint val="60000"/>
+                <a:satMod val="355000"/>
               </a:schemeClr>
             </a:gs>
             <a:gs pos="40000">
               <a:schemeClr val="phClr">
-                <a:tint val="45000"/>
-                <a:shade val="99000"/>
-                <a:satMod val="350000"/>
+                <a:tint val="85000"/>
+                <a:satMod val="320000"/>
               </a:schemeClr>
             </a:gs>
             <a:gs pos="100000">
               <a:schemeClr val="phClr">
-                <a:shade val="20000"/>
-                <a:satMod val="255000"/>
+                <a:shade val="55000"/>
+                <a:satMod val="300000"/>
               </a:schemeClr>
             </a:gs>
           </a:gsLst>
           <a:path path="circle">
-            <a:fillToRect l="50000" t="-80000" r="50000" b="180000"/>
+            <a:fillToRect l="-24500" t="-20000" r="124500" b="120000"/>
           </a:path>
         </a:gradFill>
-        <a:gradFill rotWithShape="1">
-          <a:gsLst>
-            <a:gs pos="0">
+        <a:blipFill>
+          <a:blip xmlns:r="http://schemas.openxmlformats.org/officeDocument/2006/relationships" r:embed="rId1">
+            <a:duotone>
               <a:schemeClr val="phClr">
-                <a:tint val="80000"/>
+                <a:shade val="9000"/>
                 <a:satMod val="300000"/>
               </a:schemeClr>
-            </a:gs>
-            <a:gs pos="100000">
               <a:schemeClr val="phClr">
-                <a:shade val="30000"/>
-                <a:satMod val="200000"/>
+                <a:tint val="90000"/>
+                <a:satMod val="225000"/>
               </a:schemeClr>
-            </a:gs>
-          </a:gsLst>
-          <a:path path="circle">
-            <a:fillToRect l="50000" t="50000" r="50000" b="50000"/>
-          </a:path>
-        </a:gradFill>
+            </a:duotone>
+          </a:blip>
+          <a:tile tx="0" ty="0" sx="90000" sy="90000" flip="xy" algn="tl"/>
+        </a:blipFill>
       </a:bgFillStyleLst>
     </a:fmtScheme>
   </a:themeElements>
